--- a/DBP_Morcote_CC_ClothingCompany.pptx
+++ b/DBP_Morcote_CC_ClothingCompany.pptx
@@ -5,7 +5,7 @@
     <p:sldMasterId id="2147483901" r:id="rId1"/>
   </p:sldMasterIdLst>
   <p:notesMasterIdLst>
-    <p:notesMasterId r:id="rId10"/>
+    <p:notesMasterId r:id="rId11"/>
   </p:notesMasterIdLst>
   <p:sldIdLst>
     <p:sldId id="271" r:id="rId2"/>
@@ -15,7 +15,8 @@
     <p:sldId id="375" r:id="rId6"/>
     <p:sldId id="374" r:id="rId7"/>
     <p:sldId id="378" r:id="rId8"/>
-    <p:sldId id="379" r:id="rId9"/>
+    <p:sldId id="380" r:id="rId9"/>
+    <p:sldId id="379" r:id="rId10"/>
   </p:sldIdLst>
   <p:sldSz cx="12192000" cy="6858000"/>
   <p:notesSz cx="6858000" cy="9144000"/>
@@ -215,7 +216,7 @@
           <a:p>
             <a:fld id="{0ED30795-45AB-4973-BF11-0C496A2F83F7}" type="datetimeFigureOut">
               <a:rPr lang="en-US" smtClean="0"/>
-              <a:t>5/23/19</a:t>
+              <a:t>5/30/19</a:t>
             </a:fld>
             <a:endParaRPr lang="en-US"/>
           </a:p>
@@ -746,7 +747,7 @@
                 <a:tabLst/>
                 <a:defRPr/>
               </a:pPr>
-              <a:t>8</a:t>
+              <a:t>9</a:t>
             </a:fld>
             <a:endParaRPr kumimoji="0" lang="en-GB" sz="1800" b="0" i="0" u="none" strike="noStrike" kern="0" cap="none" spc="0" normalizeH="0" baseline="0" noProof="0" dirty="0">
               <a:ln>
@@ -1277,7 +1278,7 @@
           <a:p>
             <a:fld id="{8FE21258-553D-484E-8517-3BA5017D743B}" type="datetime1">
               <a:rPr lang="de-CH" smtClean="0"/>
-              <a:t>23.05.19</a:t>
+              <a:t>30.05.19</a:t>
             </a:fld>
             <a:endParaRPr lang="de-CH" dirty="0"/>
           </a:p>
@@ -1579,7 +1580,7 @@
           <a:p>
             <a:fld id="{8FE21258-553D-484E-8517-3BA5017D743B}" type="datetime1">
               <a:rPr lang="de-CH" smtClean="0"/>
-              <a:t>23.05.19</a:t>
+              <a:t>30.05.19</a:t>
             </a:fld>
             <a:endParaRPr lang="de-CH" dirty="0"/>
           </a:p>
@@ -1833,7 +1834,7 @@
           <a:p>
             <a:fld id="{8FE21258-553D-484E-8517-3BA5017D743B}" type="datetime1">
               <a:rPr lang="de-CH" smtClean="0"/>
-              <a:t>23.05.19</a:t>
+              <a:t>30.05.19</a:t>
             </a:fld>
             <a:endParaRPr lang="de-CH" dirty="0"/>
           </a:p>
@@ -2379,7 +2380,7 @@
           <a:p>
             <a:fld id="{8FE21258-553D-484E-8517-3BA5017D743B}" type="datetime1">
               <a:rPr lang="de-CH" smtClean="0"/>
-              <a:t>23.05.19</a:t>
+              <a:t>30.05.19</a:t>
             </a:fld>
             <a:endParaRPr lang="de-CH" dirty="0"/>
           </a:p>
@@ -2633,7 +2634,7 @@
           <a:p>
             <a:fld id="{8FE21258-553D-484E-8517-3BA5017D743B}" type="datetime1">
               <a:rPr lang="de-CH" smtClean="0"/>
-              <a:t>23.05.19</a:t>
+              <a:t>30.05.19</a:t>
             </a:fld>
             <a:endParaRPr lang="de-CH" dirty="0"/>
           </a:p>
@@ -3171,7 +3172,7 @@
           <a:p>
             <a:fld id="{8FE21258-553D-484E-8517-3BA5017D743B}" type="datetime1">
               <a:rPr lang="de-CH" smtClean="0"/>
-              <a:t>23.05.19</a:t>
+              <a:t>30.05.19</a:t>
             </a:fld>
             <a:endParaRPr lang="de-CH" dirty="0"/>
           </a:p>
@@ -3474,7 +3475,7 @@
           <a:p>
             <a:fld id="{8FE21258-553D-484E-8517-3BA5017D743B}" type="datetime1">
               <a:rPr lang="de-CH" smtClean="0"/>
-              <a:t>23.05.19</a:t>
+              <a:t>30.05.19</a:t>
             </a:fld>
             <a:endParaRPr lang="de-CH" dirty="0"/>
           </a:p>
@@ -3654,7 +3655,7 @@
           <a:p>
             <a:fld id="{8FE21258-553D-484E-8517-3BA5017D743B}" type="datetime1">
               <a:rPr lang="de-CH" smtClean="0"/>
-              <a:t>23.05.19</a:t>
+              <a:t>30.05.19</a:t>
             </a:fld>
             <a:endParaRPr lang="de-CH" dirty="0"/>
           </a:p>
@@ -3840,7 +3841,7 @@
           <a:p>
             <a:fld id="{8FE21258-553D-484E-8517-3BA5017D743B}" type="datetime1">
               <a:rPr lang="de-CH" smtClean="0"/>
-              <a:t>23.05.19</a:t>
+              <a:t>30.05.19</a:t>
             </a:fld>
             <a:endParaRPr lang="de-CH" dirty="0"/>
           </a:p>
@@ -4016,7 +4017,7 @@
           <a:p>
             <a:fld id="{8FE21258-553D-484E-8517-3BA5017D743B}" type="datetime1">
               <a:rPr lang="de-CH" smtClean="0"/>
-              <a:t>23.05.19</a:t>
+              <a:t>30.05.19</a:t>
             </a:fld>
             <a:endParaRPr lang="de-CH" dirty="0"/>
           </a:p>
@@ -4273,7 +4274,7 @@
           <a:p>
             <a:fld id="{8FE21258-553D-484E-8517-3BA5017D743B}" type="datetime1">
               <a:rPr lang="de-CH" smtClean="0"/>
-              <a:t>23.05.19</a:t>
+              <a:t>30.05.19</a:t>
             </a:fld>
             <a:endParaRPr lang="de-CH" dirty="0"/>
           </a:p>
@@ -4576,7 +4577,7 @@
           <a:p>
             <a:fld id="{8FE21258-553D-484E-8517-3BA5017D743B}" type="datetime1">
               <a:rPr lang="de-CH" smtClean="0"/>
-              <a:t>23.05.19</a:t>
+              <a:t>30.05.19</a:t>
             </a:fld>
             <a:endParaRPr lang="de-CH" dirty="0"/>
           </a:p>
@@ -5024,7 +5025,7 @@
           <a:p>
             <a:fld id="{8FE21258-553D-484E-8517-3BA5017D743B}" type="datetime1">
               <a:rPr lang="de-CH" smtClean="0"/>
-              <a:t>23.05.19</a:t>
+              <a:t>30.05.19</a:t>
             </a:fld>
             <a:endParaRPr lang="de-CH" dirty="0"/>
           </a:p>
@@ -5148,7 +5149,7 @@
           <a:p>
             <a:fld id="{8FE21258-553D-484E-8517-3BA5017D743B}" type="datetime1">
               <a:rPr lang="de-CH" smtClean="0"/>
-              <a:t>23.05.19</a:t>
+              <a:t>30.05.19</a:t>
             </a:fld>
             <a:endParaRPr lang="de-CH" dirty="0"/>
           </a:p>
@@ -5249,7 +5250,7 @@
           <a:p>
             <a:fld id="{8FE21258-553D-484E-8517-3BA5017D743B}" type="datetime1">
               <a:rPr lang="de-CH" smtClean="0"/>
-              <a:t>23.05.19</a:t>
+              <a:t>30.05.19</a:t>
             </a:fld>
             <a:endParaRPr lang="de-CH" dirty="0"/>
           </a:p>
@@ -5538,7 +5539,7 @@
           <a:p>
             <a:fld id="{8FE21258-553D-484E-8517-3BA5017D743B}" type="datetime1">
               <a:rPr lang="de-CH" smtClean="0"/>
-              <a:t>23.05.19</a:t>
+              <a:t>30.05.19</a:t>
             </a:fld>
             <a:endParaRPr lang="de-CH" dirty="0"/>
           </a:p>
@@ -5835,7 +5836,7 @@
           <a:p>
             <a:fld id="{8FE21258-553D-484E-8517-3BA5017D743B}" type="datetime1">
               <a:rPr lang="de-CH" smtClean="0"/>
-              <a:t>23.05.19</a:t>
+              <a:t>30.05.19</a:t>
             </a:fld>
             <a:endParaRPr lang="de-CH" dirty="0"/>
           </a:p>
@@ -6375,7 +6376,7 @@
           <a:p>
             <a:fld id="{8FE21258-553D-484E-8517-3BA5017D743B}" type="datetime1">
               <a:rPr lang="de-CH" smtClean="0"/>
-              <a:t>23.05.19</a:t>
+              <a:t>30.05.19</a:t>
             </a:fld>
             <a:endParaRPr lang="de-CH" dirty="0"/>
           </a:p>
@@ -6941,7 +6942,15 @@
                 <a:ea typeface="Source Sans Pro" charset="0"/>
                 <a:cs typeface="Source Sans Pro" charset="0"/>
               </a:rPr>
-              <a:t>Digitalisation of the Business Processes (SS19)</a:t>
+              <a:t>Digitalization </a:t>
+            </a:r>
+            <a:r>
+              <a:rPr lang="en-US" sz="2500" dirty="0" smtClean="0">
+                <a:latin typeface="Source Sans Pro" charset="0"/>
+                <a:ea typeface="Source Sans Pro" charset="0"/>
+                <a:cs typeface="Source Sans Pro" charset="0"/>
+              </a:rPr>
+              <a:t>of the Business Processes (SS19)</a:t>
             </a:r>
             <a:r>
               <a:rPr lang="en-US" sz="2800" b="1" dirty="0" smtClean="0">
@@ -6981,14 +6990,6 @@
               </a:rPr>
               <a:t>e-Retail</a:t>
             </a:r>
-            <a:r>
-              <a:rPr lang="en-US" sz="4000" b="1" dirty="0" smtClean="0">
-                <a:latin typeface="Serifa Std 65" charset="0"/>
-                <a:ea typeface="Serifa Std 65" charset="0"/>
-                <a:cs typeface="Serifa Std 65" charset="0"/>
-              </a:rPr>
-              <a:t/>
-            </a:r>
             <a:br>
               <a:rPr lang="en-US" sz="4000" b="1" dirty="0" smtClean="0">
                 <a:latin typeface="Serifa Std 65" charset="0"/>
@@ -7003,14 +7004,6 @@
                 <a:cs typeface="Serifa Std 65" charset="0"/>
               </a:rPr>
               <a:t>CC Clothing Company</a:t>
-            </a:r>
-            <a:r>
-              <a:rPr lang="en-US" sz="4000" b="1" dirty="0" smtClean="0">
-                <a:latin typeface="Serifa Std 65" charset="0"/>
-                <a:ea typeface="Serifa Std 65" charset="0"/>
-                <a:cs typeface="Serifa Std 65" charset="0"/>
-              </a:rPr>
-              <a:t/>
             </a:r>
             <a:br>
               <a:rPr lang="en-US" sz="4000" b="1" dirty="0" smtClean="0">
@@ -7341,12 +7334,12 @@
               <a:t>No </a:t>
             </a:r>
             <a:r>
-              <a:rPr lang="en-US" dirty="0" err="1" smtClean="0"/>
-              <a:t>aligment</a:t>
-            </a:r>
-            <a:r>
               <a:rPr lang="en-US" dirty="0" smtClean="0"/>
-              <a:t> of Business and IT</a:t>
+              <a:t>alignment </a:t>
+            </a:r>
+            <a:r>
+              <a:rPr lang="en-US" dirty="0" smtClean="0"/>
+              <a:t>of Business and IT</a:t>
             </a:r>
           </a:p>
           <a:p>
@@ -8258,6 +8251,181 @@
 </file>
 
 <file path=ppt/slides/slide8.xml><?xml version="1.0" encoding="utf-8"?>
+<p:sld xmlns:a="http://schemas.openxmlformats.org/drawingml/2006/main" xmlns:r="http://schemas.openxmlformats.org/officeDocument/2006/relationships" xmlns:p="http://schemas.openxmlformats.org/presentationml/2006/main">
+  <p:cSld>
+    <p:spTree>
+      <p:nvGrpSpPr>
+        <p:cNvPr id="1" name=""/>
+        <p:cNvGrpSpPr/>
+        <p:nvPr/>
+      </p:nvGrpSpPr>
+      <p:grpSpPr>
+        <a:xfrm>
+          <a:off x="0" y="0"/>
+          <a:ext cx="0" cy="0"/>
+          <a:chOff x="0" y="0"/>
+          <a:chExt cx="0" cy="0"/>
+        </a:xfrm>
+      </p:grpSpPr>
+      <p:sp>
+        <p:nvSpPr>
+          <p:cNvPr id="5" name="Foliennummernplatzhalter 4"/>
+          <p:cNvSpPr>
+            <a:spLocks noGrp="1"/>
+          </p:cNvSpPr>
+          <p:nvPr>
+            <p:ph type="sldNum" sz="quarter" idx="12"/>
+          </p:nvPr>
+        </p:nvSpPr>
+        <p:spPr>
+          <a:xfrm>
+            <a:off x="10951856" y="6201931"/>
+            <a:ext cx="551167" cy="365125"/>
+          </a:xfrm>
+        </p:spPr>
+        <p:txBody>
+          <a:bodyPr/>
+          <a:lstStyle/>
+          <a:p>
+            <a:fld id="{9F10C86B-4752-43DD-85C6-6BDBDC82DA15}" type="slidenum">
+              <a:rPr lang="de-CH" smtClean="0">
+                <a:latin typeface="Source Sans Pro" charset="0"/>
+                <a:ea typeface="Source Sans Pro" charset="0"/>
+                <a:cs typeface="Source Sans Pro" charset="0"/>
+              </a:rPr>
+              <a:pPr/>
+              <a:t>8</a:t>
+            </a:fld>
+            <a:endParaRPr lang="de-CH" dirty="0">
+              <a:latin typeface="Source Sans Pro" charset="0"/>
+              <a:ea typeface="Source Sans Pro" charset="0"/>
+              <a:cs typeface="Source Sans Pro" charset="0"/>
+            </a:endParaRPr>
+          </a:p>
+        </p:txBody>
+      </p:sp>
+      <p:sp>
+        <p:nvSpPr>
+          <p:cNvPr id="4" name="Fußzeilenplatzhalter 3"/>
+          <p:cNvSpPr>
+            <a:spLocks noGrp="1"/>
+          </p:cNvSpPr>
+          <p:nvPr>
+            <p:ph type="ftr" sz="quarter" idx="11"/>
+          </p:nvPr>
+        </p:nvSpPr>
+        <p:spPr>
+          <a:xfrm>
+            <a:off x="2350599" y="6201932"/>
+            <a:ext cx="7084177" cy="365125"/>
+          </a:xfrm>
+        </p:spPr>
+        <p:txBody>
+          <a:bodyPr/>
+          <a:lstStyle/>
+          <a:p>
+            <a:r>
+              <a:rPr lang="en-GB" dirty="0" smtClean="0">
+                <a:latin typeface="Source Sans Pro" charset="0"/>
+                <a:ea typeface="Source Sans Pro" charset="0"/>
+                <a:cs typeface="Source Sans Pro" charset="0"/>
+              </a:rPr>
+              <a:t>Loris, Oliver, </a:t>
+            </a:r>
+            <a:r>
+              <a:rPr lang="en-GB" dirty="0" err="1" smtClean="0">
+                <a:latin typeface="Source Sans Pro" charset="0"/>
+                <a:ea typeface="Source Sans Pro" charset="0"/>
+                <a:cs typeface="Source Sans Pro" charset="0"/>
+              </a:rPr>
+              <a:t>Shambu</a:t>
+            </a:r>
+            <a:r>
+              <a:rPr lang="en-GB" dirty="0" smtClean="0">
+                <a:latin typeface="Source Sans Pro" charset="0"/>
+                <a:ea typeface="Source Sans Pro" charset="0"/>
+                <a:cs typeface="Source Sans Pro" charset="0"/>
+              </a:rPr>
+              <a:t>, Yannick</a:t>
+            </a:r>
+            <a:endParaRPr lang="en-GB" dirty="0">
+              <a:latin typeface="Source Sans Pro" charset="0"/>
+              <a:ea typeface="Source Sans Pro" charset="0"/>
+              <a:cs typeface="Source Sans Pro" charset="0"/>
+            </a:endParaRPr>
+          </a:p>
+        </p:txBody>
+      </p:sp>
+      <p:sp>
+        <p:nvSpPr>
+          <p:cNvPr id="6" name="Rectangle 5"/>
+          <p:cNvSpPr/>
+          <p:nvPr/>
+        </p:nvSpPr>
+        <p:spPr>
+          <a:xfrm>
+            <a:off x="2148123" y="588066"/>
+            <a:ext cx="6181837" cy="584775"/>
+          </a:xfrm>
+          <a:prstGeom prst="rect">
+            <a:avLst/>
+          </a:prstGeom>
+        </p:spPr>
+        <p:txBody>
+          <a:bodyPr wrap="square">
+            <a:spAutoFit/>
+          </a:bodyPr>
+          <a:lstStyle/>
+          <a:p>
+            <a:r>
+              <a:rPr lang="en-US" sz="3200" b="1" dirty="0" smtClean="0">
+                <a:latin typeface="Serifa Std 65" charset="0"/>
+                <a:ea typeface="Serifa Std 65" charset="0"/>
+                <a:cs typeface="Serifa Std 65" charset="0"/>
+              </a:rPr>
+              <a:t>Decisions in «</a:t>
+            </a:r>
+            <a:r>
+              <a:rPr lang="en-US" sz="3200" b="1" dirty="0" err="1" smtClean="0">
+                <a:latin typeface="Serifa Std 65" charset="0"/>
+                <a:ea typeface="Serifa Std 65" charset="0"/>
+                <a:cs typeface="Serifa Std 65" charset="0"/>
+              </a:rPr>
+              <a:t>integromat</a:t>
+            </a:r>
+            <a:r>
+              <a:rPr lang="en-US" sz="3200" b="1" dirty="0" smtClean="0">
+                <a:latin typeface="Serifa Std 65" charset="0"/>
+                <a:ea typeface="Serifa Std 65" charset="0"/>
+                <a:cs typeface="Serifa Std 65" charset="0"/>
+              </a:rPr>
+              <a:t>»</a:t>
+            </a:r>
+            <a:endParaRPr lang="en-US" sz="3200" dirty="0"/>
+          </a:p>
+        </p:txBody>
+      </p:sp>
+    </p:spTree>
+    <p:extLst>
+      <p:ext uri="{BB962C8B-B14F-4D97-AF65-F5344CB8AC3E}">
+        <p14:creationId xmlns:p14="http://schemas.microsoft.com/office/powerpoint/2010/main" val="600496422"/>
+      </p:ext>
+    </p:extLst>
+  </p:cSld>
+  <p:clrMapOvr>
+    <a:masterClrMapping/>
+  </p:clrMapOvr>
+  <p:timing>
+    <p:tnLst>
+      <p:par>
+        <p:cTn id="1" dur="indefinite" restart="never" nodeType="tmRoot"/>
+      </p:par>
+    </p:tnLst>
+  </p:timing>
+</p:sld>
+</file>
+
+<file path=ppt/slides/slide9.xml><?xml version="1.0" encoding="utf-8"?>
 <p:sld xmlns:a="http://schemas.openxmlformats.org/drawingml/2006/main" xmlns:r="http://schemas.openxmlformats.org/officeDocument/2006/relationships" xmlns:p="http://schemas.openxmlformats.org/presentationml/2006/main">
   <p:cSld>
     <p:spTree>

--- a/DBP_Morcote_CC_ClothingCompany.pptx
+++ b/DBP_Morcote_CC_ClothingCompany.pptx
@@ -5,18 +5,14 @@
     <p:sldMasterId id="2147483901" r:id="rId1"/>
   </p:sldMasterIdLst>
   <p:notesMasterIdLst>
-    <p:notesMasterId r:id="rId11"/>
+    <p:notesMasterId r:id="rId7"/>
   </p:notesMasterIdLst>
   <p:sldIdLst>
     <p:sldId id="271" r:id="rId2"/>
     <p:sldId id="373" r:id="rId3"/>
     <p:sldId id="376" r:id="rId4"/>
-    <p:sldId id="377" r:id="rId5"/>
-    <p:sldId id="375" r:id="rId6"/>
-    <p:sldId id="374" r:id="rId7"/>
-    <p:sldId id="378" r:id="rId8"/>
-    <p:sldId id="380" r:id="rId9"/>
-    <p:sldId id="379" r:id="rId10"/>
+    <p:sldId id="375" r:id="rId5"/>
+    <p:sldId id="379" r:id="rId6"/>
   </p:sldIdLst>
   <p:sldSz cx="12192000" cy="6858000"/>
   <p:notesSz cx="6858000" cy="9144000"/>
@@ -216,7 +212,7 @@
           <a:p>
             <a:fld id="{0ED30795-45AB-4973-BF11-0C496A2F83F7}" type="datetimeFigureOut">
               <a:rPr lang="en-US" smtClean="0"/>
-              <a:t>5/30/19</a:t>
+              <a:t>6/1/19</a:t>
             </a:fld>
             <a:endParaRPr lang="en-US"/>
           </a:p>
@@ -747,7 +743,7 @@
                 <a:tabLst/>
                 <a:defRPr/>
               </a:pPr>
-              <a:t>9</a:t>
+              <a:t>5</a:t>
             </a:fld>
             <a:endParaRPr kumimoji="0" lang="en-GB" sz="1800" b="0" i="0" u="none" strike="noStrike" kern="0" cap="none" spc="0" normalizeH="0" baseline="0" noProof="0" dirty="0">
               <a:ln>
@@ -1278,7 +1274,7 @@
           <a:p>
             <a:fld id="{8FE21258-553D-484E-8517-3BA5017D743B}" type="datetime1">
               <a:rPr lang="de-CH" smtClean="0"/>
-              <a:t>30.05.19</a:t>
+              <a:t>01.06.19</a:t>
             </a:fld>
             <a:endParaRPr lang="de-CH" dirty="0"/>
           </a:p>
@@ -1580,7 +1576,7 @@
           <a:p>
             <a:fld id="{8FE21258-553D-484E-8517-3BA5017D743B}" type="datetime1">
               <a:rPr lang="de-CH" smtClean="0"/>
-              <a:t>30.05.19</a:t>
+              <a:t>01.06.19</a:t>
             </a:fld>
             <a:endParaRPr lang="de-CH" dirty="0"/>
           </a:p>
@@ -1834,7 +1830,7 @@
           <a:p>
             <a:fld id="{8FE21258-553D-484E-8517-3BA5017D743B}" type="datetime1">
               <a:rPr lang="de-CH" smtClean="0"/>
-              <a:t>30.05.19</a:t>
+              <a:t>01.06.19</a:t>
             </a:fld>
             <a:endParaRPr lang="de-CH" dirty="0"/>
           </a:p>
@@ -2380,7 +2376,7 @@
           <a:p>
             <a:fld id="{8FE21258-553D-484E-8517-3BA5017D743B}" type="datetime1">
               <a:rPr lang="de-CH" smtClean="0"/>
-              <a:t>30.05.19</a:t>
+              <a:t>01.06.19</a:t>
             </a:fld>
             <a:endParaRPr lang="de-CH" dirty="0"/>
           </a:p>
@@ -2634,7 +2630,7 @@
           <a:p>
             <a:fld id="{8FE21258-553D-484E-8517-3BA5017D743B}" type="datetime1">
               <a:rPr lang="de-CH" smtClean="0"/>
-              <a:t>30.05.19</a:t>
+              <a:t>01.06.19</a:t>
             </a:fld>
             <a:endParaRPr lang="de-CH" dirty="0"/>
           </a:p>
@@ -3172,7 +3168,7 @@
           <a:p>
             <a:fld id="{8FE21258-553D-484E-8517-3BA5017D743B}" type="datetime1">
               <a:rPr lang="de-CH" smtClean="0"/>
-              <a:t>30.05.19</a:t>
+              <a:t>01.06.19</a:t>
             </a:fld>
             <a:endParaRPr lang="de-CH" dirty="0"/>
           </a:p>
@@ -3475,7 +3471,7 @@
           <a:p>
             <a:fld id="{8FE21258-553D-484E-8517-3BA5017D743B}" type="datetime1">
               <a:rPr lang="de-CH" smtClean="0"/>
-              <a:t>30.05.19</a:t>
+              <a:t>01.06.19</a:t>
             </a:fld>
             <a:endParaRPr lang="de-CH" dirty="0"/>
           </a:p>
@@ -3655,7 +3651,7 @@
           <a:p>
             <a:fld id="{8FE21258-553D-484E-8517-3BA5017D743B}" type="datetime1">
               <a:rPr lang="de-CH" smtClean="0"/>
-              <a:t>30.05.19</a:t>
+              <a:t>01.06.19</a:t>
             </a:fld>
             <a:endParaRPr lang="de-CH" dirty="0"/>
           </a:p>
@@ -3841,7 +3837,7 @@
           <a:p>
             <a:fld id="{8FE21258-553D-484E-8517-3BA5017D743B}" type="datetime1">
               <a:rPr lang="de-CH" smtClean="0"/>
-              <a:t>30.05.19</a:t>
+              <a:t>01.06.19</a:t>
             </a:fld>
             <a:endParaRPr lang="de-CH" dirty="0"/>
           </a:p>
@@ -4017,7 +4013,7 @@
           <a:p>
             <a:fld id="{8FE21258-553D-484E-8517-3BA5017D743B}" type="datetime1">
               <a:rPr lang="de-CH" smtClean="0"/>
-              <a:t>30.05.19</a:t>
+              <a:t>01.06.19</a:t>
             </a:fld>
             <a:endParaRPr lang="de-CH" dirty="0"/>
           </a:p>
@@ -4274,7 +4270,7 @@
           <a:p>
             <a:fld id="{8FE21258-553D-484E-8517-3BA5017D743B}" type="datetime1">
               <a:rPr lang="de-CH" smtClean="0"/>
-              <a:t>30.05.19</a:t>
+              <a:t>01.06.19</a:t>
             </a:fld>
             <a:endParaRPr lang="de-CH" dirty="0"/>
           </a:p>
@@ -4577,7 +4573,7 @@
           <a:p>
             <a:fld id="{8FE21258-553D-484E-8517-3BA5017D743B}" type="datetime1">
               <a:rPr lang="de-CH" smtClean="0"/>
-              <a:t>30.05.19</a:t>
+              <a:t>01.06.19</a:t>
             </a:fld>
             <a:endParaRPr lang="de-CH" dirty="0"/>
           </a:p>
@@ -5025,7 +5021,7 @@
           <a:p>
             <a:fld id="{8FE21258-553D-484E-8517-3BA5017D743B}" type="datetime1">
               <a:rPr lang="de-CH" smtClean="0"/>
-              <a:t>30.05.19</a:t>
+              <a:t>01.06.19</a:t>
             </a:fld>
             <a:endParaRPr lang="de-CH" dirty="0"/>
           </a:p>
@@ -5149,7 +5145,7 @@
           <a:p>
             <a:fld id="{8FE21258-553D-484E-8517-3BA5017D743B}" type="datetime1">
               <a:rPr lang="de-CH" smtClean="0"/>
-              <a:t>30.05.19</a:t>
+              <a:t>01.06.19</a:t>
             </a:fld>
             <a:endParaRPr lang="de-CH" dirty="0"/>
           </a:p>
@@ -5250,7 +5246,7 @@
           <a:p>
             <a:fld id="{8FE21258-553D-484E-8517-3BA5017D743B}" type="datetime1">
               <a:rPr lang="de-CH" smtClean="0"/>
-              <a:t>30.05.19</a:t>
+              <a:t>01.06.19</a:t>
             </a:fld>
             <a:endParaRPr lang="de-CH" dirty="0"/>
           </a:p>
@@ -5539,7 +5535,7 @@
           <a:p>
             <a:fld id="{8FE21258-553D-484E-8517-3BA5017D743B}" type="datetime1">
               <a:rPr lang="de-CH" smtClean="0"/>
-              <a:t>30.05.19</a:t>
+              <a:t>01.06.19</a:t>
             </a:fld>
             <a:endParaRPr lang="de-CH" dirty="0"/>
           </a:p>
@@ -5836,7 +5832,7 @@
           <a:p>
             <a:fld id="{8FE21258-553D-484E-8517-3BA5017D743B}" type="datetime1">
               <a:rPr lang="de-CH" smtClean="0"/>
-              <a:t>30.05.19</a:t>
+              <a:t>01.06.19</a:t>
             </a:fld>
             <a:endParaRPr lang="de-CH" dirty="0"/>
           </a:p>
@@ -6376,7 +6372,7 @@
           <a:p>
             <a:fld id="{8FE21258-553D-484E-8517-3BA5017D743B}" type="datetime1">
               <a:rPr lang="de-CH" smtClean="0"/>
-              <a:t>30.05.19</a:t>
+              <a:t>01.06.19</a:t>
             </a:fld>
             <a:endParaRPr lang="de-CH" dirty="0"/>
           </a:p>
@@ -6942,15 +6938,7 @@
                 <a:ea typeface="Source Sans Pro" charset="0"/>
                 <a:cs typeface="Source Sans Pro" charset="0"/>
               </a:rPr>
-              <a:t>Digitalization </a:t>
-            </a:r>
-            <a:r>
-              <a:rPr lang="en-US" sz="2500" dirty="0" smtClean="0">
-                <a:latin typeface="Source Sans Pro" charset="0"/>
-                <a:ea typeface="Source Sans Pro" charset="0"/>
-                <a:cs typeface="Source Sans Pro" charset="0"/>
-              </a:rPr>
-              <a:t>of the Business Processes (SS19)</a:t>
+              <a:t>Digitalization of the Business Processes (SS19)</a:t>
             </a:r>
             <a:r>
               <a:rPr lang="en-US" sz="2800" b="1" dirty="0" smtClean="0">
@@ -7331,15 +7319,7 @@
           <a:p>
             <a:r>
               <a:rPr lang="en-US" dirty="0" smtClean="0"/>
-              <a:t>No </a:t>
-            </a:r>
-            <a:r>
-              <a:rPr lang="en-US" dirty="0" smtClean="0"/>
-              <a:t>alignment </a:t>
-            </a:r>
-            <a:r>
-              <a:rPr lang="en-US" dirty="0" smtClean="0"/>
-              <a:t>of Business and IT</a:t>
+              <a:t>No alignment of Business and IT</a:t>
             </a:r>
           </a:p>
           <a:p>
@@ -7657,73 +7637,6 @@
           <a:chExt cx="0" cy="0"/>
         </a:xfrm>
       </p:grpSpPr>
-      <p:pic>
-        <p:nvPicPr>
-          <p:cNvPr id="9" name="Picture 8"/>
-          <p:cNvPicPr>
-            <a:picLocks noChangeAspect="1"/>
-          </p:cNvPicPr>
-          <p:nvPr/>
-        </p:nvPicPr>
-        <p:blipFill>
-          <a:blip r:embed="rId2">
-            <a:extLst>
-              <a:ext uri="{28A0092B-C50C-407E-A947-70E740481C1C}">
-                <a14:useLocalDpi xmlns:a14="http://schemas.microsoft.com/office/drawing/2010/main" val="0"/>
-              </a:ext>
-            </a:extLst>
-          </a:blip>
-          <a:stretch>
-            <a:fillRect/>
-          </a:stretch>
-        </p:blipFill>
-        <p:spPr>
-          <a:xfrm>
-            <a:off x="2476997" y="121351"/>
-            <a:ext cx="9320992" cy="6558229"/>
-          </a:xfrm>
-          <a:prstGeom prst="rect">
-            <a:avLst/>
-          </a:prstGeom>
-        </p:spPr>
-      </p:pic>
-    </p:spTree>
-    <p:extLst>
-      <p:ext uri="{BB962C8B-B14F-4D97-AF65-F5344CB8AC3E}">
-        <p14:creationId xmlns:p14="http://schemas.microsoft.com/office/powerpoint/2010/main" val="257859554"/>
-      </p:ext>
-    </p:extLst>
-  </p:cSld>
-  <p:clrMapOvr>
-    <a:masterClrMapping/>
-  </p:clrMapOvr>
-  <p:timing>
-    <p:tnLst>
-      <p:par>
-        <p:cTn id="1" dur="indefinite" restart="never" nodeType="tmRoot"/>
-      </p:par>
-    </p:tnLst>
-  </p:timing>
-</p:sld>
-</file>
-
-<file path=ppt/slides/slide5.xml><?xml version="1.0" encoding="utf-8"?>
-<p:sld xmlns:a="http://schemas.openxmlformats.org/drawingml/2006/main" xmlns:r="http://schemas.openxmlformats.org/officeDocument/2006/relationships" xmlns:p="http://schemas.openxmlformats.org/presentationml/2006/main">
-  <p:cSld>
-    <p:spTree>
-      <p:nvGrpSpPr>
-        <p:cNvPr id="1" name=""/>
-        <p:cNvGrpSpPr/>
-        <p:nvPr/>
-      </p:nvGrpSpPr>
-      <p:grpSpPr>
-        <a:xfrm>
-          <a:off x="0" y="0"/>
-          <a:ext cx="0" cy="0"/>
-          <a:chOff x="0" y="0"/>
-          <a:chExt cx="0" cy="0"/>
-        </a:xfrm>
-      </p:grpSpPr>
       <p:sp>
         <p:nvSpPr>
           <p:cNvPr id="3" name="Content Placeholder 2"/>
@@ -7764,29 +7677,24 @@
           <a:p>
             <a:r>
               <a:rPr lang="en-US" dirty="0" smtClean="0"/>
-              <a:t>Order assistant (AI)</a:t>
-            </a:r>
+              <a:t>Customer loyalty </a:t>
+            </a:r>
+            <a:r>
+              <a:rPr lang="en-US" dirty="0" err="1" smtClean="0"/>
+              <a:t>programm</a:t>
+            </a:r>
+            <a:endParaRPr lang="en-US" dirty="0" smtClean="0"/>
           </a:p>
           <a:p>
             <a:r>
               <a:rPr lang="en-US" dirty="0" smtClean="0"/>
-              <a:t>Inventory Management</a:t>
-            </a:r>
-          </a:p>
-          <a:p>
-            <a:r>
-              <a:rPr lang="de-CH" dirty="0" err="1" smtClean="0"/>
-              <a:t>Sending</a:t>
-            </a:r>
-            <a:r>
-              <a:rPr lang="de-CH" dirty="0" smtClean="0"/>
-              <a:t> </a:t>
-            </a:r>
-            <a:r>
-              <a:rPr lang="de-CH" dirty="0" err="1" smtClean="0"/>
-              <a:t>confirmation</a:t>
-            </a:r>
-            <a:endParaRPr lang="de-CH" dirty="0" smtClean="0"/>
+              <a:t>Inventory </a:t>
+            </a:r>
+            <a:r>
+              <a:rPr lang="en-US" dirty="0" smtClean="0"/>
+              <a:t>management</a:t>
+            </a:r>
+            <a:endParaRPr lang="en-US" dirty="0" smtClean="0"/>
           </a:p>
         </p:txBody>
       </p:sp>
@@ -7808,7 +7716,7 @@
             <a:fld id="{9F10C86B-4752-43DD-85C6-6BDBDC82DA15}" type="slidenum">
               <a:rPr lang="de-CH" smtClean="0"/>
               <a:pPr/>
-              <a:t>5</a:t>
+              <a:t>4</a:t>
             </a:fld>
             <a:endParaRPr lang="de-CH"/>
           </a:p>
@@ -7927,505 +7835,7 @@
 </p:sld>
 </file>
 
-<file path=ppt/slides/slide6.xml><?xml version="1.0" encoding="utf-8"?>
-<p:sld xmlns:a="http://schemas.openxmlformats.org/drawingml/2006/main" xmlns:r="http://schemas.openxmlformats.org/officeDocument/2006/relationships" xmlns:p="http://schemas.openxmlformats.org/presentationml/2006/main">
-  <p:cSld>
-    <p:spTree>
-      <p:nvGrpSpPr>
-        <p:cNvPr id="1" name=""/>
-        <p:cNvGrpSpPr/>
-        <p:nvPr/>
-      </p:nvGrpSpPr>
-      <p:grpSpPr>
-        <a:xfrm>
-          <a:off x="0" y="0"/>
-          <a:ext cx="0" cy="0"/>
-          <a:chOff x="0" y="0"/>
-          <a:chExt cx="0" cy="0"/>
-        </a:xfrm>
-      </p:grpSpPr>
-      <p:sp>
-        <p:nvSpPr>
-          <p:cNvPr id="5" name="Foliennummernplatzhalter 4"/>
-          <p:cNvSpPr>
-            <a:spLocks noGrp="1"/>
-          </p:cNvSpPr>
-          <p:nvPr>
-            <p:ph type="sldNum" sz="quarter" idx="12"/>
-          </p:nvPr>
-        </p:nvSpPr>
-        <p:spPr>
-          <a:xfrm>
-            <a:off x="10951856" y="6201931"/>
-            <a:ext cx="551167" cy="365125"/>
-          </a:xfrm>
-        </p:spPr>
-        <p:txBody>
-          <a:bodyPr/>
-          <a:lstStyle/>
-          <a:p>
-            <a:fld id="{9F10C86B-4752-43DD-85C6-6BDBDC82DA15}" type="slidenum">
-              <a:rPr lang="de-CH" smtClean="0">
-                <a:latin typeface="Source Sans Pro" charset="0"/>
-                <a:ea typeface="Source Sans Pro" charset="0"/>
-                <a:cs typeface="Source Sans Pro" charset="0"/>
-              </a:rPr>
-              <a:pPr/>
-              <a:t>6</a:t>
-            </a:fld>
-            <a:endParaRPr lang="de-CH" dirty="0">
-              <a:latin typeface="Source Sans Pro" charset="0"/>
-              <a:ea typeface="Source Sans Pro" charset="0"/>
-              <a:cs typeface="Source Sans Pro" charset="0"/>
-            </a:endParaRPr>
-          </a:p>
-        </p:txBody>
-      </p:sp>
-      <p:pic>
-        <p:nvPicPr>
-          <p:cNvPr id="8" name="Picture 7"/>
-          <p:cNvPicPr>
-            <a:picLocks noChangeAspect="1"/>
-          </p:cNvPicPr>
-          <p:nvPr/>
-        </p:nvPicPr>
-        <p:blipFill>
-          <a:blip r:embed="rId2">
-            <a:extLst>
-              <a:ext uri="{28A0092B-C50C-407E-A947-70E740481C1C}">
-                <a14:useLocalDpi xmlns:a14="http://schemas.microsoft.com/office/drawing/2010/main" val="0"/>
-              </a:ext>
-            </a:extLst>
-          </a:blip>
-          <a:stretch>
-            <a:fillRect/>
-          </a:stretch>
-        </p:blipFill>
-        <p:spPr>
-          <a:xfrm>
-            <a:off x="9373115" y="190579"/>
-            <a:ext cx="2129908" cy="355832"/>
-          </a:xfrm>
-          <a:prstGeom prst="rect">
-            <a:avLst/>
-          </a:prstGeom>
-        </p:spPr>
-      </p:pic>
-      <p:sp>
-        <p:nvSpPr>
-          <p:cNvPr id="11" name="Rectangle 10"/>
-          <p:cNvSpPr/>
-          <p:nvPr/>
-        </p:nvSpPr>
-        <p:spPr>
-          <a:xfrm>
-            <a:off x="2148123" y="588066"/>
-            <a:ext cx="6181837" cy="584775"/>
-          </a:xfrm>
-          <a:prstGeom prst="rect">
-            <a:avLst/>
-          </a:prstGeom>
-        </p:spPr>
-        <p:txBody>
-          <a:bodyPr wrap="square">
-            <a:spAutoFit/>
-          </a:bodyPr>
-          <a:lstStyle/>
-          <a:p>
-            <a:r>
-              <a:rPr lang="en-US" sz="3200" b="1" dirty="0" smtClean="0">
-                <a:latin typeface="Serifa Std 65" charset="0"/>
-                <a:ea typeface="Serifa Std 65" charset="0"/>
-                <a:cs typeface="Serifa Std 65" charset="0"/>
-              </a:rPr>
-              <a:t>New processes</a:t>
-            </a:r>
-            <a:endParaRPr lang="en-US" sz="3200" dirty="0"/>
-          </a:p>
-        </p:txBody>
-      </p:sp>
-      <p:pic>
-        <p:nvPicPr>
-          <p:cNvPr id="2" name="Picture 1"/>
-          <p:cNvPicPr>
-            <a:picLocks noChangeAspect="1"/>
-          </p:cNvPicPr>
-          <p:nvPr/>
-        </p:nvPicPr>
-        <p:blipFill>
-          <a:blip r:embed="rId3">
-            <a:extLst>
-              <a:ext uri="{28A0092B-C50C-407E-A947-70E740481C1C}">
-                <a14:useLocalDpi xmlns:a14="http://schemas.microsoft.com/office/drawing/2010/main" val="0"/>
-              </a:ext>
-            </a:extLst>
-          </a:blip>
-          <a:stretch>
-            <a:fillRect/>
-          </a:stretch>
-        </p:blipFill>
-        <p:spPr>
-          <a:xfrm>
-            <a:off x="2246978" y="1172841"/>
-            <a:ext cx="6203093" cy="4827161"/>
-          </a:xfrm>
-          <a:prstGeom prst="rect">
-            <a:avLst/>
-          </a:prstGeom>
-        </p:spPr>
-      </p:pic>
-      <p:sp>
-        <p:nvSpPr>
-          <p:cNvPr id="7" name="Fußzeilenplatzhalter 3"/>
-          <p:cNvSpPr>
-            <a:spLocks noGrp="1"/>
-          </p:cNvSpPr>
-          <p:nvPr>
-            <p:ph type="ftr" sz="quarter" idx="11"/>
-          </p:nvPr>
-        </p:nvSpPr>
-        <p:spPr>
-          <a:xfrm>
-            <a:off x="2350599" y="6201932"/>
-            <a:ext cx="7084177" cy="365125"/>
-          </a:xfrm>
-        </p:spPr>
-        <p:txBody>
-          <a:bodyPr/>
-          <a:lstStyle/>
-          <a:p>
-            <a:r>
-              <a:rPr lang="en-GB" dirty="0" smtClean="0">
-                <a:latin typeface="Source Sans Pro" charset="0"/>
-                <a:ea typeface="Source Sans Pro" charset="0"/>
-                <a:cs typeface="Source Sans Pro" charset="0"/>
-              </a:rPr>
-              <a:t>Loris, Oliver, </a:t>
-            </a:r>
-            <a:r>
-              <a:rPr lang="en-GB" dirty="0" err="1" smtClean="0">
-                <a:latin typeface="Source Sans Pro" charset="0"/>
-                <a:ea typeface="Source Sans Pro" charset="0"/>
-                <a:cs typeface="Source Sans Pro" charset="0"/>
-              </a:rPr>
-              <a:t>Shambu</a:t>
-            </a:r>
-            <a:r>
-              <a:rPr lang="en-GB" dirty="0" smtClean="0">
-                <a:latin typeface="Source Sans Pro" charset="0"/>
-                <a:ea typeface="Source Sans Pro" charset="0"/>
-                <a:cs typeface="Source Sans Pro" charset="0"/>
-              </a:rPr>
-              <a:t>, Yannick</a:t>
-            </a:r>
-            <a:endParaRPr lang="en-GB" dirty="0">
-              <a:latin typeface="Source Sans Pro" charset="0"/>
-              <a:ea typeface="Source Sans Pro" charset="0"/>
-              <a:cs typeface="Source Sans Pro" charset="0"/>
-            </a:endParaRPr>
-          </a:p>
-        </p:txBody>
-      </p:sp>
-    </p:spTree>
-    <p:extLst>
-      <p:ext uri="{BB962C8B-B14F-4D97-AF65-F5344CB8AC3E}">
-        <p14:creationId xmlns:p14="http://schemas.microsoft.com/office/powerpoint/2010/main" val="941873593"/>
-      </p:ext>
-    </p:extLst>
-  </p:cSld>
-  <p:clrMapOvr>
-    <a:masterClrMapping/>
-  </p:clrMapOvr>
-  <p:timing>
-    <p:tnLst>
-      <p:par>
-        <p:cTn id="1" dur="indefinite" restart="never" nodeType="tmRoot"/>
-      </p:par>
-    </p:tnLst>
-  </p:timing>
-</p:sld>
-</file>
-
-<file path=ppt/slides/slide7.xml><?xml version="1.0" encoding="utf-8"?>
-<p:sld xmlns:a="http://schemas.openxmlformats.org/drawingml/2006/main" xmlns:r="http://schemas.openxmlformats.org/officeDocument/2006/relationships" xmlns:p="http://schemas.openxmlformats.org/presentationml/2006/main">
-  <p:cSld>
-    <p:spTree>
-      <p:nvGrpSpPr>
-        <p:cNvPr id="1" name=""/>
-        <p:cNvGrpSpPr/>
-        <p:nvPr/>
-      </p:nvGrpSpPr>
-      <p:grpSpPr>
-        <a:xfrm>
-          <a:off x="0" y="0"/>
-          <a:ext cx="0" cy="0"/>
-          <a:chOff x="0" y="0"/>
-          <a:chExt cx="0" cy="0"/>
-        </a:xfrm>
-      </p:grpSpPr>
-      <p:sp>
-        <p:nvSpPr>
-          <p:cNvPr id="5" name="Foliennummernplatzhalter 4"/>
-          <p:cNvSpPr>
-            <a:spLocks noGrp="1"/>
-          </p:cNvSpPr>
-          <p:nvPr>
-            <p:ph type="sldNum" sz="quarter" idx="12"/>
-          </p:nvPr>
-        </p:nvSpPr>
-        <p:spPr>
-          <a:xfrm>
-            <a:off x="10951856" y="6201931"/>
-            <a:ext cx="551167" cy="365125"/>
-          </a:xfrm>
-        </p:spPr>
-        <p:txBody>
-          <a:bodyPr/>
-          <a:lstStyle/>
-          <a:p>
-            <a:fld id="{9F10C86B-4752-43DD-85C6-6BDBDC82DA15}" type="slidenum">
-              <a:rPr lang="de-CH" smtClean="0">
-                <a:latin typeface="Source Sans Pro" charset="0"/>
-                <a:ea typeface="Source Sans Pro" charset="0"/>
-                <a:cs typeface="Source Sans Pro" charset="0"/>
-              </a:rPr>
-              <a:pPr/>
-              <a:t>7</a:t>
-            </a:fld>
-            <a:endParaRPr lang="de-CH" dirty="0">
-              <a:latin typeface="Source Sans Pro" charset="0"/>
-              <a:ea typeface="Source Sans Pro" charset="0"/>
-              <a:cs typeface="Source Sans Pro" charset="0"/>
-            </a:endParaRPr>
-          </a:p>
-        </p:txBody>
-      </p:sp>
-      <p:pic>
-        <p:nvPicPr>
-          <p:cNvPr id="2" name="Picture 1"/>
-          <p:cNvPicPr>
-            <a:picLocks noChangeAspect="1"/>
-          </p:cNvPicPr>
-          <p:nvPr/>
-        </p:nvPicPr>
-        <p:blipFill>
-          <a:blip r:embed="rId2">
-            <a:extLst>
-              <a:ext uri="{28A0092B-C50C-407E-A947-70E740481C1C}">
-                <a14:useLocalDpi xmlns:a14="http://schemas.microsoft.com/office/drawing/2010/main" val="0"/>
-              </a:ext>
-            </a:extLst>
-          </a:blip>
-          <a:stretch>
-            <a:fillRect/>
-          </a:stretch>
-        </p:blipFill>
-        <p:spPr>
-          <a:xfrm>
-            <a:off x="2659573" y="114116"/>
-            <a:ext cx="8292283" cy="6452940"/>
-          </a:xfrm>
-          <a:prstGeom prst="rect">
-            <a:avLst/>
-          </a:prstGeom>
-        </p:spPr>
-      </p:pic>
-    </p:spTree>
-    <p:extLst>
-      <p:ext uri="{BB962C8B-B14F-4D97-AF65-F5344CB8AC3E}">
-        <p14:creationId xmlns:p14="http://schemas.microsoft.com/office/powerpoint/2010/main" val="338082525"/>
-      </p:ext>
-    </p:extLst>
-  </p:cSld>
-  <p:clrMapOvr>
-    <a:masterClrMapping/>
-  </p:clrMapOvr>
-  <p:timing>
-    <p:tnLst>
-      <p:par>
-        <p:cTn id="1" dur="indefinite" restart="never" nodeType="tmRoot"/>
-      </p:par>
-    </p:tnLst>
-  </p:timing>
-</p:sld>
-</file>
-
-<file path=ppt/slides/slide8.xml><?xml version="1.0" encoding="utf-8"?>
-<p:sld xmlns:a="http://schemas.openxmlformats.org/drawingml/2006/main" xmlns:r="http://schemas.openxmlformats.org/officeDocument/2006/relationships" xmlns:p="http://schemas.openxmlformats.org/presentationml/2006/main">
-  <p:cSld>
-    <p:spTree>
-      <p:nvGrpSpPr>
-        <p:cNvPr id="1" name=""/>
-        <p:cNvGrpSpPr/>
-        <p:nvPr/>
-      </p:nvGrpSpPr>
-      <p:grpSpPr>
-        <a:xfrm>
-          <a:off x="0" y="0"/>
-          <a:ext cx="0" cy="0"/>
-          <a:chOff x="0" y="0"/>
-          <a:chExt cx="0" cy="0"/>
-        </a:xfrm>
-      </p:grpSpPr>
-      <p:sp>
-        <p:nvSpPr>
-          <p:cNvPr id="5" name="Foliennummernplatzhalter 4"/>
-          <p:cNvSpPr>
-            <a:spLocks noGrp="1"/>
-          </p:cNvSpPr>
-          <p:nvPr>
-            <p:ph type="sldNum" sz="quarter" idx="12"/>
-          </p:nvPr>
-        </p:nvSpPr>
-        <p:spPr>
-          <a:xfrm>
-            <a:off x="10951856" y="6201931"/>
-            <a:ext cx="551167" cy="365125"/>
-          </a:xfrm>
-        </p:spPr>
-        <p:txBody>
-          <a:bodyPr/>
-          <a:lstStyle/>
-          <a:p>
-            <a:fld id="{9F10C86B-4752-43DD-85C6-6BDBDC82DA15}" type="slidenum">
-              <a:rPr lang="de-CH" smtClean="0">
-                <a:latin typeface="Source Sans Pro" charset="0"/>
-                <a:ea typeface="Source Sans Pro" charset="0"/>
-                <a:cs typeface="Source Sans Pro" charset="0"/>
-              </a:rPr>
-              <a:pPr/>
-              <a:t>8</a:t>
-            </a:fld>
-            <a:endParaRPr lang="de-CH" dirty="0">
-              <a:latin typeface="Source Sans Pro" charset="0"/>
-              <a:ea typeface="Source Sans Pro" charset="0"/>
-              <a:cs typeface="Source Sans Pro" charset="0"/>
-            </a:endParaRPr>
-          </a:p>
-        </p:txBody>
-      </p:sp>
-      <p:sp>
-        <p:nvSpPr>
-          <p:cNvPr id="4" name="Fußzeilenplatzhalter 3"/>
-          <p:cNvSpPr>
-            <a:spLocks noGrp="1"/>
-          </p:cNvSpPr>
-          <p:nvPr>
-            <p:ph type="ftr" sz="quarter" idx="11"/>
-          </p:nvPr>
-        </p:nvSpPr>
-        <p:spPr>
-          <a:xfrm>
-            <a:off x="2350599" y="6201932"/>
-            <a:ext cx="7084177" cy="365125"/>
-          </a:xfrm>
-        </p:spPr>
-        <p:txBody>
-          <a:bodyPr/>
-          <a:lstStyle/>
-          <a:p>
-            <a:r>
-              <a:rPr lang="en-GB" dirty="0" smtClean="0">
-                <a:latin typeface="Source Sans Pro" charset="0"/>
-                <a:ea typeface="Source Sans Pro" charset="0"/>
-                <a:cs typeface="Source Sans Pro" charset="0"/>
-              </a:rPr>
-              <a:t>Loris, Oliver, </a:t>
-            </a:r>
-            <a:r>
-              <a:rPr lang="en-GB" dirty="0" err="1" smtClean="0">
-                <a:latin typeface="Source Sans Pro" charset="0"/>
-                <a:ea typeface="Source Sans Pro" charset="0"/>
-                <a:cs typeface="Source Sans Pro" charset="0"/>
-              </a:rPr>
-              <a:t>Shambu</a:t>
-            </a:r>
-            <a:r>
-              <a:rPr lang="en-GB" dirty="0" smtClean="0">
-                <a:latin typeface="Source Sans Pro" charset="0"/>
-                <a:ea typeface="Source Sans Pro" charset="0"/>
-                <a:cs typeface="Source Sans Pro" charset="0"/>
-              </a:rPr>
-              <a:t>, Yannick</a:t>
-            </a:r>
-            <a:endParaRPr lang="en-GB" dirty="0">
-              <a:latin typeface="Source Sans Pro" charset="0"/>
-              <a:ea typeface="Source Sans Pro" charset="0"/>
-              <a:cs typeface="Source Sans Pro" charset="0"/>
-            </a:endParaRPr>
-          </a:p>
-        </p:txBody>
-      </p:sp>
-      <p:sp>
-        <p:nvSpPr>
-          <p:cNvPr id="6" name="Rectangle 5"/>
-          <p:cNvSpPr/>
-          <p:nvPr/>
-        </p:nvSpPr>
-        <p:spPr>
-          <a:xfrm>
-            <a:off x="2148123" y="588066"/>
-            <a:ext cx="6181837" cy="584775"/>
-          </a:xfrm>
-          <a:prstGeom prst="rect">
-            <a:avLst/>
-          </a:prstGeom>
-        </p:spPr>
-        <p:txBody>
-          <a:bodyPr wrap="square">
-            <a:spAutoFit/>
-          </a:bodyPr>
-          <a:lstStyle/>
-          <a:p>
-            <a:r>
-              <a:rPr lang="en-US" sz="3200" b="1" dirty="0" smtClean="0">
-                <a:latin typeface="Serifa Std 65" charset="0"/>
-                <a:ea typeface="Serifa Std 65" charset="0"/>
-                <a:cs typeface="Serifa Std 65" charset="0"/>
-              </a:rPr>
-              <a:t>Decisions in «</a:t>
-            </a:r>
-            <a:r>
-              <a:rPr lang="en-US" sz="3200" b="1" dirty="0" err="1" smtClean="0">
-                <a:latin typeface="Serifa Std 65" charset="0"/>
-                <a:ea typeface="Serifa Std 65" charset="0"/>
-                <a:cs typeface="Serifa Std 65" charset="0"/>
-              </a:rPr>
-              <a:t>integromat</a:t>
-            </a:r>
-            <a:r>
-              <a:rPr lang="en-US" sz="3200" b="1" dirty="0" smtClean="0">
-                <a:latin typeface="Serifa Std 65" charset="0"/>
-                <a:ea typeface="Serifa Std 65" charset="0"/>
-                <a:cs typeface="Serifa Std 65" charset="0"/>
-              </a:rPr>
-              <a:t>»</a:t>
-            </a:r>
-            <a:endParaRPr lang="en-US" sz="3200" dirty="0"/>
-          </a:p>
-        </p:txBody>
-      </p:sp>
-    </p:spTree>
-    <p:extLst>
-      <p:ext uri="{BB962C8B-B14F-4D97-AF65-F5344CB8AC3E}">
-        <p14:creationId xmlns:p14="http://schemas.microsoft.com/office/powerpoint/2010/main" val="600496422"/>
-      </p:ext>
-    </p:extLst>
-  </p:cSld>
-  <p:clrMapOvr>
-    <a:masterClrMapping/>
-  </p:clrMapOvr>
-  <p:timing>
-    <p:tnLst>
-      <p:par>
-        <p:cTn id="1" dur="indefinite" restart="never" nodeType="tmRoot"/>
-      </p:par>
-    </p:tnLst>
-  </p:timing>
-</p:sld>
-</file>
-
-<file path=ppt/slides/slide9.xml><?xml version="1.0" encoding="utf-8"?>
+<file path=ppt/slides/slide5.xml><?xml version="1.0" encoding="utf-8"?>
 <p:sld xmlns:a="http://schemas.openxmlformats.org/drawingml/2006/main" xmlns:r="http://schemas.openxmlformats.org/officeDocument/2006/relationships" xmlns:p="http://schemas.openxmlformats.org/presentationml/2006/main">
   <p:cSld>
     <p:spTree>
@@ -8482,8 +7892,8 @@
         </p:nvSpPr>
         <p:spPr>
           <a:xfrm>
-            <a:off x="4196879" y="1099753"/>
-            <a:ext cx="6809374" cy="4403225"/>
+            <a:off x="4196879" y="943639"/>
+            <a:ext cx="7812984" cy="4403225"/>
           </a:xfrm>
           <a:prstGeom prst="rect">
             <a:avLst/>
@@ -8573,15 +7983,42 @@
           <a:p>
             <a:pPr algn="l"/>
             <a:r>
-              <a:rPr lang="en-US" sz="2500" dirty="0" smtClean="0">
+              <a:rPr lang="en-US" sz="2000" dirty="0">
                 <a:latin typeface="Source Sans Pro" charset="0"/>
                 <a:ea typeface="Source Sans Pro" charset="0"/>
                 <a:cs typeface="Source Sans Pro" charset="0"/>
               </a:rPr>
-              <a:t>CC Clothing Company</a:t>
-            </a:r>
-            <a:r>
-              <a:rPr lang="en-US" sz="2800" b="1" dirty="0" smtClean="0">
+              <a:t>e</a:t>
+            </a:r>
+            <a:r>
+              <a:rPr lang="en-US" sz="2000" dirty="0" smtClean="0">
+                <a:latin typeface="Source Sans Pro" charset="0"/>
+                <a:ea typeface="Source Sans Pro" charset="0"/>
+                <a:cs typeface="Source Sans Pro" charset="0"/>
+              </a:rPr>
+              <a:t>-Retail</a:t>
+            </a:r>
+          </a:p>
+          <a:p>
+            <a:pPr algn="l"/>
+            <a:r>
+              <a:rPr lang="en-US" sz="2000" dirty="0" smtClean="0">
+                <a:latin typeface="Source Sans Pro" charset="0"/>
+                <a:ea typeface="Source Sans Pro" charset="0"/>
+                <a:cs typeface="Source Sans Pro" charset="0"/>
+              </a:rPr>
+              <a:t>CC </a:t>
+            </a:r>
+            <a:r>
+              <a:rPr lang="en-US" sz="2000" dirty="0" smtClean="0">
+                <a:latin typeface="Source Sans Pro" charset="0"/>
+                <a:ea typeface="Source Sans Pro" charset="0"/>
+                <a:cs typeface="Source Sans Pro" charset="0"/>
+              </a:rPr>
+              <a:t>Clothing Company</a:t>
+            </a:r>
+            <a:r>
+              <a:rPr lang="en-US" sz="2400" b="1" dirty="0" smtClean="0">
                 <a:latin typeface="Serifa Std 65" charset="0"/>
                 <a:ea typeface="Serifa Std 65" charset="0"/>
                 <a:cs typeface="Serifa Std 65" charset="0"/>
@@ -8589,14 +8026,14 @@
               <a:t/>
             </a:r>
             <a:br>
-              <a:rPr lang="en-US" sz="2800" b="1" dirty="0" smtClean="0">
+              <a:rPr lang="en-US" sz="2400" b="1" dirty="0" smtClean="0">
                 <a:latin typeface="Serifa Std 65" charset="0"/>
                 <a:ea typeface="Serifa Std 65" charset="0"/>
                 <a:cs typeface="Serifa Std 65" charset="0"/>
               </a:rPr>
             </a:br>
             <a:r>
-              <a:rPr lang="en-US" sz="2800" b="1" dirty="0" smtClean="0">
+              <a:rPr lang="en-US" sz="2400" b="1" dirty="0" smtClean="0">
                 <a:latin typeface="Serifa Std 65" charset="0"/>
                 <a:ea typeface="Serifa Std 65" charset="0"/>
                 <a:cs typeface="Serifa Std 65" charset="0"/>
@@ -8604,29 +8041,54 @@
               <a:t/>
             </a:r>
             <a:br>
-              <a:rPr lang="en-US" sz="2800" b="1" dirty="0" smtClean="0">
+              <a:rPr lang="en-US" sz="2400" b="1" dirty="0" smtClean="0">
                 <a:latin typeface="Serifa Std 65" charset="0"/>
                 <a:ea typeface="Serifa Std 65" charset="0"/>
                 <a:cs typeface="Serifa Std 65" charset="0"/>
               </a:rPr>
             </a:br>
             <a:r>
-              <a:rPr lang="en-US" sz="4000" b="1" dirty="0" smtClean="0">
+              <a:rPr lang="en-US" sz="3600" b="1" dirty="0" smtClean="0">
                 <a:latin typeface="Serifa Std 65" charset="0"/>
                 <a:ea typeface="Serifa Std 65" charset="0"/>
                 <a:cs typeface="Serifa Std 65" charset="0"/>
               </a:rPr>
               <a:t>Showcase</a:t>
             </a:r>
+          </a:p>
+          <a:p>
+            <a:pPr algn="l"/>
+            <a:endParaRPr lang="en-US" sz="3600" b="1" dirty="0">
+              <a:latin typeface="Serifa Std 65" charset="0"/>
+              <a:ea typeface="Serifa Std 65" charset="0"/>
+              <a:cs typeface="Serifa Std 65" charset="0"/>
+            </a:endParaRPr>
+          </a:p>
+          <a:p>
+            <a:pPr algn="l"/>
+            <a:r>
+              <a:rPr lang="en-US" sz="3600" dirty="0">
+                <a:hlinkClick r:id="rId4"/>
+              </a:rPr>
+              <a:t>https://digibp-webapp.herokuapp.com/</a:t>
+            </a:r>
+            <a:r>
+              <a:rPr lang="en-US" sz="3600" b="1" dirty="0" smtClean="0">
+                <a:latin typeface="Serifa Std 65" charset="0"/>
+                <a:ea typeface="Serifa Std 65" charset="0"/>
+                <a:cs typeface="Serifa Std 65" charset="0"/>
+              </a:rPr>
+              <a:t/>
+            </a:r>
             <a:br>
-              <a:rPr lang="en-US" sz="4000" b="1" dirty="0" smtClean="0">
+              <a:rPr lang="en-US" sz="3600" b="1" dirty="0" smtClean="0">
                 <a:latin typeface="Serifa Std 65" charset="0"/>
                 <a:ea typeface="Serifa Std 65" charset="0"/>
                 <a:cs typeface="Serifa Std 65" charset="0"/>
               </a:rPr>
             </a:br>
             <a:r>
-              <a:rPr lang="en-US" sz="4000" b="1" dirty="0" smtClean="0">
+              <a:rPr lang="en-US" sz="3600" b="1" dirty="0" smtClean="0">
                 <a:latin typeface="Serifa Std 65" charset="0"/>
                 <a:ea typeface="Serifa Std 65" charset="0"/>
                 <a:cs typeface="Serifa Std 65" charset="0"/>
@@ -8634,14 +8096,14 @@
               <a:t/>
             </a:r>
             <a:br>
-              <a:rPr lang="en-US" sz="4000" b="1" dirty="0" smtClean="0">
+              <a:rPr lang="en-US" sz="3600" b="1" dirty="0" smtClean="0">
                 <a:latin typeface="Serifa Std 65" charset="0"/>
                 <a:ea typeface="Serifa Std 65" charset="0"/>
                 <a:cs typeface="Serifa Std 65" charset="0"/>
               </a:rPr>
             </a:br>
             <a:r>
-              <a:rPr lang="en-US" sz="4000" b="1" dirty="0" smtClean="0">
+              <a:rPr lang="en-US" sz="3600" b="1" dirty="0" smtClean="0">
                 <a:latin typeface="Serifa Std 65" charset="0"/>
                 <a:ea typeface="Serifa Std 65" charset="0"/>
                 <a:cs typeface="Serifa Std 65" charset="0"/>
@@ -8649,14 +8111,14 @@
               <a:t/>
             </a:r>
             <a:br>
-              <a:rPr lang="en-US" sz="4000" b="1" dirty="0" smtClean="0">
+              <a:rPr lang="en-US" sz="3600" b="1" dirty="0" smtClean="0">
                 <a:latin typeface="Serifa Std 65" charset="0"/>
                 <a:ea typeface="Serifa Std 65" charset="0"/>
                 <a:cs typeface="Serifa Std 65" charset="0"/>
               </a:rPr>
             </a:br>
             <a:r>
-              <a:rPr lang="en-US" sz="2500" dirty="0" smtClean="0">
+              <a:rPr lang="en-US" sz="2000" dirty="0" smtClean="0">
                 <a:latin typeface="Source Sans Pro" charset="0"/>
                 <a:ea typeface="Source Sans Pro" charset="0"/>
                 <a:cs typeface="Source Sans Pro" charset="0"/>
@@ -8664,7 +8126,7 @@
               <a:t>Team Morcote: Loris, Oliver, </a:t>
             </a:r>
             <a:r>
-              <a:rPr lang="en-US" sz="2500" dirty="0" err="1" smtClean="0">
+              <a:rPr lang="en-US" sz="2000" dirty="0" err="1" smtClean="0">
                 <a:latin typeface="Source Sans Pro" charset="0"/>
                 <a:ea typeface="Source Sans Pro" charset="0"/>
                 <a:cs typeface="Source Sans Pro" charset="0"/>
@@ -8672,14 +8134,14 @@
               <a:t>Shambu</a:t>
             </a:r>
             <a:r>
-              <a:rPr lang="en-US" sz="2500" dirty="0" smtClean="0">
+              <a:rPr lang="en-US" sz="2000" dirty="0" smtClean="0">
                 <a:latin typeface="Source Sans Pro" charset="0"/>
                 <a:ea typeface="Source Sans Pro" charset="0"/>
                 <a:cs typeface="Source Sans Pro" charset="0"/>
               </a:rPr>
               <a:t>, Yannick</a:t>
             </a:r>
-            <a:endParaRPr lang="de-CH" sz="2500" dirty="0">
+            <a:endParaRPr lang="de-CH" sz="2000" dirty="0">
               <a:latin typeface="Source Sans Pro" charset="0"/>
               <a:ea typeface="Source Sans Pro" charset="0"/>
               <a:cs typeface="Source Sans Pro" charset="0"/>

--- a/DBP_Morcote_CC_ClothingCompany.pptx
+++ b/DBP_Morcote_CC_ClothingCompany.pptx
@@ -5,14 +5,15 @@
     <p:sldMasterId id="2147483901" r:id="rId1"/>
   </p:sldMasterIdLst>
   <p:notesMasterIdLst>
-    <p:notesMasterId r:id="rId7"/>
+    <p:notesMasterId r:id="rId8"/>
   </p:notesMasterIdLst>
   <p:sldIdLst>
     <p:sldId id="271" r:id="rId2"/>
     <p:sldId id="373" r:id="rId3"/>
     <p:sldId id="376" r:id="rId4"/>
     <p:sldId id="375" r:id="rId5"/>
-    <p:sldId id="379" r:id="rId6"/>
+    <p:sldId id="380" r:id="rId6"/>
+    <p:sldId id="379" r:id="rId7"/>
   </p:sldIdLst>
   <p:sldSz cx="12192000" cy="6858000"/>
   <p:notesSz cx="6858000" cy="9144000"/>
@@ -212,7 +213,7 @@
           <a:p>
             <a:fld id="{0ED30795-45AB-4973-BF11-0C496A2F83F7}" type="datetimeFigureOut">
               <a:rPr lang="en-US" smtClean="0"/>
-              <a:t>6/1/19</a:t>
+              <a:t>6/4/2019</a:t>
             </a:fld>
             <a:endParaRPr lang="en-US"/>
           </a:p>
@@ -371,7 +372,7 @@
           <a:p>
             <a:fld id="{74F824EC-AA3D-4268-8DE9-C29F1E766123}" type="slidenum">
               <a:rPr lang="en-US" smtClean="0"/>
-              <a:t>‹#›</a:t>
+              <a:t>‹Nr.›</a:t>
             </a:fld>
             <a:endParaRPr lang="en-US"/>
           </a:p>
@@ -743,7 +744,7 @@
                 <a:tabLst/>
                 <a:defRPr/>
               </a:pPr>
-              <a:t>5</a:t>
+              <a:t>6</a:t>
             </a:fld>
             <a:endParaRPr kumimoji="0" lang="en-GB" sz="1800" b="0" i="0" u="none" strike="noStrike" kern="0" cap="none" spc="0" normalizeH="0" baseline="0" noProof="0" dirty="0">
               <a:ln>
@@ -1131,7 +1132,7 @@
           </a:lstStyle>
           <a:p>
             <a:r>
-              <a:rPr lang="en-US" smtClean="0"/>
+              <a:rPr lang="en-US"/>
               <a:t>Click to edit Master title style</a:t>
             </a:r>
             <a:endParaRPr lang="en-US" dirty="0"/>
@@ -1250,7 +1251,7 @@
           </a:lstStyle>
           <a:p>
             <a:r>
-              <a:rPr lang="en-US" smtClean="0"/>
+              <a:rPr lang="en-US"/>
               <a:t>Click to edit Master subtitle style</a:t>
             </a:r>
             <a:endParaRPr lang="en-US" dirty="0"/>
@@ -1274,7 +1275,7 @@
           <a:p>
             <a:fld id="{8FE21258-553D-484E-8517-3BA5017D743B}" type="datetime1">
               <a:rPr lang="de-CH" smtClean="0"/>
-              <a:t>01.06.19</a:t>
+              <a:t>04.06.2019</a:t>
             </a:fld>
             <a:endParaRPr lang="de-CH" dirty="0"/>
           </a:p>
@@ -1301,7 +1302,7 @@
           <a:lstStyle/>
           <a:p>
             <a:r>
-              <a:rPr lang="de-CH" smtClean="0"/>
+              <a:rPr lang="de-CH"/>
               <a:t>Max Strittmatter - Tahir Bassra – Simon drabert</a:t>
             </a:r>
             <a:endParaRPr lang="de-CH" dirty="0"/>
@@ -1326,7 +1327,7 @@
             <a:fld id="{9F10C86B-4752-43DD-85C6-6BDBDC82DA15}" type="slidenum">
               <a:rPr lang="de-CH" smtClean="0"/>
               <a:pPr/>
-              <a:t>‹#›</a:t>
+              <a:t>‹Nr.›</a:t>
             </a:fld>
             <a:endParaRPr lang="de-CH"/>
           </a:p>
@@ -1390,7 +1391,7 @@
           </a:lstStyle>
           <a:p>
             <a:r>
-              <a:rPr lang="en-US" smtClean="0"/>
+              <a:rPr lang="en-US"/>
               <a:t>Click to edit Master title style</a:t>
             </a:r>
             <a:endParaRPr lang="en-US" dirty="0"/>
@@ -1485,7 +1486,7 @@
           </a:lstStyle>
           <a:p>
             <a:r>
-              <a:rPr lang="en-US" smtClean="0"/>
+              <a:rPr lang="en-US"/>
               <a:t>Drag picture to placeholder or click icon to add</a:t>
             </a:r>
             <a:endParaRPr lang="en-US" dirty="0"/>
@@ -1553,7 +1554,7 @@
           <a:p>
             <a:pPr lvl="0"/>
             <a:r>
-              <a:rPr lang="en-US" smtClean="0"/>
+              <a:rPr lang="en-US"/>
               <a:t>Click to edit Master text styles</a:t>
             </a:r>
           </a:p>
@@ -1576,7 +1577,7 @@
           <a:p>
             <a:fld id="{8FE21258-553D-484E-8517-3BA5017D743B}" type="datetime1">
               <a:rPr lang="de-CH" smtClean="0"/>
-              <a:t>01.06.19</a:t>
+              <a:t>04.06.2019</a:t>
             </a:fld>
             <a:endParaRPr lang="de-CH" dirty="0"/>
           </a:p>
@@ -1598,7 +1599,7 @@
           <a:lstStyle/>
           <a:p>
             <a:r>
-              <a:rPr lang="de-CH" smtClean="0"/>
+              <a:rPr lang="de-CH"/>
               <a:t>Max Strittmatter - Tahir Bassra – Simon drabert</a:t>
             </a:r>
             <a:endParaRPr lang="de-CH" dirty="0"/>
@@ -1623,7 +1624,7 @@
             <a:fld id="{9F10C86B-4752-43DD-85C6-6BDBDC82DA15}" type="slidenum">
               <a:rPr lang="de-CH" smtClean="0"/>
               <a:pPr/>
-              <a:t>‹#›</a:t>
+              <a:t>‹Nr.›</a:t>
             </a:fld>
             <a:endParaRPr lang="de-CH"/>
           </a:p>
@@ -1687,7 +1688,7 @@
           </a:lstStyle>
           <a:p>
             <a:r>
-              <a:rPr lang="en-US" smtClean="0"/>
+              <a:rPr lang="en-US"/>
               <a:t>Click to edit Master title style</a:t>
             </a:r>
             <a:endParaRPr lang="en-US" dirty="0"/>
@@ -1807,7 +1808,7 @@
           <a:p>
             <a:pPr lvl="0"/>
             <a:r>
-              <a:rPr lang="en-US" smtClean="0"/>
+              <a:rPr lang="en-US"/>
               <a:t>Click to edit Master text styles</a:t>
             </a:r>
           </a:p>
@@ -1830,7 +1831,7 @@
           <a:p>
             <a:fld id="{8FE21258-553D-484E-8517-3BA5017D743B}" type="datetime1">
               <a:rPr lang="de-CH" smtClean="0"/>
-              <a:t>01.06.19</a:t>
+              <a:t>04.06.2019</a:t>
             </a:fld>
             <a:endParaRPr lang="de-CH" dirty="0"/>
           </a:p>
@@ -1852,7 +1853,7 @@
           <a:lstStyle/>
           <a:p>
             <a:r>
-              <a:rPr lang="de-CH" smtClean="0"/>
+              <a:rPr lang="de-CH"/>
               <a:t>Max Strittmatter - Tahir Bassra – Simon drabert</a:t>
             </a:r>
             <a:endParaRPr lang="de-CH" dirty="0"/>
@@ -1877,7 +1878,7 @@
             <a:fld id="{9F10C86B-4752-43DD-85C6-6BDBDC82DA15}" type="slidenum">
               <a:rPr lang="de-CH" smtClean="0"/>
               <a:pPr/>
-              <a:t>‹#›</a:t>
+              <a:t>‹Nr.›</a:t>
             </a:fld>
             <a:endParaRPr lang="de-CH"/>
           </a:p>
@@ -2177,7 +2178,7 @@
           </a:lstStyle>
           <a:p>
             <a:r>
-              <a:rPr lang="en-US" smtClean="0"/>
+              <a:rPr lang="en-US"/>
               <a:t>Click to edit Master title style</a:t>
             </a:r>
             <a:endParaRPr lang="en-US" dirty="0"/>
@@ -2234,7 +2235,7 @@
           <a:p>
             <a:pPr lvl="0"/>
             <a:r>
-              <a:rPr lang="en-US" smtClean="0"/>
+              <a:rPr lang="en-US"/>
               <a:t>Click to edit Master text styles</a:t>
             </a:r>
           </a:p>
@@ -2353,7 +2354,7 @@
           <a:p>
             <a:pPr lvl="0"/>
             <a:r>
-              <a:rPr lang="en-US" smtClean="0"/>
+              <a:rPr lang="en-US"/>
               <a:t>Click to edit Master text styles</a:t>
             </a:r>
           </a:p>
@@ -2376,7 +2377,7 @@
           <a:p>
             <a:fld id="{8FE21258-553D-484E-8517-3BA5017D743B}" type="datetime1">
               <a:rPr lang="de-CH" smtClean="0"/>
-              <a:t>01.06.19</a:t>
+              <a:t>04.06.2019</a:t>
             </a:fld>
             <a:endParaRPr lang="de-CH" dirty="0"/>
           </a:p>
@@ -2398,7 +2399,7 @@
           <a:lstStyle/>
           <a:p>
             <a:r>
-              <a:rPr lang="de-CH" smtClean="0"/>
+              <a:rPr lang="de-CH"/>
               <a:t>Max Strittmatter - Tahir Bassra – Simon drabert</a:t>
             </a:r>
             <a:endParaRPr lang="de-CH" dirty="0"/>
@@ -2423,7 +2424,7 @@
             <a:fld id="{9F10C86B-4752-43DD-85C6-6BDBDC82DA15}" type="slidenum">
               <a:rPr lang="de-CH" smtClean="0"/>
               <a:pPr/>
-              <a:t>‹#›</a:t>
+              <a:t>‹Nr.›</a:t>
             </a:fld>
             <a:endParaRPr lang="de-CH"/>
           </a:p>
@@ -2487,7 +2488,7 @@
           </a:lstStyle>
           <a:p>
             <a:r>
-              <a:rPr lang="en-US" smtClean="0"/>
+              <a:rPr lang="en-US"/>
               <a:t>Click to edit Master title style</a:t>
             </a:r>
             <a:endParaRPr lang="en-US" dirty="0"/>
@@ -2607,7 +2608,7 @@
           <a:p>
             <a:pPr lvl="0"/>
             <a:r>
-              <a:rPr lang="en-US" smtClean="0"/>
+              <a:rPr lang="en-US"/>
               <a:t>Click to edit Master text styles</a:t>
             </a:r>
           </a:p>
@@ -2630,7 +2631,7 @@
           <a:p>
             <a:fld id="{8FE21258-553D-484E-8517-3BA5017D743B}" type="datetime1">
               <a:rPr lang="de-CH" smtClean="0"/>
-              <a:t>01.06.19</a:t>
+              <a:t>04.06.2019</a:t>
             </a:fld>
             <a:endParaRPr lang="de-CH" dirty="0"/>
           </a:p>
@@ -2652,7 +2653,7 @@
           <a:lstStyle/>
           <a:p>
             <a:r>
-              <a:rPr lang="de-CH" smtClean="0"/>
+              <a:rPr lang="de-CH"/>
               <a:t>Max Strittmatter - Tahir Bassra – Simon drabert</a:t>
             </a:r>
             <a:endParaRPr lang="de-CH" dirty="0"/>
@@ -2677,7 +2678,7 @@
             <a:fld id="{9F10C86B-4752-43DD-85C6-6BDBDC82DA15}" type="slidenum">
               <a:rPr lang="de-CH" smtClean="0"/>
               <a:pPr/>
-              <a:t>‹#›</a:t>
+              <a:t>‹Nr.›</a:t>
             </a:fld>
             <a:endParaRPr lang="de-CH"/>
           </a:p>
@@ -2977,7 +2978,7 @@
           </a:lstStyle>
           <a:p>
             <a:r>
-              <a:rPr lang="en-US" smtClean="0"/>
+              <a:rPr lang="en-US"/>
               <a:t>Click to edit Master title style</a:t>
             </a:r>
             <a:endParaRPr lang="en-US" dirty="0"/>
@@ -3026,7 +3027,7 @@
               <a:buNone/>
             </a:pPr>
             <a:r>
-              <a:rPr lang="en-US" smtClean="0"/>
+              <a:rPr lang="en-US"/>
               <a:t>Click to edit Master text styles</a:t>
             </a:r>
           </a:p>
@@ -3145,7 +3146,7 @@
           <a:p>
             <a:pPr lvl="0"/>
             <a:r>
-              <a:rPr lang="en-US" smtClean="0"/>
+              <a:rPr lang="en-US"/>
               <a:t>Click to edit Master text styles</a:t>
             </a:r>
           </a:p>
@@ -3168,7 +3169,7 @@
           <a:p>
             <a:fld id="{8FE21258-553D-484E-8517-3BA5017D743B}" type="datetime1">
               <a:rPr lang="de-CH" smtClean="0"/>
-              <a:t>01.06.19</a:t>
+              <a:t>04.06.2019</a:t>
             </a:fld>
             <a:endParaRPr lang="de-CH" dirty="0"/>
           </a:p>
@@ -3190,7 +3191,7 @@
           <a:lstStyle/>
           <a:p>
             <a:r>
-              <a:rPr lang="de-CH" smtClean="0"/>
+              <a:rPr lang="de-CH"/>
               <a:t>Max Strittmatter - Tahir Bassra – Simon drabert</a:t>
             </a:r>
             <a:endParaRPr lang="de-CH" dirty="0"/>
@@ -3215,7 +3216,7 @@
             <a:fld id="{9F10C86B-4752-43DD-85C6-6BDBDC82DA15}" type="slidenum">
               <a:rPr lang="de-CH" smtClean="0"/>
               <a:pPr/>
-              <a:t>‹#›</a:t>
+              <a:t>‹Nr.›</a:t>
             </a:fld>
             <a:endParaRPr lang="de-CH"/>
           </a:p>
@@ -3280,7 +3281,7 @@
           <a:p>
             <a:pPr marL="0" lvl="0"/>
             <a:r>
-              <a:rPr lang="en-US" smtClean="0"/>
+              <a:rPr lang="en-US"/>
               <a:t>Click to edit Master title style</a:t>
             </a:r>
             <a:endParaRPr lang="en-US" dirty="0"/>
@@ -3329,7 +3330,7 @@
               <a:buNone/>
             </a:pPr>
             <a:r>
-              <a:rPr lang="en-US" smtClean="0"/>
+              <a:rPr lang="en-US"/>
               <a:t>Click to edit Master text styles</a:t>
             </a:r>
           </a:p>
@@ -3448,7 +3449,7 @@
           <a:p>
             <a:pPr lvl="0"/>
             <a:r>
-              <a:rPr lang="en-US" smtClean="0"/>
+              <a:rPr lang="en-US"/>
               <a:t>Click to edit Master text styles</a:t>
             </a:r>
           </a:p>
@@ -3471,7 +3472,7 @@
           <a:p>
             <a:fld id="{8FE21258-553D-484E-8517-3BA5017D743B}" type="datetime1">
               <a:rPr lang="de-CH" smtClean="0"/>
-              <a:t>01.06.19</a:t>
+              <a:t>04.06.2019</a:t>
             </a:fld>
             <a:endParaRPr lang="de-CH" dirty="0"/>
           </a:p>
@@ -3493,7 +3494,7 @@
           <a:lstStyle/>
           <a:p>
             <a:r>
-              <a:rPr lang="de-CH" smtClean="0"/>
+              <a:rPr lang="de-CH"/>
               <a:t>Max Strittmatter - Tahir Bassra – Simon drabert</a:t>
             </a:r>
             <a:endParaRPr lang="de-CH" dirty="0"/>
@@ -3518,7 +3519,7 @@
             <a:fld id="{9F10C86B-4752-43DD-85C6-6BDBDC82DA15}" type="slidenum">
               <a:rPr lang="de-CH" smtClean="0"/>
               <a:pPr/>
-              <a:t>‹#›</a:t>
+              <a:t>‹Nr.›</a:t>
             </a:fld>
             <a:endParaRPr lang="de-CH"/>
           </a:p>
@@ -3575,7 +3576,7 @@
           </a:lstStyle>
           <a:p>
             <a:r>
-              <a:rPr lang="en-US" smtClean="0"/>
+              <a:rPr lang="en-US"/>
               <a:t>Click to edit Master title style</a:t>
             </a:r>
             <a:endParaRPr lang="en-US" dirty="0"/>
@@ -3599,35 +3600,35 @@
           <a:p>
             <a:pPr lvl="0"/>
             <a:r>
-              <a:rPr lang="en-US" smtClean="0"/>
+              <a:rPr lang="en-US"/>
               <a:t>Click to edit Master text styles</a:t>
             </a:r>
           </a:p>
           <a:p>
             <a:pPr lvl="1"/>
             <a:r>
-              <a:rPr lang="en-US" smtClean="0"/>
+              <a:rPr lang="en-US"/>
               <a:t>Second level</a:t>
             </a:r>
           </a:p>
           <a:p>
             <a:pPr lvl="2"/>
             <a:r>
-              <a:rPr lang="en-US" smtClean="0"/>
+              <a:rPr lang="en-US"/>
               <a:t>Third level</a:t>
             </a:r>
           </a:p>
           <a:p>
             <a:pPr lvl="3"/>
             <a:r>
-              <a:rPr lang="en-US" smtClean="0"/>
+              <a:rPr lang="en-US"/>
               <a:t>Fourth level</a:t>
             </a:r>
           </a:p>
           <a:p>
             <a:pPr lvl="4"/>
             <a:r>
-              <a:rPr lang="en-US" smtClean="0"/>
+              <a:rPr lang="en-US"/>
               <a:t>Fifth level</a:t>
             </a:r>
             <a:endParaRPr lang="en-US" dirty="0"/>
@@ -3651,7 +3652,7 @@
           <a:p>
             <a:fld id="{8FE21258-553D-484E-8517-3BA5017D743B}" type="datetime1">
               <a:rPr lang="de-CH" smtClean="0"/>
-              <a:t>01.06.19</a:t>
+              <a:t>04.06.2019</a:t>
             </a:fld>
             <a:endParaRPr lang="de-CH" dirty="0"/>
           </a:p>
@@ -3673,7 +3674,7 @@
           <a:lstStyle/>
           <a:p>
             <a:r>
-              <a:rPr lang="de-CH" smtClean="0"/>
+              <a:rPr lang="de-CH"/>
               <a:t>Max Strittmatter - Tahir Bassra – Simon drabert</a:t>
             </a:r>
             <a:endParaRPr lang="de-CH" dirty="0"/>
@@ -3698,7 +3699,7 @@
             <a:fld id="{9F10C86B-4752-43DD-85C6-6BDBDC82DA15}" type="slidenum">
               <a:rPr lang="de-CH" smtClean="0"/>
               <a:pPr/>
-              <a:t>‹#›</a:t>
+              <a:t>‹Nr.›</a:t>
             </a:fld>
             <a:endParaRPr lang="de-CH"/>
           </a:p>
@@ -3756,7 +3757,7 @@
           <a:lstStyle/>
           <a:p>
             <a:r>
-              <a:rPr lang="en-US" smtClean="0"/>
+              <a:rPr lang="en-US"/>
               <a:t>Click to edit Master title style</a:t>
             </a:r>
             <a:endParaRPr lang="en-US" dirty="0"/>
@@ -3785,35 +3786,35 @@
           <a:p>
             <a:pPr lvl="0"/>
             <a:r>
-              <a:rPr lang="en-US" smtClean="0"/>
+              <a:rPr lang="en-US"/>
               <a:t>Click to edit Master text styles</a:t>
             </a:r>
           </a:p>
           <a:p>
             <a:pPr lvl="1"/>
             <a:r>
-              <a:rPr lang="en-US" smtClean="0"/>
+              <a:rPr lang="en-US"/>
               <a:t>Second level</a:t>
             </a:r>
           </a:p>
           <a:p>
             <a:pPr lvl="2"/>
             <a:r>
-              <a:rPr lang="en-US" smtClean="0"/>
+              <a:rPr lang="en-US"/>
               <a:t>Third level</a:t>
             </a:r>
           </a:p>
           <a:p>
             <a:pPr lvl="3"/>
             <a:r>
-              <a:rPr lang="en-US" smtClean="0"/>
+              <a:rPr lang="en-US"/>
               <a:t>Fourth level</a:t>
             </a:r>
           </a:p>
           <a:p>
             <a:pPr lvl="4"/>
             <a:r>
-              <a:rPr lang="en-US" smtClean="0"/>
+              <a:rPr lang="en-US"/>
               <a:t>Fifth level</a:t>
             </a:r>
             <a:endParaRPr lang="en-US" dirty="0"/>
@@ -3837,7 +3838,7 @@
           <a:p>
             <a:fld id="{8FE21258-553D-484E-8517-3BA5017D743B}" type="datetime1">
               <a:rPr lang="de-CH" smtClean="0"/>
-              <a:t>01.06.19</a:t>
+              <a:t>04.06.2019</a:t>
             </a:fld>
             <a:endParaRPr lang="de-CH" dirty="0"/>
           </a:p>
@@ -3859,7 +3860,7 @@
           <a:lstStyle/>
           <a:p>
             <a:r>
-              <a:rPr lang="de-CH" smtClean="0"/>
+              <a:rPr lang="de-CH"/>
               <a:t>Max Strittmatter - Tahir Bassra – Simon drabert</a:t>
             </a:r>
             <a:endParaRPr lang="de-CH" dirty="0"/>
@@ -3884,7 +3885,7 @@
             <a:fld id="{9F10C86B-4752-43DD-85C6-6BDBDC82DA15}" type="slidenum">
               <a:rPr lang="de-CH" smtClean="0"/>
               <a:pPr/>
-              <a:t>‹#›</a:t>
+              <a:t>‹Nr.›</a:t>
             </a:fld>
             <a:endParaRPr lang="de-CH"/>
           </a:p>
@@ -3937,7 +3938,7 @@
           <a:lstStyle/>
           <a:p>
             <a:r>
-              <a:rPr lang="en-US" smtClean="0"/>
+              <a:rPr lang="en-US"/>
               <a:t>Click to edit Master title style</a:t>
             </a:r>
             <a:endParaRPr lang="en-US" dirty="0"/>
@@ -3961,35 +3962,35 @@
           <a:p>
             <a:pPr lvl="0"/>
             <a:r>
-              <a:rPr lang="en-US" smtClean="0"/>
+              <a:rPr lang="en-US"/>
               <a:t>Click to edit Master text styles</a:t>
             </a:r>
           </a:p>
           <a:p>
             <a:pPr lvl="1"/>
             <a:r>
-              <a:rPr lang="en-US" smtClean="0"/>
+              <a:rPr lang="en-US"/>
               <a:t>Second level</a:t>
             </a:r>
           </a:p>
           <a:p>
             <a:pPr lvl="2"/>
             <a:r>
-              <a:rPr lang="en-US" smtClean="0"/>
+              <a:rPr lang="en-US"/>
               <a:t>Third level</a:t>
             </a:r>
           </a:p>
           <a:p>
             <a:pPr lvl="3"/>
             <a:r>
-              <a:rPr lang="en-US" smtClean="0"/>
+              <a:rPr lang="en-US"/>
               <a:t>Fourth level</a:t>
             </a:r>
           </a:p>
           <a:p>
             <a:pPr lvl="4"/>
             <a:r>
-              <a:rPr lang="en-US" smtClean="0"/>
+              <a:rPr lang="en-US"/>
               <a:t>Fifth level</a:t>
             </a:r>
             <a:endParaRPr lang="en-US" dirty="0"/>
@@ -4013,7 +4014,7 @@
           <a:p>
             <a:fld id="{8FE21258-553D-484E-8517-3BA5017D743B}" type="datetime1">
               <a:rPr lang="de-CH" smtClean="0"/>
-              <a:t>01.06.19</a:t>
+              <a:t>04.06.2019</a:t>
             </a:fld>
             <a:endParaRPr lang="de-CH" dirty="0"/>
           </a:p>
@@ -4035,7 +4036,7 @@
           <a:lstStyle/>
           <a:p>
             <a:r>
-              <a:rPr lang="de-CH" smtClean="0"/>
+              <a:rPr lang="de-CH"/>
               <a:t>Max Strittmatter - Tahir Bassra – Simon drabert</a:t>
             </a:r>
             <a:endParaRPr lang="de-CH" dirty="0"/>
@@ -4065,7 +4066,7 @@
             <a:fld id="{9F10C86B-4752-43DD-85C6-6BDBDC82DA15}" type="slidenum">
               <a:rPr lang="de-CH" smtClean="0"/>
               <a:pPr/>
-              <a:t>‹#›</a:t>
+              <a:t>‹Nr.›</a:t>
             </a:fld>
             <a:endParaRPr lang="de-CH"/>
           </a:p>
@@ -4127,7 +4128,7 @@
           </a:lstStyle>
           <a:p>
             <a:r>
-              <a:rPr lang="en-US" smtClean="0"/>
+              <a:rPr lang="en-US"/>
               <a:t>Click to edit Master title style</a:t>
             </a:r>
             <a:endParaRPr lang="en-US" dirty="0"/>
@@ -4247,7 +4248,7 @@
           <a:p>
             <a:pPr lvl="0"/>
             <a:r>
-              <a:rPr lang="en-US" smtClean="0"/>
+              <a:rPr lang="en-US"/>
               <a:t>Click to edit Master text styles</a:t>
             </a:r>
           </a:p>
@@ -4270,7 +4271,7 @@
           <a:p>
             <a:fld id="{8FE21258-553D-484E-8517-3BA5017D743B}" type="datetime1">
               <a:rPr lang="de-CH" smtClean="0"/>
-              <a:t>01.06.19</a:t>
+              <a:t>04.06.2019</a:t>
             </a:fld>
             <a:endParaRPr lang="de-CH" dirty="0"/>
           </a:p>
@@ -4292,7 +4293,7 @@
           <a:lstStyle/>
           <a:p>
             <a:r>
-              <a:rPr lang="de-CH" smtClean="0"/>
+              <a:rPr lang="de-CH"/>
               <a:t>Max Strittmatter - Tahir Bassra – Simon drabert</a:t>
             </a:r>
             <a:endParaRPr lang="de-CH" dirty="0"/>
@@ -4317,7 +4318,7 @@
             <a:fld id="{9F10C86B-4752-43DD-85C6-6BDBDC82DA15}" type="slidenum">
               <a:rPr lang="de-CH" smtClean="0"/>
               <a:pPr/>
-              <a:t>‹#›</a:t>
+              <a:t>‹Nr.›</a:t>
             </a:fld>
             <a:endParaRPr lang="de-CH"/>
           </a:p>
@@ -4375,7 +4376,7 @@
           <a:lstStyle/>
           <a:p>
             <a:r>
-              <a:rPr lang="en-US" smtClean="0"/>
+              <a:rPr lang="en-US"/>
               <a:t>Click to edit Master title style</a:t>
             </a:r>
             <a:endParaRPr lang="en-US" dirty="0"/>
@@ -4434,35 +4435,35 @@
           <a:p>
             <a:pPr lvl="0"/>
             <a:r>
-              <a:rPr lang="en-US" smtClean="0"/>
+              <a:rPr lang="en-US"/>
               <a:t>Click to edit Master text styles</a:t>
             </a:r>
           </a:p>
           <a:p>
             <a:pPr lvl="1"/>
             <a:r>
-              <a:rPr lang="en-US" smtClean="0"/>
+              <a:rPr lang="en-US"/>
               <a:t>Second level</a:t>
             </a:r>
           </a:p>
           <a:p>
             <a:pPr lvl="2"/>
             <a:r>
-              <a:rPr lang="en-US" smtClean="0"/>
+              <a:rPr lang="en-US"/>
               <a:t>Third level</a:t>
             </a:r>
           </a:p>
           <a:p>
             <a:pPr lvl="3"/>
             <a:r>
-              <a:rPr lang="en-US" smtClean="0"/>
+              <a:rPr lang="en-US"/>
               <a:t>Fourth level</a:t>
             </a:r>
           </a:p>
           <a:p>
             <a:pPr lvl="4"/>
             <a:r>
-              <a:rPr lang="en-US" smtClean="0"/>
+              <a:rPr lang="en-US"/>
               <a:t>Fifth level</a:t>
             </a:r>
             <a:endParaRPr lang="en-US" dirty="0"/>
@@ -4521,35 +4522,35 @@
           <a:p>
             <a:pPr lvl="0"/>
             <a:r>
-              <a:rPr lang="en-US" smtClean="0"/>
+              <a:rPr lang="en-US"/>
               <a:t>Click to edit Master text styles</a:t>
             </a:r>
           </a:p>
           <a:p>
             <a:pPr lvl="1"/>
             <a:r>
-              <a:rPr lang="en-US" smtClean="0"/>
+              <a:rPr lang="en-US"/>
               <a:t>Second level</a:t>
             </a:r>
           </a:p>
           <a:p>
             <a:pPr lvl="2"/>
             <a:r>
-              <a:rPr lang="en-US" smtClean="0"/>
+              <a:rPr lang="en-US"/>
               <a:t>Third level</a:t>
             </a:r>
           </a:p>
           <a:p>
             <a:pPr lvl="3"/>
             <a:r>
-              <a:rPr lang="en-US" smtClean="0"/>
+              <a:rPr lang="en-US"/>
               <a:t>Fourth level</a:t>
             </a:r>
           </a:p>
           <a:p>
             <a:pPr lvl="4"/>
             <a:r>
-              <a:rPr lang="en-US" smtClean="0"/>
+              <a:rPr lang="en-US"/>
               <a:t>Fifth level</a:t>
             </a:r>
             <a:endParaRPr lang="en-US" dirty="0"/>
@@ -4573,7 +4574,7 @@
           <a:p>
             <a:fld id="{8FE21258-553D-484E-8517-3BA5017D743B}" type="datetime1">
               <a:rPr lang="de-CH" smtClean="0"/>
-              <a:t>01.06.19</a:t>
+              <a:t>04.06.2019</a:t>
             </a:fld>
             <a:endParaRPr lang="de-CH" dirty="0"/>
           </a:p>
@@ -4595,7 +4596,7 @@
           <a:lstStyle/>
           <a:p>
             <a:r>
-              <a:rPr lang="de-CH" smtClean="0"/>
+              <a:rPr lang="de-CH"/>
               <a:t>Max Strittmatter - Tahir Bassra – Simon drabert</a:t>
             </a:r>
             <a:endParaRPr lang="de-CH" dirty="0"/>
@@ -4620,7 +4621,7 @@
             <a:fld id="{9F10C86B-4752-43DD-85C6-6BDBDC82DA15}" type="slidenum">
               <a:rPr lang="de-CH" smtClean="0"/>
               <a:pPr/>
-              <a:t>‹#›</a:t>
+              <a:t>‹Nr.›</a:t>
             </a:fld>
             <a:endParaRPr lang="de-CH"/>
           </a:p>
@@ -4677,7 +4678,7 @@
           </a:lstStyle>
           <a:p>
             <a:r>
-              <a:rPr lang="en-US" smtClean="0"/>
+              <a:rPr lang="en-US"/>
               <a:t>Click to edit Master title style</a:t>
             </a:r>
             <a:endParaRPr lang="en-US" dirty="0"/>
@@ -4751,7 +4752,7 @@
           <a:p>
             <a:pPr lvl="0"/>
             <a:r>
-              <a:rPr lang="en-US" smtClean="0"/>
+              <a:rPr lang="en-US"/>
               <a:t>Click to edit Master text styles</a:t>
             </a:r>
           </a:p>
@@ -4809,35 +4810,35 @@
           <a:p>
             <a:pPr lvl="0"/>
             <a:r>
-              <a:rPr lang="en-US" smtClean="0"/>
+              <a:rPr lang="en-US"/>
               <a:t>Click to edit Master text styles</a:t>
             </a:r>
           </a:p>
           <a:p>
             <a:pPr lvl="1"/>
             <a:r>
-              <a:rPr lang="en-US" smtClean="0"/>
+              <a:rPr lang="en-US"/>
               <a:t>Second level</a:t>
             </a:r>
           </a:p>
           <a:p>
             <a:pPr lvl="2"/>
             <a:r>
-              <a:rPr lang="en-US" smtClean="0"/>
+              <a:rPr lang="en-US"/>
               <a:t>Third level</a:t>
             </a:r>
           </a:p>
           <a:p>
             <a:pPr lvl="3"/>
             <a:r>
-              <a:rPr lang="en-US" smtClean="0"/>
+              <a:rPr lang="en-US"/>
               <a:t>Fourth level</a:t>
             </a:r>
           </a:p>
           <a:p>
             <a:pPr lvl="4"/>
             <a:r>
-              <a:rPr lang="en-US" smtClean="0"/>
+              <a:rPr lang="en-US"/>
               <a:t>Fifth level</a:t>
             </a:r>
             <a:endParaRPr lang="en-US" dirty="0"/>
@@ -4911,7 +4912,7 @@
           <a:p>
             <a:pPr lvl="0"/>
             <a:r>
-              <a:rPr lang="en-US" smtClean="0"/>
+              <a:rPr lang="en-US"/>
               <a:t>Click to edit Master text styles</a:t>
             </a:r>
           </a:p>
@@ -4969,35 +4970,35 @@
           <a:p>
             <a:pPr lvl="0"/>
             <a:r>
-              <a:rPr lang="en-US" smtClean="0"/>
+              <a:rPr lang="en-US"/>
               <a:t>Click to edit Master text styles</a:t>
             </a:r>
           </a:p>
           <a:p>
             <a:pPr lvl="1"/>
             <a:r>
-              <a:rPr lang="en-US" smtClean="0"/>
+              <a:rPr lang="en-US"/>
               <a:t>Second level</a:t>
             </a:r>
           </a:p>
           <a:p>
             <a:pPr lvl="2"/>
             <a:r>
-              <a:rPr lang="en-US" smtClean="0"/>
+              <a:rPr lang="en-US"/>
               <a:t>Third level</a:t>
             </a:r>
           </a:p>
           <a:p>
             <a:pPr lvl="3"/>
             <a:r>
-              <a:rPr lang="en-US" smtClean="0"/>
+              <a:rPr lang="en-US"/>
               <a:t>Fourth level</a:t>
             </a:r>
           </a:p>
           <a:p>
             <a:pPr lvl="4"/>
             <a:r>
-              <a:rPr lang="en-US" smtClean="0"/>
+              <a:rPr lang="en-US"/>
               <a:t>Fifth level</a:t>
             </a:r>
             <a:endParaRPr lang="en-US" dirty="0"/>
@@ -5021,7 +5022,7 @@
           <a:p>
             <a:fld id="{8FE21258-553D-484E-8517-3BA5017D743B}" type="datetime1">
               <a:rPr lang="de-CH" smtClean="0"/>
-              <a:t>01.06.19</a:t>
+              <a:t>04.06.2019</a:t>
             </a:fld>
             <a:endParaRPr lang="de-CH" dirty="0"/>
           </a:p>
@@ -5043,7 +5044,7 @@
           <a:lstStyle/>
           <a:p>
             <a:r>
-              <a:rPr lang="de-CH" smtClean="0"/>
+              <a:rPr lang="de-CH"/>
               <a:t>Max Strittmatter - Tahir Bassra – Simon drabert</a:t>
             </a:r>
             <a:endParaRPr lang="de-CH" dirty="0"/>
@@ -5068,7 +5069,7 @@
             <a:fld id="{9F10C86B-4752-43DD-85C6-6BDBDC82DA15}" type="slidenum">
               <a:rPr lang="de-CH" smtClean="0"/>
               <a:pPr/>
-              <a:t>‹#›</a:t>
+              <a:t>‹Nr.›</a:t>
             </a:fld>
             <a:endParaRPr lang="de-CH"/>
           </a:p>
@@ -5121,7 +5122,7 @@
           <a:lstStyle/>
           <a:p>
             <a:r>
-              <a:rPr lang="en-US" smtClean="0"/>
+              <a:rPr lang="en-US"/>
               <a:t>Click to edit Master title style</a:t>
             </a:r>
             <a:endParaRPr lang="en-US" dirty="0"/>
@@ -5145,7 +5146,7 @@
           <a:p>
             <a:fld id="{8FE21258-553D-484E-8517-3BA5017D743B}" type="datetime1">
               <a:rPr lang="de-CH" smtClean="0"/>
-              <a:t>01.06.19</a:t>
+              <a:t>04.06.2019</a:t>
             </a:fld>
             <a:endParaRPr lang="de-CH" dirty="0"/>
           </a:p>
@@ -5167,7 +5168,7 @@
           <a:lstStyle/>
           <a:p>
             <a:r>
-              <a:rPr lang="de-CH" smtClean="0"/>
+              <a:rPr lang="de-CH"/>
               <a:t>Max Strittmatter - Tahir Bassra – Simon drabert</a:t>
             </a:r>
             <a:endParaRPr lang="de-CH" dirty="0"/>
@@ -5192,7 +5193,7 @@
             <a:fld id="{9F10C86B-4752-43DD-85C6-6BDBDC82DA15}" type="slidenum">
               <a:rPr lang="de-CH" smtClean="0"/>
               <a:pPr/>
-              <a:t>‹#›</a:t>
+              <a:t>‹Nr.›</a:t>
             </a:fld>
             <a:endParaRPr lang="de-CH"/>
           </a:p>
@@ -5246,7 +5247,7 @@
           <a:p>
             <a:fld id="{8FE21258-553D-484E-8517-3BA5017D743B}" type="datetime1">
               <a:rPr lang="de-CH" smtClean="0"/>
-              <a:t>01.06.19</a:t>
+              <a:t>04.06.2019</a:t>
             </a:fld>
             <a:endParaRPr lang="de-CH" dirty="0"/>
           </a:p>
@@ -5268,7 +5269,7 @@
           <a:lstStyle/>
           <a:p>
             <a:r>
-              <a:rPr lang="de-CH" smtClean="0"/>
+              <a:rPr lang="de-CH"/>
               <a:t>Max Strittmatter - Tahir Bassra – Simon drabert</a:t>
             </a:r>
             <a:endParaRPr lang="de-CH" dirty="0"/>
@@ -5293,7 +5294,7 @@
             <a:fld id="{9F10C86B-4752-43DD-85C6-6BDBDC82DA15}" type="slidenum">
               <a:rPr lang="de-CH" smtClean="0"/>
               <a:pPr/>
-              <a:t>‹#›</a:t>
+              <a:t>‹Nr.›</a:t>
             </a:fld>
             <a:endParaRPr lang="de-CH"/>
           </a:p>
@@ -5357,7 +5358,7 @@
           </a:lstStyle>
           <a:p>
             <a:r>
-              <a:rPr lang="en-US" smtClean="0"/>
+              <a:rPr lang="en-US"/>
               <a:t>Click to edit Master title style</a:t>
             </a:r>
             <a:endParaRPr lang="en-US" dirty="0"/>
@@ -5416,35 +5417,35 @@
           <a:p>
             <a:pPr lvl="0"/>
             <a:r>
-              <a:rPr lang="en-US" smtClean="0"/>
+              <a:rPr lang="en-US"/>
               <a:t>Click to edit Master text styles</a:t>
             </a:r>
           </a:p>
           <a:p>
             <a:pPr lvl="1"/>
             <a:r>
-              <a:rPr lang="en-US" smtClean="0"/>
+              <a:rPr lang="en-US"/>
               <a:t>Second level</a:t>
             </a:r>
           </a:p>
           <a:p>
             <a:pPr lvl="2"/>
             <a:r>
-              <a:rPr lang="en-US" smtClean="0"/>
+              <a:rPr lang="en-US"/>
               <a:t>Third level</a:t>
             </a:r>
           </a:p>
           <a:p>
             <a:pPr lvl="3"/>
             <a:r>
-              <a:rPr lang="en-US" smtClean="0"/>
+              <a:rPr lang="en-US"/>
               <a:t>Fourth level</a:t>
             </a:r>
           </a:p>
           <a:p>
             <a:pPr lvl="4"/>
             <a:r>
-              <a:rPr lang="en-US" smtClean="0"/>
+              <a:rPr lang="en-US"/>
               <a:t>Fifth level</a:t>
             </a:r>
             <a:endParaRPr lang="en-US" dirty="0"/>
@@ -5512,7 +5513,7 @@
           <a:p>
             <a:pPr lvl="0"/>
             <a:r>
-              <a:rPr lang="en-US" smtClean="0"/>
+              <a:rPr lang="en-US"/>
               <a:t>Click to edit Master text styles</a:t>
             </a:r>
           </a:p>
@@ -5535,7 +5536,7 @@
           <a:p>
             <a:fld id="{8FE21258-553D-484E-8517-3BA5017D743B}" type="datetime1">
               <a:rPr lang="de-CH" smtClean="0"/>
-              <a:t>01.06.19</a:t>
+              <a:t>04.06.2019</a:t>
             </a:fld>
             <a:endParaRPr lang="de-CH" dirty="0"/>
           </a:p>
@@ -5557,7 +5558,7 @@
           <a:lstStyle/>
           <a:p>
             <a:r>
-              <a:rPr lang="de-CH" smtClean="0"/>
+              <a:rPr lang="de-CH"/>
               <a:t>Max Strittmatter - Tahir Bassra – Simon drabert</a:t>
             </a:r>
             <a:endParaRPr lang="de-CH" dirty="0"/>
@@ -5582,7 +5583,7 @@
             <a:fld id="{9F10C86B-4752-43DD-85C6-6BDBDC82DA15}" type="slidenum">
               <a:rPr lang="de-CH" smtClean="0"/>
               <a:pPr/>
-              <a:t>‹#›</a:t>
+              <a:t>‹Nr.›</a:t>
             </a:fld>
             <a:endParaRPr lang="de-CH"/>
           </a:p>
@@ -5646,7 +5647,7 @@
           </a:lstStyle>
           <a:p>
             <a:r>
-              <a:rPr lang="en-US" smtClean="0"/>
+              <a:rPr lang="en-US"/>
               <a:t>Click to edit Master title style</a:t>
             </a:r>
             <a:endParaRPr lang="en-US" dirty="0"/>
@@ -5741,7 +5742,7 @@
           </a:lstStyle>
           <a:p>
             <a:r>
-              <a:rPr lang="en-US" smtClean="0"/>
+              <a:rPr lang="en-US"/>
               <a:t>Drag picture to placeholder or click icon to add</a:t>
             </a:r>
             <a:endParaRPr lang="en-US" dirty="0"/>
@@ -5809,7 +5810,7 @@
           <a:p>
             <a:pPr lvl="0"/>
             <a:r>
-              <a:rPr lang="en-US" smtClean="0"/>
+              <a:rPr lang="en-US"/>
               <a:t>Click to edit Master text styles</a:t>
             </a:r>
           </a:p>
@@ -5832,7 +5833,7 @@
           <a:p>
             <a:fld id="{8FE21258-553D-484E-8517-3BA5017D743B}" type="datetime1">
               <a:rPr lang="de-CH" smtClean="0"/>
-              <a:t>01.06.19</a:t>
+              <a:t>04.06.2019</a:t>
             </a:fld>
             <a:endParaRPr lang="de-CH" dirty="0"/>
           </a:p>
@@ -5854,7 +5855,7 @@
           <a:lstStyle/>
           <a:p>
             <a:r>
-              <a:rPr lang="en-US" smtClean="0"/>
+              <a:rPr lang="en-US"/>
               <a:t>
               </a:t>
             </a:r>
@@ -5880,7 +5881,7 @@
             <a:fld id="{9F10C86B-4752-43DD-85C6-6BDBDC82DA15}" type="slidenum">
               <a:rPr lang="de-CH" smtClean="0"/>
               <a:pPr/>
-              <a:t>‹#›</a:t>
+              <a:t>‹Nr.›</a:t>
             </a:fld>
             <a:endParaRPr lang="de-CH"/>
           </a:p>
@@ -6268,7 +6269,7 @@
           <a:lstStyle/>
           <a:p>
             <a:r>
-              <a:rPr lang="en-US" smtClean="0"/>
+              <a:rPr lang="en-US"/>
               <a:t>Click to edit Master title style</a:t>
             </a:r>
             <a:endParaRPr lang="en-US" dirty="0"/>
@@ -6302,35 +6303,35 @@
           <a:p>
             <a:pPr lvl="0"/>
             <a:r>
-              <a:rPr lang="en-US" smtClean="0"/>
+              <a:rPr lang="en-US"/>
               <a:t>Click to edit Master text styles</a:t>
             </a:r>
           </a:p>
           <a:p>
             <a:pPr lvl="1"/>
             <a:r>
-              <a:rPr lang="en-US" smtClean="0"/>
+              <a:rPr lang="en-US"/>
               <a:t>Second level</a:t>
             </a:r>
           </a:p>
           <a:p>
             <a:pPr lvl="2"/>
             <a:r>
-              <a:rPr lang="en-US" smtClean="0"/>
+              <a:rPr lang="en-US"/>
               <a:t>Third level</a:t>
             </a:r>
           </a:p>
           <a:p>
             <a:pPr lvl="3"/>
             <a:r>
-              <a:rPr lang="en-US" smtClean="0"/>
+              <a:rPr lang="en-US"/>
               <a:t>Fourth level</a:t>
             </a:r>
           </a:p>
           <a:p>
             <a:pPr lvl="4"/>
             <a:r>
-              <a:rPr lang="en-US" smtClean="0"/>
+              <a:rPr lang="en-US"/>
               <a:t>Fifth level</a:t>
             </a:r>
             <a:endParaRPr lang="en-US" dirty="0"/>
@@ -6372,7 +6373,7 @@
           <a:p>
             <a:fld id="{8FE21258-553D-484E-8517-3BA5017D743B}" type="datetime1">
               <a:rPr lang="de-CH" smtClean="0"/>
-              <a:t>01.06.19</a:t>
+              <a:t>04.06.2019</a:t>
             </a:fld>
             <a:endParaRPr lang="de-CH" dirty="0"/>
           </a:p>
@@ -6412,7 +6413,7 @@
           </a:lstStyle>
           <a:p>
             <a:r>
-              <a:rPr lang="de-CH" smtClean="0"/>
+              <a:rPr lang="de-CH"/>
               <a:t>Max Strittmatter - Tahir Bassra – Simon drabert</a:t>
             </a:r>
             <a:endParaRPr lang="de-CH" dirty="0"/>
@@ -6455,7 +6456,7 @@
             <a:fld id="{9F10C86B-4752-43DD-85C6-6BDBDC82DA15}" type="slidenum">
               <a:rPr lang="de-CH" smtClean="0"/>
               <a:pPr/>
-              <a:t>‹#›</a:t>
+              <a:t>‹Nr.›</a:t>
             </a:fld>
             <a:endParaRPr lang="de-CH"/>
           </a:p>
@@ -6933,35 +6934,12 @@
           <a:p>
             <a:pPr algn="l"/>
             <a:r>
-              <a:rPr lang="en-US" sz="2500" dirty="0" smtClean="0">
+              <a:rPr lang="en-US" sz="2500" dirty="0">
                 <a:latin typeface="Source Sans Pro" charset="0"/>
                 <a:ea typeface="Source Sans Pro" charset="0"/>
                 <a:cs typeface="Source Sans Pro" charset="0"/>
               </a:rPr>
               <a:t>Digitalization of the Business Processes (SS19)</a:t>
-            </a:r>
-            <a:r>
-              <a:rPr lang="en-US" sz="2800" b="1" dirty="0" smtClean="0">
-                <a:latin typeface="Serifa Std 65" charset="0"/>
-                <a:ea typeface="Serifa Std 65" charset="0"/>
-                <a:cs typeface="Serifa Std 65" charset="0"/>
-              </a:rPr>
-              <a:t/>
-            </a:r>
-            <a:br>
-              <a:rPr lang="en-US" sz="2800" b="1" dirty="0" smtClean="0">
-                <a:latin typeface="Serifa Std 65" charset="0"/>
-                <a:ea typeface="Serifa Std 65" charset="0"/>
-                <a:cs typeface="Serifa Std 65" charset="0"/>
-              </a:rPr>
-            </a:br>
-            <a:r>
-              <a:rPr lang="en-US" sz="2800" b="1" dirty="0">
-                <a:latin typeface="Serifa Std 65" charset="0"/>
-                <a:ea typeface="Serifa Std 65" charset="0"/>
-                <a:cs typeface="Serifa Std 65" charset="0"/>
-              </a:rPr>
-              <a:t/>
             </a:r>
             <a:br>
               <a:rPr lang="en-US" sz="2800" b="1" dirty="0">
@@ -6970,58 +6948,20 @@
                 <a:cs typeface="Serifa Std 65" charset="0"/>
               </a:rPr>
             </a:br>
-            <a:r>
-              <a:rPr lang="en-US" sz="4000" b="1" dirty="0" smtClean="0">
+            <a:br>
+              <a:rPr lang="en-US" sz="2800" b="1" dirty="0">
+                <a:latin typeface="Serifa Std 65" charset="0"/>
+                <a:ea typeface="Serifa Std 65" charset="0"/>
+                <a:cs typeface="Serifa Std 65" charset="0"/>
+              </a:rPr>
+            </a:br>
+            <a:r>
+              <a:rPr lang="en-US" sz="4000" b="1" dirty="0">
                 <a:latin typeface="Serifa Std 65" charset="0"/>
                 <a:ea typeface="Serifa Std 65" charset="0"/>
                 <a:cs typeface="Serifa Std 65" charset="0"/>
               </a:rPr>
               <a:t>e-Retail</a:t>
-            </a:r>
-            <a:br>
-              <a:rPr lang="en-US" sz="4000" b="1" dirty="0" smtClean="0">
-                <a:latin typeface="Serifa Std 65" charset="0"/>
-                <a:ea typeface="Serifa Std 65" charset="0"/>
-                <a:cs typeface="Serifa Std 65" charset="0"/>
-              </a:rPr>
-            </a:br>
-            <a:r>
-              <a:rPr lang="en-US" sz="4000" b="1" dirty="0" smtClean="0">
-                <a:latin typeface="Serifa Std 65" charset="0"/>
-                <a:ea typeface="Serifa Std 65" charset="0"/>
-                <a:cs typeface="Serifa Std 65" charset="0"/>
-              </a:rPr>
-              <a:t>CC Clothing Company</a:t>
-            </a:r>
-            <a:br>
-              <a:rPr lang="en-US" sz="4000" b="1" dirty="0" smtClean="0">
-                <a:latin typeface="Serifa Std 65" charset="0"/>
-                <a:ea typeface="Serifa Std 65" charset="0"/>
-                <a:cs typeface="Serifa Std 65" charset="0"/>
-              </a:rPr>
-            </a:br>
-            <a:r>
-              <a:rPr lang="en-US" sz="4000" b="1" dirty="0" smtClean="0">
-                <a:latin typeface="Serifa Std 65" charset="0"/>
-                <a:ea typeface="Serifa Std 65" charset="0"/>
-                <a:cs typeface="Serifa Std 65" charset="0"/>
-              </a:rPr>
-              <a:t/>
-            </a:r>
-            <a:br>
-              <a:rPr lang="en-US" sz="4000" b="1" dirty="0" smtClean="0">
-                <a:latin typeface="Serifa Std 65" charset="0"/>
-                <a:ea typeface="Serifa Std 65" charset="0"/>
-                <a:cs typeface="Serifa Std 65" charset="0"/>
-              </a:rPr>
-            </a:br>
-            <a:r>
-              <a:rPr lang="en-US" sz="4000" b="1" dirty="0">
-                <a:latin typeface="Serifa Std 65" charset="0"/>
-                <a:ea typeface="Serifa Std 65" charset="0"/>
-                <a:cs typeface="Serifa Std 65" charset="0"/>
-              </a:rPr>
-              <a:t/>
             </a:r>
             <a:br>
               <a:rPr lang="en-US" sz="4000" b="1" dirty="0">
@@ -7031,28 +6971,41 @@
               </a:rPr>
             </a:br>
             <a:r>
-              <a:rPr lang="en-US" sz="2500" dirty="0" smtClean="0">
+              <a:rPr lang="en-US" sz="4000" b="1" dirty="0">
+                <a:latin typeface="Serifa Std 65" charset="0"/>
+                <a:ea typeface="Serifa Std 65" charset="0"/>
+                <a:cs typeface="Serifa Std 65" charset="0"/>
+              </a:rPr>
+              <a:t>CC Clothing Company</a:t>
+            </a:r>
+            <a:br>
+              <a:rPr lang="en-US" sz="4000" b="1" dirty="0">
+                <a:latin typeface="Serifa Std 65" charset="0"/>
+                <a:ea typeface="Serifa Std 65" charset="0"/>
+                <a:cs typeface="Serifa Std 65" charset="0"/>
+              </a:rPr>
+            </a:br>
+            <a:br>
+              <a:rPr lang="en-US" sz="4000" b="1" dirty="0">
+                <a:latin typeface="Serifa Std 65" charset="0"/>
+                <a:ea typeface="Serifa Std 65" charset="0"/>
+                <a:cs typeface="Serifa Std 65" charset="0"/>
+              </a:rPr>
+            </a:br>
+            <a:br>
+              <a:rPr lang="en-US" sz="4000" b="1" dirty="0">
+                <a:latin typeface="Serifa Std 65" charset="0"/>
+                <a:ea typeface="Serifa Std 65" charset="0"/>
+                <a:cs typeface="Serifa Std 65" charset="0"/>
+              </a:rPr>
+            </a:br>
+            <a:r>
+              <a:rPr lang="en-US" sz="2500" dirty="0">
                 <a:latin typeface="Source Sans Pro" charset="0"/>
                 <a:ea typeface="Source Sans Pro" charset="0"/>
                 <a:cs typeface="Source Sans Pro" charset="0"/>
               </a:rPr>
-              <a:t>Team Morcote: Loris, Oliver, </a:t>
-            </a:r>
-            <a:r>
-              <a:rPr lang="en-US" sz="2500" dirty="0" err="1" smtClean="0">
-                <a:latin typeface="Source Sans Pro" charset="0"/>
-                <a:ea typeface="Source Sans Pro" charset="0"/>
-                <a:cs typeface="Source Sans Pro" charset="0"/>
-              </a:rPr>
-              <a:t>Shambu</a:t>
-            </a:r>
-            <a:r>
-              <a:rPr lang="en-US" sz="2500" dirty="0" smtClean="0">
-                <a:latin typeface="Source Sans Pro" charset="0"/>
-                <a:ea typeface="Source Sans Pro" charset="0"/>
-                <a:cs typeface="Source Sans Pro" charset="0"/>
-              </a:rPr>
-              <a:t>, Yannick</a:t>
+              <a:t>Team Morcote: Loris, Oliver, Shambhu, Yannick</a:t>
             </a:r>
             <a:endParaRPr lang="de-CH" sz="2500" dirty="0">
               <a:latin typeface="Source Sans Pro" charset="0"/>
@@ -7102,13 +7055,6 @@
   <p:clrMapOvr>
     <a:masterClrMapping/>
   </p:clrMapOvr>
-  <p:timing>
-    <p:tnLst>
-      <p:par>
-        <p:cTn id="1" dur="indefinite" restart="never" nodeType="tmRoot"/>
-      </p:par>
-    </p:tnLst>
-  </p:timing>
 </p:sld>
 </file>
 
@@ -7150,34 +7096,13 @@
           <a:lstStyle/>
           <a:p>
             <a:r>
-              <a:rPr lang="en-GB" dirty="0" smtClean="0">
+              <a:rPr lang="en-GB" dirty="0">
                 <a:latin typeface="Source Sans Pro" charset="0"/>
                 <a:ea typeface="Source Sans Pro" charset="0"/>
                 <a:cs typeface="Source Sans Pro" charset="0"/>
               </a:rPr>
-              <a:t>Loris, Oliver, </a:t>
-            </a:r>
-            <a:r>
-              <a:rPr lang="en-GB" dirty="0" err="1" smtClean="0">
-                <a:latin typeface="Source Sans Pro" charset="0"/>
-                <a:ea typeface="Source Sans Pro" charset="0"/>
-                <a:cs typeface="Source Sans Pro" charset="0"/>
-              </a:rPr>
-              <a:t>Shambu</a:t>
-            </a:r>
-            <a:r>
-              <a:rPr lang="en-GB" dirty="0" smtClean="0">
-                <a:latin typeface="Source Sans Pro" charset="0"/>
-                <a:ea typeface="Source Sans Pro" charset="0"/>
-                <a:cs typeface="Source Sans Pro" charset="0"/>
-              </a:rPr>
-              <a:t>, Yannick</a:t>
-            </a:r>
-            <a:endParaRPr lang="en-GB" dirty="0">
-              <a:latin typeface="Source Sans Pro" charset="0"/>
-              <a:ea typeface="Source Sans Pro" charset="0"/>
-              <a:cs typeface="Source Sans Pro" charset="0"/>
-            </a:endParaRPr>
+              <a:t>Loris, Oliver, Shambhu, Yannick</a:t>
+            </a:r>
           </a:p>
         </p:txBody>
       </p:sp>
@@ -7270,7 +7195,7 @@
           <a:lstStyle/>
           <a:p>
             <a:r>
-              <a:rPr lang="en-US" sz="3200" b="1" dirty="0" smtClean="0">
+              <a:rPr lang="en-US" sz="3200" b="1" dirty="0">
                 <a:latin typeface="Serifa Std 65" charset="0"/>
                 <a:ea typeface="Serifa Std 65" charset="0"/>
                 <a:cs typeface="Serifa Std 65" charset="0"/>
@@ -7278,7 +7203,7 @@
               <a:t>Situation assessment </a:t>
             </a:r>
             <a:r>
-              <a:rPr lang="en-US" sz="2000" b="1" dirty="0" smtClean="0">
+              <a:rPr lang="en-US" sz="2000" b="1" dirty="0">
                 <a:latin typeface="Serifa Std 65" charset="0"/>
                 <a:ea typeface="Serifa Std 65" charset="0"/>
                 <a:cs typeface="Serifa Std 65" charset="0"/>
@@ -7312,56 +7237,27 @@
           <a:lstStyle/>
           <a:p>
             <a:r>
-              <a:rPr lang="en-US" dirty="0" smtClean="0"/>
+              <a:rPr lang="en-US" dirty="0"/>
               <a:t>Just physical stores</a:t>
             </a:r>
           </a:p>
           <a:p>
             <a:r>
-              <a:rPr lang="en-US" dirty="0" smtClean="0"/>
+              <a:rPr lang="en-US" dirty="0"/>
               <a:t>No alignment of Business and IT</a:t>
             </a:r>
           </a:p>
           <a:p>
             <a:r>
-              <a:rPr lang="de-CH" dirty="0" err="1" smtClean="0"/>
-              <a:t>No</a:t>
-            </a:r>
-            <a:r>
-              <a:rPr lang="de-CH" dirty="0" smtClean="0"/>
-              <a:t> </a:t>
-            </a:r>
-            <a:r>
-              <a:rPr lang="de-CH" dirty="0" err="1" smtClean="0"/>
-              <a:t>scalable</a:t>
-            </a:r>
-            <a:r>
-              <a:rPr lang="de-CH" dirty="0" smtClean="0"/>
-              <a:t> Business Model</a:t>
-            </a:r>
-          </a:p>
-          <a:p>
-            <a:r>
-              <a:rPr lang="de-CH" dirty="0" err="1" smtClean="0"/>
-              <a:t>Unefficient</a:t>
-            </a:r>
-            <a:r>
-              <a:rPr lang="de-CH" dirty="0" smtClean="0"/>
-              <a:t>, </a:t>
-            </a:r>
-            <a:r>
-              <a:rPr lang="de-CH" dirty="0" err="1" smtClean="0"/>
-              <a:t>manual</a:t>
-            </a:r>
-            <a:r>
-              <a:rPr lang="de-CH" dirty="0" smtClean="0"/>
-              <a:t> </a:t>
-            </a:r>
-            <a:r>
-              <a:rPr lang="de-CH" dirty="0" err="1" smtClean="0"/>
-              <a:t>processes</a:t>
-            </a:r>
-            <a:endParaRPr lang="de-CH" dirty="0" smtClean="0"/>
+              <a:rPr lang="en-GB" dirty="0"/>
+              <a:t>No scalable Business Model</a:t>
+            </a:r>
+          </a:p>
+          <a:p>
+            <a:r>
+              <a:rPr lang="en-GB" dirty="0"/>
+              <a:t>Inefficient, manual processes</a:t>
+            </a:r>
           </a:p>
         </p:txBody>
       </p:sp>
@@ -7375,13 +7271,6 @@
   <p:clrMapOvr>
     <a:masterClrMapping/>
   </p:clrMapOvr>
-  <p:timing>
-    <p:tnLst>
-      <p:par>
-        <p:cTn id="1" dur="indefinite" restart="never" nodeType="tmRoot"/>
-      </p:par>
-    </p:tnLst>
-  </p:timing>
 </p:sld>
 </file>
 
@@ -7423,34 +7312,13 @@
           <a:lstStyle/>
           <a:p>
             <a:r>
-              <a:rPr lang="en-GB" dirty="0" smtClean="0">
+              <a:rPr lang="en-GB" dirty="0">
                 <a:latin typeface="Source Sans Pro" charset="0"/>
                 <a:ea typeface="Source Sans Pro" charset="0"/>
                 <a:cs typeface="Source Sans Pro" charset="0"/>
               </a:rPr>
-              <a:t>Loris, Oliver, </a:t>
-            </a:r>
-            <a:r>
-              <a:rPr lang="en-GB" dirty="0" err="1" smtClean="0">
-                <a:latin typeface="Source Sans Pro" charset="0"/>
-                <a:ea typeface="Source Sans Pro" charset="0"/>
-                <a:cs typeface="Source Sans Pro" charset="0"/>
-              </a:rPr>
-              <a:t>Shambu</a:t>
-            </a:r>
-            <a:r>
-              <a:rPr lang="en-GB" dirty="0" smtClean="0">
-                <a:latin typeface="Source Sans Pro" charset="0"/>
-                <a:ea typeface="Source Sans Pro" charset="0"/>
-                <a:cs typeface="Source Sans Pro" charset="0"/>
-              </a:rPr>
-              <a:t>, Yannick</a:t>
-            </a:r>
-            <a:endParaRPr lang="en-GB" dirty="0">
-              <a:latin typeface="Source Sans Pro" charset="0"/>
-              <a:ea typeface="Source Sans Pro" charset="0"/>
-              <a:cs typeface="Source Sans Pro" charset="0"/>
-            </a:endParaRPr>
+              <a:t>Loris, Oliver, Shambhu, Yannick</a:t>
+            </a:r>
           </a:p>
         </p:txBody>
       </p:sp>
@@ -7573,7 +7441,7 @@
           <a:lstStyle/>
           <a:p>
             <a:r>
-              <a:rPr lang="en-US" sz="3200" b="1" dirty="0" smtClean="0">
+              <a:rPr lang="en-US" sz="3200" b="1" dirty="0">
                 <a:latin typeface="Serifa Std 65" charset="0"/>
                 <a:ea typeface="Serifa Std 65" charset="0"/>
                 <a:cs typeface="Serifa Std 65" charset="0"/>
@@ -7586,15 +7454,7 @@
                 <a:ea typeface="Serifa Std 65" charset="0"/>
                 <a:cs typeface="Serifa Std 65" charset="0"/>
               </a:rPr>
-              <a:t>2</a:t>
-            </a:r>
-            <a:r>
-              <a:rPr lang="en-US" sz="2000" b="1" dirty="0" smtClean="0">
-                <a:latin typeface="Serifa Std 65" charset="0"/>
-                <a:ea typeface="Serifa Std 65" charset="0"/>
-                <a:cs typeface="Serifa Std 65" charset="0"/>
-              </a:rPr>
-              <a:t>/2</a:t>
+              <a:t>2/2</a:t>
             </a:r>
             <a:endParaRPr lang="en-US" sz="2000" dirty="0"/>
           </a:p>
@@ -7610,13 +7470,6 @@
   <p:clrMapOvr>
     <a:masterClrMapping/>
   </p:clrMapOvr>
-  <p:timing>
-    <p:tnLst>
-      <p:par>
-        <p:cTn id="1" dur="indefinite" restart="never" nodeType="tmRoot"/>
-      </p:par>
-    </p:tnLst>
-  </p:timing>
 </p:sld>
 </file>
 
@@ -7660,41 +7513,27 @@
           <a:lstStyle/>
           <a:p>
             <a:r>
-              <a:rPr lang="en-US" dirty="0" err="1" smtClean="0"/>
-              <a:t>Webshop</a:t>
-            </a:r>
-            <a:r>
-              <a:rPr lang="en-US" dirty="0" smtClean="0"/>
-              <a:t> </a:t>
-            </a:r>
-          </a:p>
-          <a:p>
-            <a:r>
-              <a:rPr lang="en-US" dirty="0" smtClean="0"/>
+              <a:rPr lang="en-US" dirty="0"/>
+              <a:t>Web shop </a:t>
+            </a:r>
+          </a:p>
+          <a:p>
+            <a:r>
+              <a:rPr lang="en-US" dirty="0"/>
               <a:t>Order processing and confirmation</a:t>
             </a:r>
           </a:p>
           <a:p>
             <a:r>
-              <a:rPr lang="en-US" dirty="0" smtClean="0"/>
-              <a:t>Customer loyalty </a:t>
-            </a:r>
-            <a:r>
-              <a:rPr lang="en-US" dirty="0" err="1" smtClean="0"/>
-              <a:t>programm</a:t>
-            </a:r>
-            <a:endParaRPr lang="en-US" dirty="0" smtClean="0"/>
-          </a:p>
-          <a:p>
-            <a:r>
-              <a:rPr lang="en-US" dirty="0" smtClean="0"/>
-              <a:t>Inventory </a:t>
-            </a:r>
-            <a:r>
-              <a:rPr lang="en-US" dirty="0" smtClean="0"/>
-              <a:t>management</a:t>
-            </a:r>
-            <a:endParaRPr lang="en-US" dirty="0" smtClean="0"/>
+              <a:rPr lang="en-US" dirty="0"/>
+              <a:t>Customer loyalty program</a:t>
+            </a:r>
+          </a:p>
+          <a:p>
+            <a:r>
+              <a:rPr lang="en-US" dirty="0"/>
+              <a:t>Inventory management</a:t>
+            </a:r>
           </a:p>
         </p:txBody>
       </p:sp>
@@ -7744,7 +7583,7 @@
           <a:lstStyle/>
           <a:p>
             <a:r>
-              <a:rPr lang="en-US" sz="3200" b="1" dirty="0" smtClean="0">
+              <a:rPr lang="en-US" sz="3200" b="1" dirty="0">
                 <a:latin typeface="Serifa Std 65" charset="0"/>
                 <a:ea typeface="Serifa Std 65" charset="0"/>
                 <a:cs typeface="Serifa Std 65" charset="0"/>
@@ -7752,7 +7591,7 @@
               <a:t>Objectives</a:t>
             </a:r>
             <a:r>
-              <a:rPr lang="en-US" sz="3200" b="1" smtClean="0">
+              <a:rPr lang="en-US" sz="3200" b="1">
                 <a:latin typeface="Serifa Std 65" charset="0"/>
                 <a:ea typeface="Serifa Std 65" charset="0"/>
                 <a:cs typeface="Serifa Std 65" charset="0"/>
@@ -7784,34 +7623,13 @@
           <a:lstStyle/>
           <a:p>
             <a:r>
-              <a:rPr lang="en-GB" dirty="0" smtClean="0">
+              <a:rPr lang="en-GB" dirty="0">
                 <a:latin typeface="Source Sans Pro" charset="0"/>
                 <a:ea typeface="Source Sans Pro" charset="0"/>
                 <a:cs typeface="Source Sans Pro" charset="0"/>
               </a:rPr>
-              <a:t>Loris, Oliver, </a:t>
-            </a:r>
-            <a:r>
-              <a:rPr lang="en-GB" dirty="0" err="1" smtClean="0">
-                <a:latin typeface="Source Sans Pro" charset="0"/>
-                <a:ea typeface="Source Sans Pro" charset="0"/>
-                <a:cs typeface="Source Sans Pro" charset="0"/>
-              </a:rPr>
-              <a:t>Shambu</a:t>
-            </a:r>
-            <a:r>
-              <a:rPr lang="en-GB" dirty="0" smtClean="0">
-                <a:latin typeface="Source Sans Pro" charset="0"/>
-                <a:ea typeface="Source Sans Pro" charset="0"/>
-                <a:cs typeface="Source Sans Pro" charset="0"/>
-              </a:rPr>
-              <a:t>, Yannick</a:t>
-            </a:r>
-            <a:endParaRPr lang="en-GB" dirty="0">
-              <a:latin typeface="Source Sans Pro" charset="0"/>
-              <a:ea typeface="Source Sans Pro" charset="0"/>
-              <a:cs typeface="Source Sans Pro" charset="0"/>
-            </a:endParaRPr>
+              <a:t>Loris, Oliver, Shambhu, Yannick</a:t>
+            </a:r>
           </a:p>
         </p:txBody>
       </p:sp>
@@ -7825,17 +7643,171 @@
   <p:clrMapOvr>
     <a:masterClrMapping/>
   </p:clrMapOvr>
-  <p:timing>
-    <p:tnLst>
-      <p:par>
-        <p:cTn id="1" dur="indefinite" restart="never" nodeType="tmRoot"/>
-      </p:par>
-    </p:tnLst>
-  </p:timing>
 </p:sld>
 </file>
 
 <file path=ppt/slides/slide5.xml><?xml version="1.0" encoding="utf-8"?>
+<p:sld xmlns:a="http://schemas.openxmlformats.org/drawingml/2006/main" xmlns:r="http://schemas.openxmlformats.org/officeDocument/2006/relationships" xmlns:p="http://schemas.openxmlformats.org/presentationml/2006/main">
+  <p:cSld>
+    <p:spTree>
+      <p:nvGrpSpPr>
+        <p:cNvPr id="1" name=""/>
+        <p:cNvGrpSpPr/>
+        <p:nvPr/>
+      </p:nvGrpSpPr>
+      <p:grpSpPr>
+        <a:xfrm>
+          <a:off x="0" y="0"/>
+          <a:ext cx="0" cy="0"/>
+          <a:chOff x="0" y="0"/>
+          <a:chExt cx="0" cy="0"/>
+        </a:xfrm>
+      </p:grpSpPr>
+      <p:sp>
+        <p:nvSpPr>
+          <p:cNvPr id="2" name="Titel 1">
+            <a:extLst>
+              <a:ext uri="{FF2B5EF4-FFF2-40B4-BE49-F238E27FC236}">
+                <a16:creationId xmlns:a16="http://schemas.microsoft.com/office/drawing/2014/main" id="{DC766F39-80AF-4799-80E6-FA64D78D849A}"/>
+              </a:ext>
+            </a:extLst>
+          </p:cNvPr>
+          <p:cNvSpPr>
+            <a:spLocks noGrp="1"/>
+          </p:cNvSpPr>
+          <p:nvPr>
+            <p:ph type="title"/>
+          </p:nvPr>
+        </p:nvSpPr>
+        <p:spPr/>
+        <p:txBody>
+          <a:bodyPr/>
+          <a:lstStyle/>
+          <a:p>
+            <a:r>
+              <a:rPr lang="de-CH" dirty="0" err="1"/>
+              <a:t>Overview</a:t>
+            </a:r>
+            <a:endParaRPr lang="en-GB" dirty="0"/>
+          </a:p>
+        </p:txBody>
+      </p:sp>
+      <p:pic>
+        <p:nvPicPr>
+          <p:cNvPr id="8" name="Inhaltsplatzhalter 7" descr="Ein Bild, das Text, Karte enthält.&#10;&#10;Automatisch generierte Beschreibung">
+            <a:extLst>
+              <a:ext uri="{FF2B5EF4-FFF2-40B4-BE49-F238E27FC236}">
+                <a16:creationId xmlns:a16="http://schemas.microsoft.com/office/drawing/2014/main" id="{3384F093-5E5F-4E83-AB77-F2B46E5078B8}"/>
+              </a:ext>
+            </a:extLst>
+          </p:cNvPr>
+          <p:cNvPicPr>
+            <a:picLocks noGrp="1" noChangeAspect="1"/>
+          </p:cNvPicPr>
+          <p:nvPr>
+            <p:ph idx="1"/>
+          </p:nvPr>
+        </p:nvPicPr>
+        <p:blipFill>
+          <a:blip r:embed="rId2">
+            <a:extLst>
+              <a:ext uri="{28A0092B-C50C-407E-A947-70E740481C1C}">
+                <a14:useLocalDpi xmlns:a14="http://schemas.microsoft.com/office/drawing/2010/main" val="0"/>
+              </a:ext>
+            </a:extLst>
+          </a:blip>
+          <a:stretch>
+            <a:fillRect/>
+          </a:stretch>
+        </p:blipFill>
+        <p:spPr>
+          <a:xfrm>
+            <a:off x="2185926" y="379946"/>
+            <a:ext cx="8259336" cy="6194502"/>
+          </a:xfrm>
+        </p:spPr>
+      </p:pic>
+      <p:sp>
+        <p:nvSpPr>
+          <p:cNvPr id="5" name="Foliennummernplatzhalter 4">
+            <a:extLst>
+              <a:ext uri="{FF2B5EF4-FFF2-40B4-BE49-F238E27FC236}">
+                <a16:creationId xmlns:a16="http://schemas.microsoft.com/office/drawing/2014/main" id="{885E1B61-205E-4F5B-B21A-06D4EA1300FD}"/>
+              </a:ext>
+            </a:extLst>
+          </p:cNvPr>
+          <p:cNvSpPr>
+            <a:spLocks noGrp="1"/>
+          </p:cNvSpPr>
+          <p:nvPr>
+            <p:ph type="sldNum" sz="quarter" idx="12"/>
+          </p:nvPr>
+        </p:nvSpPr>
+        <p:spPr/>
+        <p:txBody>
+          <a:bodyPr/>
+          <a:lstStyle/>
+          <a:p>
+            <a:fld id="{9F10C86B-4752-43DD-85C6-6BDBDC82DA15}" type="slidenum">
+              <a:rPr lang="de-CH" smtClean="0"/>
+              <a:pPr/>
+              <a:t>5</a:t>
+            </a:fld>
+            <a:endParaRPr lang="de-CH"/>
+          </a:p>
+        </p:txBody>
+      </p:sp>
+      <p:sp>
+        <p:nvSpPr>
+          <p:cNvPr id="6" name="Fußzeilenplatzhalter 3">
+            <a:extLst>
+              <a:ext uri="{FF2B5EF4-FFF2-40B4-BE49-F238E27FC236}">
+                <a16:creationId xmlns:a16="http://schemas.microsoft.com/office/drawing/2014/main" id="{02BAE234-66D4-4981-BDF6-47EDAC43B897}"/>
+              </a:ext>
+            </a:extLst>
+          </p:cNvPr>
+          <p:cNvSpPr>
+            <a:spLocks noGrp="1"/>
+          </p:cNvSpPr>
+          <p:nvPr>
+            <p:ph type="ftr" sz="quarter" idx="11"/>
+          </p:nvPr>
+        </p:nvSpPr>
+        <p:spPr>
+          <a:xfrm>
+            <a:off x="2350599" y="6201932"/>
+            <a:ext cx="7084177" cy="365125"/>
+          </a:xfrm>
+        </p:spPr>
+        <p:txBody>
+          <a:bodyPr/>
+          <a:lstStyle/>
+          <a:p>
+            <a:r>
+              <a:rPr lang="en-GB" dirty="0">
+                <a:latin typeface="Source Sans Pro" charset="0"/>
+                <a:ea typeface="Source Sans Pro" charset="0"/>
+                <a:cs typeface="Source Sans Pro" charset="0"/>
+              </a:rPr>
+              <a:t>Loris, Oliver, Shambhu, Yannick</a:t>
+            </a:r>
+          </a:p>
+        </p:txBody>
+      </p:sp>
+    </p:spTree>
+    <p:extLst>
+      <p:ext uri="{BB962C8B-B14F-4D97-AF65-F5344CB8AC3E}">
+        <p14:creationId xmlns:p14="http://schemas.microsoft.com/office/powerpoint/2010/main" val="1629497779"/>
+      </p:ext>
+    </p:extLst>
+  </p:cSld>
+  <p:clrMapOvr>
+    <a:masterClrMapping/>
+  </p:clrMapOvr>
+</p:sld>
+</file>
+
+<file path=ppt/slides/slide6.xml><?xml version="1.0" encoding="utf-8"?>
 <p:sld xmlns:a="http://schemas.openxmlformats.org/drawingml/2006/main" xmlns:r="http://schemas.openxmlformats.org/officeDocument/2006/relationships" xmlns:p="http://schemas.openxmlformats.org/presentationml/2006/main">
   <p:cSld>
     <p:spTree>
@@ -7988,67 +7960,35 @@
                 <a:ea typeface="Source Sans Pro" charset="0"/>
                 <a:cs typeface="Source Sans Pro" charset="0"/>
               </a:rPr>
-              <a:t>e</a:t>
-            </a:r>
-            <a:r>
-              <a:rPr lang="en-US" sz="2000" dirty="0" smtClean="0">
+              <a:t>e-Retail</a:t>
+            </a:r>
+          </a:p>
+          <a:p>
+            <a:pPr algn="l"/>
+            <a:r>
+              <a:rPr lang="en-US" sz="2000" dirty="0">
                 <a:latin typeface="Source Sans Pro" charset="0"/>
                 <a:ea typeface="Source Sans Pro" charset="0"/>
                 <a:cs typeface="Source Sans Pro" charset="0"/>
               </a:rPr>
-              <a:t>-Retail</a:t>
-            </a:r>
-          </a:p>
-          <a:p>
-            <a:pPr algn="l"/>
-            <a:r>
-              <a:rPr lang="en-US" sz="2000" dirty="0" smtClean="0">
-                <a:latin typeface="Source Sans Pro" charset="0"/>
-                <a:ea typeface="Source Sans Pro" charset="0"/>
-                <a:cs typeface="Source Sans Pro" charset="0"/>
-              </a:rPr>
-              <a:t>CC </a:t>
-            </a:r>
-            <a:r>
-              <a:rPr lang="en-US" sz="2000" dirty="0" smtClean="0">
-                <a:latin typeface="Source Sans Pro" charset="0"/>
-                <a:ea typeface="Source Sans Pro" charset="0"/>
-                <a:cs typeface="Source Sans Pro" charset="0"/>
-              </a:rPr>
-              <a:t>Clothing Company</a:t>
-            </a:r>
-            <a:r>
-              <a:rPr lang="en-US" sz="2400" b="1" dirty="0" smtClean="0">
-                <a:latin typeface="Serifa Std 65" charset="0"/>
-                <a:ea typeface="Serifa Std 65" charset="0"/>
-                <a:cs typeface="Serifa Std 65" charset="0"/>
-              </a:rPr>
-              <a:t/>
+              <a:t>CC Clothing Company</a:t>
             </a:r>
             <a:br>
-              <a:rPr lang="en-US" sz="2400" b="1" dirty="0" smtClean="0">
+              <a:rPr lang="en-US" sz="2400" b="1" dirty="0">
                 <a:latin typeface="Serifa Std 65" charset="0"/>
                 <a:ea typeface="Serifa Std 65" charset="0"/>
                 <a:cs typeface="Serifa Std 65" charset="0"/>
               </a:rPr>
             </a:br>
-            <a:r>
-              <a:rPr lang="en-US" sz="2400" b="1" dirty="0" smtClean="0">
-                <a:latin typeface="Serifa Std 65" charset="0"/>
-                <a:ea typeface="Serifa Std 65" charset="0"/>
-                <a:cs typeface="Serifa Std 65" charset="0"/>
-              </a:rPr>
-              <a:t/>
-            </a:r>
             <a:br>
-              <a:rPr lang="en-US" sz="2400" b="1" dirty="0" smtClean="0">
+              <a:rPr lang="en-US" sz="2400" b="1" dirty="0">
                 <a:latin typeface="Serifa Std 65" charset="0"/>
                 <a:ea typeface="Serifa Std 65" charset="0"/>
                 <a:cs typeface="Serifa Std 65" charset="0"/>
               </a:rPr>
             </a:br>
             <a:r>
-              <a:rPr lang="en-US" sz="3600" b="1" dirty="0" smtClean="0">
+              <a:rPr lang="en-US" sz="3600" b="1" dirty="0">
                 <a:latin typeface="Serifa Std 65" charset="0"/>
                 <a:ea typeface="Serifa Std 65" charset="0"/>
                 <a:cs typeface="Serifa Std 65" charset="0"/>
@@ -8072,74 +8012,34 @@
               </a:rPr>
               <a:t>https://digibp-webapp.herokuapp.com/</a:t>
             </a:r>
-            <a:r>
-              <a:rPr lang="en-US" sz="3600" b="1" dirty="0" smtClean="0">
-                <a:latin typeface="Serifa Std 65" charset="0"/>
-                <a:ea typeface="Serifa Std 65" charset="0"/>
-                <a:cs typeface="Serifa Std 65" charset="0"/>
-              </a:rPr>
-              <a:t/>
-            </a:r>
             <a:br>
-              <a:rPr lang="en-US" sz="3600" b="1" dirty="0" smtClean="0">
+              <a:rPr lang="en-US" sz="3600" b="1" dirty="0">
                 <a:latin typeface="Serifa Std 65" charset="0"/>
                 <a:ea typeface="Serifa Std 65" charset="0"/>
                 <a:cs typeface="Serifa Std 65" charset="0"/>
               </a:rPr>
             </a:br>
-            <a:r>
-              <a:rPr lang="en-US" sz="3600" b="1" dirty="0" smtClean="0">
-                <a:latin typeface="Serifa Std 65" charset="0"/>
-                <a:ea typeface="Serifa Std 65" charset="0"/>
-                <a:cs typeface="Serifa Std 65" charset="0"/>
-              </a:rPr>
-              <a:t/>
-            </a:r>
             <a:br>
-              <a:rPr lang="en-US" sz="3600" b="1" dirty="0" smtClean="0">
+              <a:rPr lang="en-US" sz="3600" b="1" dirty="0">
                 <a:latin typeface="Serifa Std 65" charset="0"/>
                 <a:ea typeface="Serifa Std 65" charset="0"/>
                 <a:cs typeface="Serifa Std 65" charset="0"/>
               </a:rPr>
             </a:br>
-            <a:r>
-              <a:rPr lang="en-US" sz="3600" b="1" dirty="0" smtClean="0">
-                <a:latin typeface="Serifa Std 65" charset="0"/>
-                <a:ea typeface="Serifa Std 65" charset="0"/>
-                <a:cs typeface="Serifa Std 65" charset="0"/>
-              </a:rPr>
-              <a:t/>
-            </a:r>
             <a:br>
-              <a:rPr lang="en-US" sz="3600" b="1" dirty="0" smtClean="0">
+              <a:rPr lang="en-US" sz="3600" b="1" dirty="0">
                 <a:latin typeface="Serifa Std 65" charset="0"/>
                 <a:ea typeface="Serifa Std 65" charset="0"/>
                 <a:cs typeface="Serifa Std 65" charset="0"/>
               </a:rPr>
             </a:br>
             <a:r>
-              <a:rPr lang="en-US" sz="2000" dirty="0" smtClean="0">
+              <a:rPr lang="en-US" sz="2000" dirty="0">
                 <a:latin typeface="Source Sans Pro" charset="0"/>
                 <a:ea typeface="Source Sans Pro" charset="0"/>
                 <a:cs typeface="Source Sans Pro" charset="0"/>
               </a:rPr>
-              <a:t>Team Morcote: Loris, Oliver, </a:t>
-            </a:r>
-            <a:r>
-              <a:rPr lang="en-US" sz="2000" dirty="0" err="1" smtClean="0">
-                <a:latin typeface="Source Sans Pro" charset="0"/>
-                <a:ea typeface="Source Sans Pro" charset="0"/>
-                <a:cs typeface="Source Sans Pro" charset="0"/>
-              </a:rPr>
-              <a:t>Shambu</a:t>
-            </a:r>
-            <a:r>
-              <a:rPr lang="en-US" sz="2000" dirty="0" smtClean="0">
-                <a:latin typeface="Source Sans Pro" charset="0"/>
-                <a:ea typeface="Source Sans Pro" charset="0"/>
-                <a:cs typeface="Source Sans Pro" charset="0"/>
-              </a:rPr>
-              <a:t>, Yannick</a:t>
+              <a:t>Team Morcote: Loris, Oliver, Shambhu, Yannick</a:t>
             </a:r>
             <a:endParaRPr lang="de-CH" sz="2000" dirty="0">
               <a:latin typeface="Source Sans Pro" charset="0"/>
@@ -8159,13 +8059,6 @@
   <p:clrMapOvr>
     <a:masterClrMapping/>
   </p:clrMapOvr>
-  <p:timing>
-    <p:tnLst>
-      <p:par>
-        <p:cTn id="1" dur="indefinite" restart="never" nodeType="tmRoot"/>
-      </p:par>
-    </p:tnLst>
-  </p:timing>
 </p:sld>
 </file>
 

--- a/DBP_Morcote_CC_ClothingCompany.pptx
+++ b/DBP_Morcote_CC_ClothingCompany.pptx
@@ -5,15 +5,17 @@
     <p:sldMasterId id="2147483901" r:id="rId1"/>
   </p:sldMasterIdLst>
   <p:notesMasterIdLst>
-    <p:notesMasterId r:id="rId8"/>
+    <p:notesMasterId r:id="rId10"/>
   </p:notesMasterIdLst>
   <p:sldIdLst>
     <p:sldId id="271" r:id="rId2"/>
-    <p:sldId id="373" r:id="rId3"/>
-    <p:sldId id="376" r:id="rId4"/>
-    <p:sldId id="375" r:id="rId5"/>
-    <p:sldId id="380" r:id="rId6"/>
-    <p:sldId id="379" r:id="rId7"/>
+    <p:sldId id="380" r:id="rId3"/>
+    <p:sldId id="373" r:id="rId4"/>
+    <p:sldId id="376" r:id="rId5"/>
+    <p:sldId id="375" r:id="rId6"/>
+    <p:sldId id="382" r:id="rId7"/>
+    <p:sldId id="383" r:id="rId8"/>
+    <p:sldId id="379" r:id="rId9"/>
   </p:sldIdLst>
   <p:sldSz cx="12192000" cy="6858000"/>
   <p:notesSz cx="6858000" cy="9144000"/>
@@ -213,7 +215,7 @@
           <a:p>
             <a:fld id="{0ED30795-45AB-4973-BF11-0C496A2F83F7}" type="datetimeFigureOut">
               <a:rPr lang="en-US" smtClean="0"/>
-              <a:t>6/4/2019</a:t>
+              <a:t>6/5/2019</a:t>
             </a:fld>
             <a:endParaRPr lang="en-US"/>
           </a:p>
@@ -539,12 +541,12 @@
       </p:sp>
       <p:sp>
         <p:nvSpPr>
-          <p:cNvPr id="4" name="Slide Number Placeholder 3"/>
-          <p:cNvSpPr>
-            <a:spLocks noGrp="1"/>
-          </p:cNvSpPr>
-          <p:nvPr>
-            <p:ph type="sldNum" sz="quarter" idx="10"/>
+          <p:cNvPr id="5" name="Footer Placeholder 4"/>
+          <p:cNvSpPr>
+            <a:spLocks noGrp="1"/>
+          </p:cNvSpPr>
+          <p:nvPr>
+            <p:ph type="ftr" sz="quarter" idx="11"/>
           </p:nvPr>
         </p:nvSpPr>
         <p:spPr/>
@@ -552,65 +554,55 @@
           <a:bodyPr/>
           <a:lstStyle/>
           <a:p>
-            <a:pPr marL="0" marR="0" lvl="0" indent="0" defTabSz="914400" eaLnBrk="1" fontAlgn="auto" latinLnBrk="0" hangingPunct="1">
-              <a:lnSpc>
-                <a:spcPct val="100000"/>
-              </a:lnSpc>
-              <a:spcBef>
-                <a:spcPts val="0"/>
-              </a:spcBef>
-              <a:spcAft>
-                <a:spcPts val="0"/>
-              </a:spcAft>
-              <a:buClrTx/>
-              <a:buSzTx/>
-              <a:buFontTx/>
-              <a:buNone/>
-              <a:tabLst/>
-              <a:defRPr/>
-            </a:pPr>
-            <a:fld id="{E30EB948-097A-49AA-B2A9-A0CE129617F1}" type="slidenum">
-              <a:rPr kumimoji="0" lang="en-GB" sz="1800" b="0" i="0" u="none" strike="noStrike" kern="0" cap="none" spc="0" normalizeH="0" baseline="0" noProof="0" smtClean="0">
-                <a:ln>
-                  <a:noFill/>
-                </a:ln>
-                <a:solidFill>
-                  <a:sysClr val="windowText" lastClr="000000"/>
-                </a:solidFill>
-                <a:effectLst/>
-                <a:uLnTx/>
-                <a:uFillTx/>
-              </a:rPr>
-              <a:pPr marL="0" marR="0" lvl="0" indent="0" defTabSz="914400" eaLnBrk="1" fontAlgn="auto" latinLnBrk="0" hangingPunct="1">
-                <a:lnSpc>
-                  <a:spcPct val="100000"/>
-                </a:lnSpc>
-                <a:spcBef>
-                  <a:spcPts val="0"/>
-                </a:spcBef>
-                <a:spcAft>
-                  <a:spcPts val="0"/>
-                </a:spcAft>
-                <a:buClrTx/>
-                <a:buSzTx/>
-                <a:buFontTx/>
-                <a:buNone/>
-                <a:tabLst/>
-                <a:defRPr/>
-              </a:pPr>
+            <a:r>
+              <a:rPr lang="en-US"/>
+              <a:t>Lorris, Oliver, Shambhu and Yannick</a:t>
+            </a:r>
+          </a:p>
+        </p:txBody>
+      </p:sp>
+      <p:sp>
+        <p:nvSpPr>
+          <p:cNvPr id="6" name="Slide Number Placeholder 5"/>
+          <p:cNvSpPr>
+            <a:spLocks noGrp="1"/>
+          </p:cNvSpPr>
+          <p:nvPr>
+            <p:ph type="sldNum" sz="quarter" idx="12"/>
+          </p:nvPr>
+        </p:nvSpPr>
+        <p:spPr/>
+        <p:txBody>
+          <a:bodyPr/>
+          <a:lstStyle/>
+          <a:p>
+            <a:fld id="{74F824EC-AA3D-4268-8DE9-C29F1E766123}" type="slidenum">
+              <a:rPr lang="en-US" smtClean="0"/>
               <a:t>1</a:t>
             </a:fld>
-            <a:endParaRPr kumimoji="0" lang="en-GB" sz="1800" b="0" i="0" u="none" strike="noStrike" kern="0" cap="none" spc="0" normalizeH="0" baseline="0" noProof="0" dirty="0">
-              <a:ln>
-                <a:noFill/>
-              </a:ln>
-              <a:solidFill>
-                <a:sysClr val="windowText" lastClr="000000"/>
-              </a:solidFill>
-              <a:effectLst/>
-              <a:uLnTx/>
-              <a:uFillTx/>
-            </a:endParaRPr>
+            <a:endParaRPr lang="en-US"/>
+          </a:p>
+        </p:txBody>
+      </p:sp>
+      <p:sp>
+        <p:nvSpPr>
+          <p:cNvPr id="7" name="Header Placeholder 6"/>
+          <p:cNvSpPr>
+            <a:spLocks noGrp="1"/>
+          </p:cNvSpPr>
+          <p:nvPr>
+            <p:ph type="hdr" sz="quarter" idx="13"/>
+          </p:nvPr>
+        </p:nvSpPr>
+        <p:spPr/>
+        <p:txBody>
+          <a:bodyPr/>
+          <a:lstStyle/>
+          <a:p>
+            <a:r>
+              <a:rPr lang="en-US"/>
+              <a:t>CC - Clothing Company</a:t>
+            </a:r>
           </a:p>
         </p:txBody>
       </p:sp>
@@ -671,6 +663,134 @@
           <a:bodyPr/>
           <a:lstStyle/>
           <a:p>
+            <a:endParaRPr lang="en-US"/>
+          </a:p>
+        </p:txBody>
+      </p:sp>
+      <p:sp>
+        <p:nvSpPr>
+          <p:cNvPr id="5" name="Footer Placeholder 4"/>
+          <p:cNvSpPr>
+            <a:spLocks noGrp="1"/>
+          </p:cNvSpPr>
+          <p:nvPr>
+            <p:ph type="ftr" sz="quarter" idx="11"/>
+          </p:nvPr>
+        </p:nvSpPr>
+        <p:spPr/>
+        <p:txBody>
+          <a:bodyPr/>
+          <a:lstStyle/>
+          <a:p>
+            <a:r>
+              <a:rPr lang="en-US"/>
+              <a:t>Lorris, Oliver, Shambhu and Yannick</a:t>
+            </a:r>
+          </a:p>
+        </p:txBody>
+      </p:sp>
+      <p:sp>
+        <p:nvSpPr>
+          <p:cNvPr id="6" name="Slide Number Placeholder 5"/>
+          <p:cNvSpPr>
+            <a:spLocks noGrp="1"/>
+          </p:cNvSpPr>
+          <p:nvPr>
+            <p:ph type="sldNum" sz="quarter" idx="12"/>
+          </p:nvPr>
+        </p:nvSpPr>
+        <p:spPr/>
+        <p:txBody>
+          <a:bodyPr/>
+          <a:lstStyle/>
+          <a:p>
+            <a:fld id="{74F824EC-AA3D-4268-8DE9-C29F1E766123}" type="slidenum">
+              <a:rPr lang="en-US" smtClean="0"/>
+              <a:t>2</a:t>
+            </a:fld>
+            <a:endParaRPr lang="en-US"/>
+          </a:p>
+        </p:txBody>
+      </p:sp>
+      <p:sp>
+        <p:nvSpPr>
+          <p:cNvPr id="7" name="Header Placeholder 6"/>
+          <p:cNvSpPr>
+            <a:spLocks noGrp="1"/>
+          </p:cNvSpPr>
+          <p:nvPr>
+            <p:ph type="hdr" sz="quarter" idx="13"/>
+          </p:nvPr>
+        </p:nvSpPr>
+        <p:spPr/>
+        <p:txBody>
+          <a:bodyPr/>
+          <a:lstStyle/>
+          <a:p>
+            <a:r>
+              <a:rPr lang="en-US"/>
+              <a:t>CC - Clothing Company</a:t>
+            </a:r>
+          </a:p>
+        </p:txBody>
+      </p:sp>
+    </p:spTree>
+    <p:extLst>
+      <p:ext uri="{BB962C8B-B14F-4D97-AF65-F5344CB8AC3E}">
+        <p14:creationId xmlns:p14="http://schemas.microsoft.com/office/powerpoint/2010/main" val="2951730126"/>
+      </p:ext>
+    </p:extLst>
+  </p:cSld>
+  <p:clrMapOvr>
+    <a:masterClrMapping/>
+  </p:clrMapOvr>
+</p:notes>
+</file>
+
+<file path=ppt/notesSlides/notesSlide3.xml><?xml version="1.0" encoding="utf-8"?>
+<p:notes xmlns:a="http://schemas.openxmlformats.org/drawingml/2006/main" xmlns:r="http://schemas.openxmlformats.org/officeDocument/2006/relationships" xmlns:p="http://schemas.openxmlformats.org/presentationml/2006/main">
+  <p:cSld>
+    <p:spTree>
+      <p:nvGrpSpPr>
+        <p:cNvPr id="1" name=""/>
+        <p:cNvGrpSpPr/>
+        <p:nvPr/>
+      </p:nvGrpSpPr>
+      <p:grpSpPr>
+        <a:xfrm>
+          <a:off x="0" y="0"/>
+          <a:ext cx="0" cy="0"/>
+          <a:chOff x="0" y="0"/>
+          <a:chExt cx="0" cy="0"/>
+        </a:xfrm>
+      </p:grpSpPr>
+      <p:sp>
+        <p:nvSpPr>
+          <p:cNvPr id="2" name="Slide Image Placeholder 1"/>
+          <p:cNvSpPr>
+            <a:spLocks noGrp="1" noRot="1" noChangeAspect="1"/>
+          </p:cNvSpPr>
+          <p:nvPr>
+            <p:ph type="sldImg"/>
+          </p:nvPr>
+        </p:nvSpPr>
+        <p:spPr/>
+      </p:sp>
+      <p:sp>
+        <p:nvSpPr>
+          <p:cNvPr id="3" name="Notes Placeholder 2"/>
+          <p:cNvSpPr>
+            <a:spLocks noGrp="1"/>
+          </p:cNvSpPr>
+          <p:nvPr>
+            <p:ph type="body" idx="1"/>
+          </p:nvPr>
+        </p:nvSpPr>
+        <p:spPr/>
+        <p:txBody>
+          <a:bodyPr/>
+          <a:lstStyle/>
+          <a:p>
             <a:r>
               <a:rPr lang="en-GB" dirty="0"/>
               <a:t>-</a:t>
@@ -685,12 +805,12 @@
       </p:sp>
       <p:sp>
         <p:nvSpPr>
-          <p:cNvPr id="4" name="Slide Number Placeholder 3"/>
-          <p:cNvSpPr>
-            <a:spLocks noGrp="1"/>
-          </p:cNvSpPr>
-          <p:nvPr>
-            <p:ph type="sldNum" sz="quarter" idx="10"/>
+          <p:cNvPr id="5" name="Footer Placeholder 4"/>
+          <p:cNvSpPr>
+            <a:spLocks noGrp="1"/>
+          </p:cNvSpPr>
+          <p:nvPr>
+            <p:ph type="ftr" sz="quarter" idx="11"/>
           </p:nvPr>
         </p:nvSpPr>
         <p:spPr/>
@@ -698,65 +818,55 @@
           <a:bodyPr/>
           <a:lstStyle/>
           <a:p>
-            <a:pPr marL="0" marR="0" lvl="0" indent="0" defTabSz="914400" eaLnBrk="1" fontAlgn="auto" latinLnBrk="0" hangingPunct="1">
-              <a:lnSpc>
-                <a:spcPct val="100000"/>
-              </a:lnSpc>
-              <a:spcBef>
-                <a:spcPts val="0"/>
-              </a:spcBef>
-              <a:spcAft>
-                <a:spcPts val="0"/>
-              </a:spcAft>
-              <a:buClrTx/>
-              <a:buSzTx/>
-              <a:buFontTx/>
-              <a:buNone/>
-              <a:tabLst/>
-              <a:defRPr/>
-            </a:pPr>
-            <a:fld id="{E30EB948-097A-49AA-B2A9-A0CE129617F1}" type="slidenum">
-              <a:rPr kumimoji="0" lang="en-GB" sz="1800" b="0" i="0" u="none" strike="noStrike" kern="0" cap="none" spc="0" normalizeH="0" baseline="0" noProof="0" smtClean="0">
-                <a:ln>
-                  <a:noFill/>
-                </a:ln>
-                <a:solidFill>
-                  <a:sysClr val="windowText" lastClr="000000"/>
-                </a:solidFill>
-                <a:effectLst/>
-                <a:uLnTx/>
-                <a:uFillTx/>
-              </a:rPr>
-              <a:pPr marL="0" marR="0" lvl="0" indent="0" defTabSz="914400" eaLnBrk="1" fontAlgn="auto" latinLnBrk="0" hangingPunct="1">
-                <a:lnSpc>
-                  <a:spcPct val="100000"/>
-                </a:lnSpc>
-                <a:spcBef>
-                  <a:spcPts val="0"/>
-                </a:spcBef>
-                <a:spcAft>
-                  <a:spcPts val="0"/>
-                </a:spcAft>
-                <a:buClrTx/>
-                <a:buSzTx/>
-                <a:buFontTx/>
-                <a:buNone/>
-                <a:tabLst/>
-                <a:defRPr/>
-              </a:pPr>
-              <a:t>6</a:t>
+            <a:r>
+              <a:rPr lang="en-US"/>
+              <a:t>Lorris, Oliver, Shambhu and Yannick</a:t>
+            </a:r>
+          </a:p>
+        </p:txBody>
+      </p:sp>
+      <p:sp>
+        <p:nvSpPr>
+          <p:cNvPr id="6" name="Slide Number Placeholder 5"/>
+          <p:cNvSpPr>
+            <a:spLocks noGrp="1"/>
+          </p:cNvSpPr>
+          <p:nvPr>
+            <p:ph type="sldNum" sz="quarter" idx="12"/>
+          </p:nvPr>
+        </p:nvSpPr>
+        <p:spPr/>
+        <p:txBody>
+          <a:bodyPr/>
+          <a:lstStyle/>
+          <a:p>
+            <a:fld id="{74F824EC-AA3D-4268-8DE9-C29F1E766123}" type="slidenum">
+              <a:rPr lang="en-US" smtClean="0"/>
+              <a:t>8</a:t>
             </a:fld>
-            <a:endParaRPr kumimoji="0" lang="en-GB" sz="1800" b="0" i="0" u="none" strike="noStrike" kern="0" cap="none" spc="0" normalizeH="0" baseline="0" noProof="0" dirty="0">
-              <a:ln>
-                <a:noFill/>
-              </a:ln>
-              <a:solidFill>
-                <a:sysClr val="windowText" lastClr="000000"/>
-              </a:solidFill>
-              <a:effectLst/>
-              <a:uLnTx/>
-              <a:uFillTx/>
-            </a:endParaRPr>
+            <a:endParaRPr lang="en-US"/>
+          </a:p>
+        </p:txBody>
+      </p:sp>
+      <p:sp>
+        <p:nvSpPr>
+          <p:cNvPr id="7" name="Header Placeholder 6"/>
+          <p:cNvSpPr>
+            <a:spLocks noGrp="1"/>
+          </p:cNvSpPr>
+          <p:nvPr>
+            <p:ph type="hdr" sz="quarter" idx="13"/>
+          </p:nvPr>
+        </p:nvSpPr>
+        <p:spPr/>
+        <p:txBody>
+          <a:bodyPr/>
+          <a:lstStyle/>
+          <a:p>
+            <a:r>
+              <a:rPr lang="en-US"/>
+              <a:t>CC - Clothing Company</a:t>
+            </a:r>
           </a:p>
         </p:txBody>
       </p:sp>
@@ -1275,7 +1385,7 @@
           <a:p>
             <a:fld id="{8FE21258-553D-484E-8517-3BA5017D743B}" type="datetime1">
               <a:rPr lang="de-CH" smtClean="0"/>
-              <a:t>04.06.2019</a:t>
+              <a:t>05.06.2019</a:t>
             </a:fld>
             <a:endParaRPr lang="de-CH" dirty="0"/>
           </a:p>
@@ -1577,7 +1687,7 @@
           <a:p>
             <a:fld id="{8FE21258-553D-484E-8517-3BA5017D743B}" type="datetime1">
               <a:rPr lang="de-CH" smtClean="0"/>
-              <a:t>04.06.2019</a:t>
+              <a:t>05.06.2019</a:t>
             </a:fld>
             <a:endParaRPr lang="de-CH" dirty="0"/>
           </a:p>
@@ -1831,7 +1941,7 @@
           <a:p>
             <a:fld id="{8FE21258-553D-484E-8517-3BA5017D743B}" type="datetime1">
               <a:rPr lang="de-CH" smtClean="0"/>
-              <a:t>04.06.2019</a:t>
+              <a:t>05.06.2019</a:t>
             </a:fld>
             <a:endParaRPr lang="de-CH" dirty="0"/>
           </a:p>
@@ -2377,7 +2487,7 @@
           <a:p>
             <a:fld id="{8FE21258-553D-484E-8517-3BA5017D743B}" type="datetime1">
               <a:rPr lang="de-CH" smtClean="0"/>
-              <a:t>04.06.2019</a:t>
+              <a:t>05.06.2019</a:t>
             </a:fld>
             <a:endParaRPr lang="de-CH" dirty="0"/>
           </a:p>
@@ -2631,7 +2741,7 @@
           <a:p>
             <a:fld id="{8FE21258-553D-484E-8517-3BA5017D743B}" type="datetime1">
               <a:rPr lang="de-CH" smtClean="0"/>
-              <a:t>04.06.2019</a:t>
+              <a:t>05.06.2019</a:t>
             </a:fld>
             <a:endParaRPr lang="de-CH" dirty="0"/>
           </a:p>
@@ -3169,7 +3279,7 @@
           <a:p>
             <a:fld id="{8FE21258-553D-484E-8517-3BA5017D743B}" type="datetime1">
               <a:rPr lang="de-CH" smtClean="0"/>
-              <a:t>04.06.2019</a:t>
+              <a:t>05.06.2019</a:t>
             </a:fld>
             <a:endParaRPr lang="de-CH" dirty="0"/>
           </a:p>
@@ -3472,7 +3582,7 @@
           <a:p>
             <a:fld id="{8FE21258-553D-484E-8517-3BA5017D743B}" type="datetime1">
               <a:rPr lang="de-CH" smtClean="0"/>
-              <a:t>04.06.2019</a:t>
+              <a:t>05.06.2019</a:t>
             </a:fld>
             <a:endParaRPr lang="de-CH" dirty="0"/>
           </a:p>
@@ -3652,7 +3762,7 @@
           <a:p>
             <a:fld id="{8FE21258-553D-484E-8517-3BA5017D743B}" type="datetime1">
               <a:rPr lang="de-CH" smtClean="0"/>
-              <a:t>04.06.2019</a:t>
+              <a:t>05.06.2019</a:t>
             </a:fld>
             <a:endParaRPr lang="de-CH" dirty="0"/>
           </a:p>
@@ -3838,7 +3948,7 @@
           <a:p>
             <a:fld id="{8FE21258-553D-484E-8517-3BA5017D743B}" type="datetime1">
               <a:rPr lang="de-CH" smtClean="0"/>
-              <a:t>04.06.2019</a:t>
+              <a:t>05.06.2019</a:t>
             </a:fld>
             <a:endParaRPr lang="de-CH" dirty="0"/>
           </a:p>
@@ -4014,7 +4124,7 @@
           <a:p>
             <a:fld id="{8FE21258-553D-484E-8517-3BA5017D743B}" type="datetime1">
               <a:rPr lang="de-CH" smtClean="0"/>
-              <a:t>04.06.2019</a:t>
+              <a:t>05.06.2019</a:t>
             </a:fld>
             <a:endParaRPr lang="de-CH" dirty="0"/>
           </a:p>
@@ -4271,7 +4381,7 @@
           <a:p>
             <a:fld id="{8FE21258-553D-484E-8517-3BA5017D743B}" type="datetime1">
               <a:rPr lang="de-CH" smtClean="0"/>
-              <a:t>04.06.2019</a:t>
+              <a:t>05.06.2019</a:t>
             </a:fld>
             <a:endParaRPr lang="de-CH" dirty="0"/>
           </a:p>
@@ -4574,7 +4684,7 @@
           <a:p>
             <a:fld id="{8FE21258-553D-484E-8517-3BA5017D743B}" type="datetime1">
               <a:rPr lang="de-CH" smtClean="0"/>
-              <a:t>04.06.2019</a:t>
+              <a:t>05.06.2019</a:t>
             </a:fld>
             <a:endParaRPr lang="de-CH" dirty="0"/>
           </a:p>
@@ -5022,7 +5132,7 @@
           <a:p>
             <a:fld id="{8FE21258-553D-484E-8517-3BA5017D743B}" type="datetime1">
               <a:rPr lang="de-CH" smtClean="0"/>
-              <a:t>04.06.2019</a:t>
+              <a:t>05.06.2019</a:t>
             </a:fld>
             <a:endParaRPr lang="de-CH" dirty="0"/>
           </a:p>
@@ -5146,7 +5256,7 @@
           <a:p>
             <a:fld id="{8FE21258-553D-484E-8517-3BA5017D743B}" type="datetime1">
               <a:rPr lang="de-CH" smtClean="0"/>
-              <a:t>04.06.2019</a:t>
+              <a:t>05.06.2019</a:t>
             </a:fld>
             <a:endParaRPr lang="de-CH" dirty="0"/>
           </a:p>
@@ -5247,7 +5357,7 @@
           <a:p>
             <a:fld id="{8FE21258-553D-484E-8517-3BA5017D743B}" type="datetime1">
               <a:rPr lang="de-CH" smtClean="0"/>
-              <a:t>04.06.2019</a:t>
+              <a:t>05.06.2019</a:t>
             </a:fld>
             <a:endParaRPr lang="de-CH" dirty="0"/>
           </a:p>
@@ -5536,7 +5646,7 @@
           <a:p>
             <a:fld id="{8FE21258-553D-484E-8517-3BA5017D743B}" type="datetime1">
               <a:rPr lang="de-CH" smtClean="0"/>
-              <a:t>04.06.2019</a:t>
+              <a:t>05.06.2019</a:t>
             </a:fld>
             <a:endParaRPr lang="de-CH" dirty="0"/>
           </a:p>
@@ -5833,7 +5943,7 @@
           <a:p>
             <a:fld id="{8FE21258-553D-484E-8517-3BA5017D743B}" type="datetime1">
               <a:rPr lang="de-CH" smtClean="0"/>
-              <a:t>04.06.2019</a:t>
+              <a:t>05.06.2019</a:t>
             </a:fld>
             <a:endParaRPr lang="de-CH" dirty="0"/>
           </a:p>
@@ -6373,7 +6483,7 @@
           <a:p>
             <a:fld id="{8FE21258-553D-484E-8517-3BA5017D743B}" type="datetime1">
               <a:rPr lang="de-CH" smtClean="0"/>
-              <a:t>04.06.2019</a:t>
+              <a:t>05.06.2019</a:t>
             </a:fld>
             <a:endParaRPr lang="de-CH" dirty="0"/>
           </a:p>
@@ -6922,8 +7032,8 @@
         </p:nvSpPr>
         <p:spPr>
           <a:xfrm>
-            <a:off x="4196879" y="1099753"/>
-            <a:ext cx="6809374" cy="4403225"/>
+            <a:off x="3627865" y="1099753"/>
+            <a:ext cx="7378388" cy="4039513"/>
           </a:xfrm>
         </p:spPr>
         <p:txBody>
@@ -6935,9 +7045,9 @@
             <a:pPr algn="l"/>
             <a:r>
               <a:rPr lang="en-US" sz="2500" dirty="0">
-                <a:latin typeface="Source Sans Pro" charset="0"/>
+                <a:latin typeface="Arial" panose="020B0604020202020204" pitchFamily="34" charset="0"/>
                 <a:ea typeface="Source Sans Pro" charset="0"/>
-                <a:cs typeface="Source Sans Pro" charset="0"/>
+                <a:cs typeface="Arial" panose="020B0604020202020204" pitchFamily="34" charset="0"/>
               </a:rPr>
               <a:t>Digitalization of the Business Processes (SS19)</a:t>
             </a:r>
@@ -6956,27 +7066,27 @@
               </a:rPr>
             </a:br>
             <a:r>
-              <a:rPr lang="en-US" sz="4000" b="1" dirty="0">
-                <a:latin typeface="Serifa Std 65" charset="0"/>
+              <a:rPr lang="en-US" sz="3200" b="1" dirty="0">
+                <a:latin typeface="Arial" panose="020B0604020202020204" pitchFamily="34" charset="0"/>
                 <a:ea typeface="Serifa Std 65" charset="0"/>
-                <a:cs typeface="Serifa Std 65" charset="0"/>
+                <a:cs typeface="Arial" panose="020B0604020202020204" pitchFamily="34" charset="0"/>
               </a:rPr>
               <a:t>e-Retail</a:t>
             </a:r>
             <a:br>
-              <a:rPr lang="en-US" sz="4000" b="1" dirty="0">
-                <a:latin typeface="Serifa Std 65" charset="0"/>
+              <a:rPr lang="en-US" sz="3200" b="1" dirty="0">
+                <a:latin typeface="Arial" panose="020B0604020202020204" pitchFamily="34" charset="0"/>
                 <a:ea typeface="Serifa Std 65" charset="0"/>
-                <a:cs typeface="Serifa Std 65" charset="0"/>
+                <a:cs typeface="Arial" panose="020B0604020202020204" pitchFamily="34" charset="0"/>
               </a:rPr>
             </a:br>
             <a:r>
-              <a:rPr lang="en-US" sz="4000" b="1" dirty="0">
-                <a:latin typeface="Serifa Std 65" charset="0"/>
+              <a:rPr lang="en-US" sz="3200" b="1" dirty="0">
+                <a:latin typeface="Arial" panose="020B0604020202020204" pitchFamily="34" charset="0"/>
                 <a:ea typeface="Serifa Std 65" charset="0"/>
-                <a:cs typeface="Serifa Std 65" charset="0"/>
+                <a:cs typeface="Arial" panose="020B0604020202020204" pitchFamily="34" charset="0"/>
               </a:rPr>
-              <a:t>CC Clothing Company</a:t>
+              <a:t>“CC - Clothing Company”</a:t>
             </a:r>
             <a:br>
               <a:rPr lang="en-US" sz="4000" b="1" dirty="0">
@@ -6992,20 +7102,44 @@
                 <a:cs typeface="Serifa Std 65" charset="0"/>
               </a:rPr>
             </a:br>
+            <a:r>
+              <a:rPr lang="en-US" sz="2500" b="1" dirty="0">
+                <a:latin typeface="Source Sans Pro" charset="0"/>
+                <a:ea typeface="Source Sans Pro" charset="0"/>
+                <a:cs typeface="Source Sans Pro" charset="0"/>
+              </a:rPr>
+              <a:t>Team </a:t>
+            </a:r>
+            <a:r>
+              <a:rPr lang="en-US" sz="2500" b="1" dirty="0" err="1">
+                <a:latin typeface="Source Sans Pro" charset="0"/>
+                <a:ea typeface="Source Sans Pro" charset="0"/>
+                <a:cs typeface="Source Sans Pro" charset="0"/>
+              </a:rPr>
+              <a:t>Morcote</a:t>
+            </a:r>
+            <a:r>
+              <a:rPr lang="en-US" sz="2500" b="1" dirty="0">
+                <a:latin typeface="Source Sans Pro" charset="0"/>
+                <a:ea typeface="Source Sans Pro" charset="0"/>
+                <a:cs typeface="Source Sans Pro" charset="0"/>
+              </a:rPr>
+              <a:t>:</a:t>
+            </a:r>
             <a:br>
-              <a:rPr lang="en-US" sz="4000" b="1" dirty="0">
-                <a:latin typeface="Serifa Std 65" charset="0"/>
-                <a:ea typeface="Serifa Std 65" charset="0"/>
-                <a:cs typeface="Serifa Std 65" charset="0"/>
-              </a:rPr>
-            </a:br>
-            <a:r>
               <a:rPr lang="en-US" sz="2500" dirty="0">
                 <a:latin typeface="Source Sans Pro" charset="0"/>
                 <a:ea typeface="Source Sans Pro" charset="0"/>
                 <a:cs typeface="Source Sans Pro" charset="0"/>
               </a:rPr>
-              <a:t>Team Morcote: Loris, Oliver, Shambhu, Yannick</a:t>
+            </a:br>
+            <a:r>
+              <a:rPr lang="en-US" sz="2500" dirty="0">
+                <a:latin typeface="Source Sans Pro" charset="0"/>
+                <a:ea typeface="Source Sans Pro" charset="0"/>
+                <a:cs typeface="Source Sans Pro" charset="0"/>
+              </a:rPr>
+              <a:t> Loris, Oliver, Yannick, Shambhu</a:t>
             </a:r>
             <a:endParaRPr lang="de-CH" sz="2500" dirty="0">
               <a:latin typeface="Source Sans Pro" charset="0"/>
@@ -7077,6 +7211,218 @@
       </p:grpSpPr>
       <p:sp>
         <p:nvSpPr>
+          <p:cNvPr id="2" name="Title 1"/>
+          <p:cNvSpPr>
+            <a:spLocks noGrp="1"/>
+          </p:cNvSpPr>
+          <p:nvPr>
+            <p:ph type="title"/>
+          </p:nvPr>
+        </p:nvSpPr>
+        <p:spPr>
+          <a:xfrm>
+            <a:off x="1941511" y="482600"/>
+            <a:ext cx="10018713" cy="795867"/>
+          </a:xfrm>
+        </p:spPr>
+        <p:txBody>
+          <a:bodyPr/>
+          <a:lstStyle/>
+          <a:p>
+            <a:pPr algn="l"/>
+            <a:r>
+              <a:rPr lang="de-CH" sz="3200" b="1" dirty="0">
+                <a:latin typeface="Arial" panose="020B0604020202020204" pitchFamily="34" charset="0"/>
+                <a:ea typeface="Serifa Std 65" charset="0"/>
+                <a:cs typeface="Arial" panose="020B0604020202020204" pitchFamily="34" charset="0"/>
+              </a:rPr>
+              <a:t>Agenda</a:t>
+            </a:r>
+          </a:p>
+        </p:txBody>
+      </p:sp>
+      <p:sp>
+        <p:nvSpPr>
+          <p:cNvPr id="3" name="Content Placeholder 2"/>
+          <p:cNvSpPr>
+            <a:spLocks noGrp="1"/>
+          </p:cNvSpPr>
+          <p:nvPr>
+            <p:ph idx="1"/>
+          </p:nvPr>
+        </p:nvSpPr>
+        <p:spPr>
+          <a:xfrm>
+            <a:off x="1899177" y="1600201"/>
+            <a:ext cx="10018713" cy="2472266"/>
+          </a:xfrm>
+        </p:spPr>
+        <p:txBody>
+          <a:bodyPr>
+            <a:normAutofit lnSpcReduction="10000"/>
+          </a:bodyPr>
+          <a:lstStyle/>
+          <a:p>
+            <a:pPr>
+              <a:buFont typeface="Wingdings" panose="05000000000000000000" pitchFamily="2" charset="2"/>
+              <a:buChar char="Ø"/>
+            </a:pPr>
+            <a:r>
+              <a:rPr lang="de-CH" sz="2500" dirty="0">
+                <a:latin typeface="Arial" panose="020B0604020202020204" pitchFamily="34" charset="0"/>
+                <a:cs typeface="Arial" panose="020B0604020202020204" pitchFamily="34" charset="0"/>
+              </a:rPr>
+              <a:t>Situation Assessment</a:t>
+            </a:r>
+          </a:p>
+          <a:p>
+            <a:pPr>
+              <a:buFont typeface="Wingdings" panose="05000000000000000000" pitchFamily="2" charset="2"/>
+              <a:buChar char="Ø"/>
+            </a:pPr>
+            <a:r>
+              <a:rPr lang="de-CH" sz="2500" dirty="0" err="1">
+                <a:latin typeface="Arial" panose="020B0604020202020204" pitchFamily="34" charset="0"/>
+                <a:cs typeface="Arial" panose="020B0604020202020204" pitchFamily="34" charset="0"/>
+              </a:rPr>
+              <a:t>Objectives</a:t>
+            </a:r>
+            <a:endParaRPr lang="de-CH" sz="2500" dirty="0">
+              <a:latin typeface="Arial" panose="020B0604020202020204" pitchFamily="34" charset="0"/>
+              <a:cs typeface="Arial" panose="020B0604020202020204" pitchFamily="34" charset="0"/>
+            </a:endParaRPr>
+          </a:p>
+          <a:p>
+            <a:pPr>
+              <a:buFont typeface="Wingdings" panose="05000000000000000000" pitchFamily="2" charset="2"/>
+              <a:buChar char="Ø"/>
+            </a:pPr>
+            <a:r>
+              <a:rPr lang="de-CH" sz="2500" dirty="0" err="1">
+                <a:latin typeface="Arial" panose="020B0604020202020204" pitchFamily="34" charset="0"/>
+                <a:cs typeface="Arial" panose="020B0604020202020204" pitchFamily="34" charset="0"/>
+              </a:rPr>
+              <a:t>Technlogy</a:t>
+            </a:r>
+            <a:r>
+              <a:rPr lang="de-CH" sz="2500" dirty="0">
+                <a:latin typeface="Arial" panose="020B0604020202020204" pitchFamily="34" charset="0"/>
+                <a:cs typeface="Arial" panose="020B0604020202020204" pitchFamily="34" charset="0"/>
+              </a:rPr>
+              <a:t> Stack</a:t>
+            </a:r>
+          </a:p>
+          <a:p>
+            <a:pPr>
+              <a:buFont typeface="Wingdings" panose="05000000000000000000" pitchFamily="2" charset="2"/>
+              <a:buChar char="Ø"/>
+            </a:pPr>
+            <a:r>
+              <a:rPr lang="de-CH" sz="2500" dirty="0" err="1">
+                <a:latin typeface="Arial" panose="020B0604020202020204" pitchFamily="34" charset="0"/>
+                <a:cs typeface="Arial" panose="020B0604020202020204" pitchFamily="34" charset="0"/>
+              </a:rPr>
+              <a:t>Architecture</a:t>
+            </a:r>
+            <a:endParaRPr lang="de-CH" sz="2500" dirty="0">
+              <a:latin typeface="Arial" panose="020B0604020202020204" pitchFamily="34" charset="0"/>
+              <a:cs typeface="Arial" panose="020B0604020202020204" pitchFamily="34" charset="0"/>
+            </a:endParaRPr>
+          </a:p>
+          <a:p>
+            <a:pPr>
+              <a:buFont typeface="Wingdings" panose="05000000000000000000" pitchFamily="2" charset="2"/>
+              <a:buChar char="Ø"/>
+            </a:pPr>
+            <a:r>
+              <a:rPr lang="de-CH" sz="2500" dirty="0">
+                <a:latin typeface="Arial" panose="020B0604020202020204" pitchFamily="34" charset="0"/>
+                <a:cs typeface="Arial" panose="020B0604020202020204" pitchFamily="34" charset="0"/>
+              </a:rPr>
+              <a:t>Demo</a:t>
+            </a:r>
+          </a:p>
+        </p:txBody>
+      </p:sp>
+      <p:sp>
+        <p:nvSpPr>
+          <p:cNvPr id="4" name="Footer Placeholder 3"/>
+          <p:cNvSpPr>
+            <a:spLocks noGrp="1"/>
+          </p:cNvSpPr>
+          <p:nvPr>
+            <p:ph type="ftr" sz="quarter" idx="11"/>
+          </p:nvPr>
+        </p:nvSpPr>
+        <p:spPr/>
+        <p:txBody>
+          <a:bodyPr/>
+          <a:lstStyle/>
+          <a:p>
+            <a:r>
+              <a:rPr lang="en-US"/>
+              <a:t>Lorris, Oliver, Shambhu and Yannick</a:t>
+            </a:r>
+            <a:endParaRPr lang="de-CH" dirty="0"/>
+          </a:p>
+        </p:txBody>
+      </p:sp>
+      <p:sp>
+        <p:nvSpPr>
+          <p:cNvPr id="7" name="Slide Number Placeholder 6"/>
+          <p:cNvSpPr>
+            <a:spLocks noGrp="1"/>
+          </p:cNvSpPr>
+          <p:nvPr>
+            <p:ph type="sldNum" sz="quarter" idx="12"/>
+          </p:nvPr>
+        </p:nvSpPr>
+        <p:spPr/>
+        <p:txBody>
+          <a:bodyPr/>
+          <a:lstStyle/>
+          <a:p>
+            <a:fld id="{9F10C86B-4752-43DD-85C6-6BDBDC82DA15}" type="slidenum">
+              <a:rPr lang="de-CH" smtClean="0"/>
+              <a:pPr/>
+              <a:t>2</a:t>
+            </a:fld>
+            <a:endParaRPr lang="de-CH"/>
+          </a:p>
+        </p:txBody>
+      </p:sp>
+    </p:spTree>
+    <p:extLst>
+      <p:ext uri="{BB962C8B-B14F-4D97-AF65-F5344CB8AC3E}">
+        <p14:creationId xmlns:p14="http://schemas.microsoft.com/office/powerpoint/2010/main" val="1044296974"/>
+      </p:ext>
+    </p:extLst>
+  </p:cSld>
+  <p:clrMapOvr>
+    <a:masterClrMapping/>
+  </p:clrMapOvr>
+</p:sld>
+</file>
+
+<file path=ppt/slides/slide3.xml><?xml version="1.0" encoding="utf-8"?>
+<p:sld xmlns:a="http://schemas.openxmlformats.org/drawingml/2006/main" xmlns:r="http://schemas.openxmlformats.org/officeDocument/2006/relationships" xmlns:p="http://schemas.openxmlformats.org/presentationml/2006/main">
+  <p:cSld>
+    <p:spTree>
+      <p:nvGrpSpPr>
+        <p:cNvPr id="1" name=""/>
+        <p:cNvGrpSpPr/>
+        <p:nvPr/>
+      </p:nvGrpSpPr>
+      <p:grpSpPr>
+        <a:xfrm>
+          <a:off x="0" y="0"/>
+          <a:ext cx="0" cy="0"/>
+          <a:chOff x="0" y="0"/>
+          <a:chExt cx="0" cy="0"/>
+        </a:xfrm>
+      </p:grpSpPr>
+      <p:sp>
+        <p:nvSpPr>
           <p:cNvPr id="4" name="Fußzeilenplatzhalter 3"/>
           <p:cNvSpPr>
             <a:spLocks noGrp="1"/>
@@ -7096,46 +7442,14 @@
           <a:lstStyle/>
           <a:p>
             <a:r>
-              <a:rPr lang="en-GB" dirty="0">
+              <a:rPr lang="en-US">
                 <a:latin typeface="Source Sans Pro" charset="0"/>
                 <a:ea typeface="Source Sans Pro" charset="0"/>
                 <a:cs typeface="Source Sans Pro" charset="0"/>
               </a:rPr>
-              <a:t>Loris, Oliver, Shambhu, Yannick</a:t>
-            </a:r>
-          </a:p>
-        </p:txBody>
-      </p:sp>
-      <p:sp>
-        <p:nvSpPr>
-          <p:cNvPr id="5" name="Foliennummernplatzhalter 4"/>
-          <p:cNvSpPr>
-            <a:spLocks noGrp="1"/>
-          </p:cNvSpPr>
-          <p:nvPr>
-            <p:ph type="sldNum" sz="quarter" idx="12"/>
-          </p:nvPr>
-        </p:nvSpPr>
-        <p:spPr>
-          <a:xfrm>
-            <a:off x="10951856" y="6201931"/>
-            <a:ext cx="551167" cy="365125"/>
-          </a:xfrm>
-        </p:spPr>
-        <p:txBody>
-          <a:bodyPr/>
-          <a:lstStyle/>
-          <a:p>
-            <a:fld id="{9F10C86B-4752-43DD-85C6-6BDBDC82DA15}" type="slidenum">
-              <a:rPr lang="de-CH" smtClean="0">
-                <a:latin typeface="Source Sans Pro" charset="0"/>
-                <a:ea typeface="Source Sans Pro" charset="0"/>
-                <a:cs typeface="Source Sans Pro" charset="0"/>
-              </a:rPr>
-              <a:pPr/>
-              <a:t>2</a:t>
-            </a:fld>
-            <a:endParaRPr lang="de-CH" dirty="0">
+              <a:t>Lorris, Oliver, Shambhu and Yannick</a:t>
+            </a:r>
+            <a:endParaRPr lang="en-GB" dirty="0">
               <a:latin typeface="Source Sans Pro" charset="0"/>
               <a:ea typeface="Source Sans Pro" charset="0"/>
               <a:cs typeface="Source Sans Pro" charset="0"/>
@@ -7181,7 +7495,7 @@
         </p:nvSpPr>
         <p:spPr>
           <a:xfrm>
-            <a:off x="2148123" y="588066"/>
+            <a:off x="1919523" y="664266"/>
             <a:ext cx="6181837" cy="584775"/>
           </a:xfrm>
           <a:prstGeom prst="rect">
@@ -7196,21 +7510,24 @@
           <a:p>
             <a:r>
               <a:rPr lang="en-US" sz="3200" b="1" dirty="0">
-                <a:latin typeface="Serifa Std 65" charset="0"/>
+                <a:latin typeface="Arial" panose="020B0604020202020204" pitchFamily="34" charset="0"/>
                 <a:ea typeface="Serifa Std 65" charset="0"/>
-                <a:cs typeface="Serifa Std 65" charset="0"/>
+                <a:cs typeface="Arial" panose="020B0604020202020204" pitchFamily="34" charset="0"/>
               </a:rPr>
               <a:t>Situation assessment </a:t>
             </a:r>
             <a:r>
               <a:rPr lang="en-US" sz="2000" b="1" dirty="0">
-                <a:latin typeface="Serifa Std 65" charset="0"/>
+                <a:latin typeface="Arial" panose="020B0604020202020204" pitchFamily="34" charset="0"/>
                 <a:ea typeface="Serifa Std 65" charset="0"/>
-                <a:cs typeface="Serifa Std 65" charset="0"/>
+                <a:cs typeface="Arial" panose="020B0604020202020204" pitchFamily="34" charset="0"/>
               </a:rPr>
               <a:t>1/2</a:t>
             </a:r>
-            <a:endParaRPr lang="en-US" sz="2000" dirty="0"/>
+            <a:endParaRPr lang="en-US" sz="2000" dirty="0">
+              <a:latin typeface="Arial" panose="020B0604020202020204" pitchFamily="34" charset="0"/>
+              <a:cs typeface="Arial" panose="020B0604020202020204" pitchFamily="34" charset="0"/>
+            </a:endParaRPr>
           </a:p>
         </p:txBody>
       </p:sp>
@@ -7226,7 +7543,7 @@
         </p:nvSpPr>
         <p:spPr>
           <a:xfrm>
-            <a:off x="2148124" y="1949814"/>
+            <a:off x="1919523" y="1357147"/>
             <a:ext cx="9096526" cy="3124201"/>
           </a:xfrm>
         </p:spPr>
@@ -7236,28 +7553,124 @@
           </a:bodyPr>
           <a:lstStyle/>
           <a:p>
-            <a:r>
-              <a:rPr lang="en-US" dirty="0"/>
-              <a:t>Just physical stores</a:t>
-            </a:r>
-          </a:p>
-          <a:p>
-            <a:r>
-              <a:rPr lang="en-US" dirty="0"/>
+            <a:pPr>
+              <a:buFont typeface="Wingdings" panose="05000000000000000000" pitchFamily="2" charset="2"/>
+              <a:buChar char="Ø"/>
+            </a:pPr>
+            <a:r>
+              <a:rPr lang="en-US" sz="2500" dirty="0">
+                <a:latin typeface="Arial" panose="020B0604020202020204" pitchFamily="34" charset="0"/>
+                <a:cs typeface="Arial" panose="020B0604020202020204" pitchFamily="34" charset="0"/>
+              </a:rPr>
+              <a:t>Physical stores </a:t>
+            </a:r>
+          </a:p>
+          <a:p>
+            <a:pPr>
+              <a:buFont typeface="Wingdings" panose="05000000000000000000" pitchFamily="2" charset="2"/>
+              <a:buChar char="Ø"/>
+            </a:pPr>
+            <a:r>
+              <a:rPr lang="de-CH" sz="2500" dirty="0">
+                <a:latin typeface="Arial" panose="020B0604020202020204" pitchFamily="34" charset="0"/>
+                <a:cs typeface="Arial" panose="020B0604020202020204" pitchFamily="34" charset="0"/>
+              </a:rPr>
+              <a:t>Non-</a:t>
+            </a:r>
+            <a:r>
+              <a:rPr lang="de-CH" sz="2500" dirty="0" err="1">
+                <a:latin typeface="Arial" panose="020B0604020202020204" pitchFamily="34" charset="0"/>
+                <a:cs typeface="Arial" panose="020B0604020202020204" pitchFamily="34" charset="0"/>
+              </a:rPr>
+              <a:t>scalable</a:t>
+            </a:r>
+            <a:r>
+              <a:rPr lang="de-CH" sz="2500" dirty="0">
+                <a:latin typeface="Arial" panose="020B0604020202020204" pitchFamily="34" charset="0"/>
+                <a:cs typeface="Arial" panose="020B0604020202020204" pitchFamily="34" charset="0"/>
+              </a:rPr>
+              <a:t> Business Model</a:t>
+            </a:r>
+          </a:p>
+          <a:p>
+            <a:pPr>
+              <a:buFont typeface="Wingdings" panose="05000000000000000000" pitchFamily="2" charset="2"/>
+              <a:buChar char="Ø"/>
+            </a:pPr>
+            <a:r>
+              <a:rPr lang="de-CH" sz="2500" dirty="0" err="1">
+                <a:latin typeface="Arial" panose="020B0604020202020204" pitchFamily="34" charset="0"/>
+                <a:cs typeface="Arial" panose="020B0604020202020204" pitchFamily="34" charset="0"/>
+              </a:rPr>
+              <a:t>Inefficient</a:t>
+            </a:r>
+            <a:r>
+              <a:rPr lang="de-CH" sz="2500" dirty="0">
+                <a:latin typeface="Arial" panose="020B0604020202020204" pitchFamily="34" charset="0"/>
+                <a:cs typeface="Arial" panose="020B0604020202020204" pitchFamily="34" charset="0"/>
+              </a:rPr>
+              <a:t> manual </a:t>
+            </a:r>
+            <a:r>
+              <a:rPr lang="de-CH" sz="2500" dirty="0" err="1">
+                <a:latin typeface="Arial" panose="020B0604020202020204" pitchFamily="34" charset="0"/>
+                <a:cs typeface="Arial" panose="020B0604020202020204" pitchFamily="34" charset="0"/>
+              </a:rPr>
+              <a:t>processes</a:t>
+            </a:r>
+            <a:r>
+              <a:rPr lang="de-CH" sz="2500" dirty="0">
+                <a:latin typeface="Arial" panose="020B0604020202020204" pitchFamily="34" charset="0"/>
+                <a:cs typeface="Arial" panose="020B0604020202020204" pitchFamily="34" charset="0"/>
+              </a:rPr>
+              <a:t> </a:t>
+            </a:r>
+          </a:p>
+          <a:p>
+            <a:pPr>
+              <a:buFont typeface="Wingdings" panose="05000000000000000000" pitchFamily="2" charset="2"/>
+              <a:buChar char="Ø"/>
+            </a:pPr>
+            <a:r>
+              <a:rPr lang="en-US" sz="2500" dirty="0">
+                <a:latin typeface="Arial" panose="020B0604020202020204" pitchFamily="34" charset="0"/>
+                <a:cs typeface="Arial" panose="020B0604020202020204" pitchFamily="34" charset="0"/>
+              </a:rPr>
               <a:t>No alignment of Business and IT</a:t>
             </a:r>
           </a:p>
           <a:p>
-            <a:r>
-              <a:rPr lang="en-GB" dirty="0"/>
-              <a:t>No scalable Business Model</a:t>
-            </a:r>
-          </a:p>
-          <a:p>
-            <a:r>
-              <a:rPr lang="en-GB" dirty="0"/>
-              <a:t>Inefficient, manual processes</a:t>
-            </a:r>
+            <a:pPr marL="0" indent="0">
+              <a:buNone/>
+            </a:pPr>
+            <a:endParaRPr lang="de-CH" sz="2500" dirty="0">
+              <a:latin typeface="Arial" panose="020B0604020202020204" pitchFamily="34" charset="0"/>
+              <a:cs typeface="Arial" panose="020B0604020202020204" pitchFamily="34" charset="0"/>
+            </a:endParaRPr>
+          </a:p>
+        </p:txBody>
+      </p:sp>
+      <p:sp>
+        <p:nvSpPr>
+          <p:cNvPr id="3" name="Slide Number Placeholder 2"/>
+          <p:cNvSpPr>
+            <a:spLocks noGrp="1"/>
+          </p:cNvSpPr>
+          <p:nvPr>
+            <p:ph type="sldNum" sz="quarter" idx="12"/>
+          </p:nvPr>
+        </p:nvSpPr>
+        <p:spPr/>
+        <p:txBody>
+          <a:bodyPr/>
+          <a:lstStyle/>
+          <a:p>
+            <a:fld id="{9F10C86B-4752-43DD-85C6-6BDBDC82DA15}" type="slidenum">
+              <a:rPr lang="de-CH" smtClean="0"/>
+              <a:pPr/>
+              <a:t>3</a:t>
+            </a:fld>
+            <a:endParaRPr lang="de-CH"/>
           </a:p>
         </p:txBody>
       </p:sp>
@@ -7274,7 +7687,7 @@
 </p:sld>
 </file>
 
-<file path=ppt/slides/slide3.xml><?xml version="1.0" encoding="utf-8"?>
+<file path=ppt/slides/slide4.xml><?xml version="1.0" encoding="utf-8"?>
 <p:sld xmlns:a="http://schemas.openxmlformats.org/drawingml/2006/main" xmlns:r="http://schemas.openxmlformats.org/officeDocument/2006/relationships" xmlns:p="http://schemas.openxmlformats.org/presentationml/2006/main">
   <p:cSld>
     <p:spTree>
@@ -7312,46 +7725,14 @@
           <a:lstStyle/>
           <a:p>
             <a:r>
-              <a:rPr lang="en-GB" dirty="0">
+              <a:rPr lang="en-US">
                 <a:latin typeface="Source Sans Pro" charset="0"/>
                 <a:ea typeface="Source Sans Pro" charset="0"/>
                 <a:cs typeface="Source Sans Pro" charset="0"/>
               </a:rPr>
-              <a:t>Loris, Oliver, Shambhu, Yannick</a:t>
-            </a:r>
-          </a:p>
-        </p:txBody>
-      </p:sp>
-      <p:sp>
-        <p:nvSpPr>
-          <p:cNvPr id="5" name="Foliennummernplatzhalter 4"/>
-          <p:cNvSpPr>
-            <a:spLocks noGrp="1"/>
-          </p:cNvSpPr>
-          <p:nvPr>
-            <p:ph type="sldNum" sz="quarter" idx="12"/>
-          </p:nvPr>
-        </p:nvSpPr>
-        <p:spPr>
-          <a:xfrm>
-            <a:off x="10951856" y="6201931"/>
-            <a:ext cx="551167" cy="365125"/>
-          </a:xfrm>
-        </p:spPr>
-        <p:txBody>
-          <a:bodyPr/>
-          <a:lstStyle/>
-          <a:p>
-            <a:fld id="{9F10C86B-4752-43DD-85C6-6BDBDC82DA15}" type="slidenum">
-              <a:rPr lang="de-CH" smtClean="0">
-                <a:latin typeface="Source Sans Pro" charset="0"/>
-                <a:ea typeface="Source Sans Pro" charset="0"/>
-                <a:cs typeface="Source Sans Pro" charset="0"/>
-              </a:rPr>
-              <a:pPr/>
-              <a:t>3</a:t>
-            </a:fld>
-            <a:endParaRPr lang="de-CH" dirty="0">
+              <a:t>Lorris, Oliver, Shambhu and Yannick</a:t>
+            </a:r>
+            <a:endParaRPr lang="en-GB" dirty="0">
               <a:latin typeface="Source Sans Pro" charset="0"/>
               <a:ea typeface="Source Sans Pro" charset="0"/>
               <a:cs typeface="Source Sans Pro" charset="0"/>
@@ -7398,7 +7779,7 @@
           <p:nvPr/>
         </p:nvPicPr>
         <p:blipFill>
-          <a:blip r:embed="rId3">
+          <a:blip r:embed="rId3" cstate="print">
             <a:extLst>
               <a:ext uri="{28A0092B-C50C-407E-A947-70E740481C1C}">
                 <a14:useLocalDpi xmlns:a14="http://schemas.microsoft.com/office/drawing/2010/main" val="0"/>
@@ -7442,104 +7823,30 @@
           <a:p>
             <a:r>
               <a:rPr lang="en-US" sz="3200" b="1" dirty="0">
-                <a:latin typeface="Serifa Std 65" charset="0"/>
+                <a:latin typeface="Arial" panose="020B0604020202020204" pitchFamily="34" charset="0"/>
                 <a:ea typeface="Serifa Std 65" charset="0"/>
-                <a:cs typeface="Serifa Std 65" charset="0"/>
+                <a:cs typeface="Arial" panose="020B0604020202020204" pitchFamily="34" charset="0"/>
               </a:rPr>
               <a:t>Situation assessment </a:t>
             </a:r>
             <a:r>
               <a:rPr lang="en-US" sz="2000" b="1" dirty="0">
-                <a:latin typeface="Serifa Std 65" charset="0"/>
+                <a:latin typeface="Arial" panose="020B0604020202020204" pitchFamily="34" charset="0"/>
                 <a:ea typeface="Serifa Std 65" charset="0"/>
-                <a:cs typeface="Serifa Std 65" charset="0"/>
+                <a:cs typeface="Arial" panose="020B0604020202020204" pitchFamily="34" charset="0"/>
               </a:rPr>
               <a:t>2/2</a:t>
             </a:r>
-            <a:endParaRPr lang="en-US" sz="2000" dirty="0"/>
-          </a:p>
-        </p:txBody>
-      </p:sp>
-    </p:spTree>
-    <p:extLst>
-      <p:ext uri="{BB962C8B-B14F-4D97-AF65-F5344CB8AC3E}">
-        <p14:creationId xmlns:p14="http://schemas.microsoft.com/office/powerpoint/2010/main" val="976686754"/>
-      </p:ext>
-    </p:extLst>
-  </p:cSld>
-  <p:clrMapOvr>
-    <a:masterClrMapping/>
-  </p:clrMapOvr>
-</p:sld>
-</file>
-
-<file path=ppt/slides/slide4.xml><?xml version="1.0" encoding="utf-8"?>
-<p:sld xmlns:a="http://schemas.openxmlformats.org/drawingml/2006/main" xmlns:r="http://schemas.openxmlformats.org/officeDocument/2006/relationships" xmlns:p="http://schemas.openxmlformats.org/presentationml/2006/main">
-  <p:cSld>
-    <p:spTree>
-      <p:nvGrpSpPr>
-        <p:cNvPr id="1" name=""/>
-        <p:cNvGrpSpPr/>
-        <p:nvPr/>
-      </p:nvGrpSpPr>
-      <p:grpSpPr>
-        <a:xfrm>
-          <a:off x="0" y="0"/>
-          <a:ext cx="0" cy="0"/>
-          <a:chOff x="0" y="0"/>
-          <a:chExt cx="0" cy="0"/>
-        </a:xfrm>
-      </p:grpSpPr>
-      <p:sp>
-        <p:nvSpPr>
-          <p:cNvPr id="3" name="Content Placeholder 2"/>
-          <p:cNvSpPr>
-            <a:spLocks noGrp="1"/>
-          </p:cNvSpPr>
-          <p:nvPr>
-            <p:ph idx="1"/>
-          </p:nvPr>
-        </p:nvSpPr>
-        <p:spPr>
-          <a:xfrm>
-            <a:off x="2148124" y="1949814"/>
-            <a:ext cx="9096526" cy="3124201"/>
-          </a:xfrm>
-        </p:spPr>
-        <p:txBody>
-          <a:bodyPr>
-            <a:normAutofit/>
-          </a:bodyPr>
-          <a:lstStyle/>
-          <a:p>
-            <a:r>
-              <a:rPr lang="en-US" dirty="0"/>
-              <a:t>Web shop </a:t>
-            </a:r>
-          </a:p>
-          <a:p>
-            <a:r>
-              <a:rPr lang="en-US" dirty="0"/>
-              <a:t>Order processing and confirmation</a:t>
-            </a:r>
-          </a:p>
-          <a:p>
-            <a:r>
-              <a:rPr lang="en-US" dirty="0"/>
-              <a:t>Customer loyalty program</a:t>
-            </a:r>
-          </a:p>
-          <a:p>
-            <a:r>
-              <a:rPr lang="en-US" dirty="0"/>
-              <a:t>Inventory management</a:t>
-            </a:r>
-          </a:p>
-        </p:txBody>
-      </p:sp>
-      <p:sp>
-        <p:nvSpPr>
-          <p:cNvPr id="5" name="Slide Number Placeholder 4"/>
+            <a:endParaRPr lang="en-US" sz="2000" dirty="0">
+              <a:latin typeface="Arial" panose="020B0604020202020204" pitchFamily="34" charset="0"/>
+              <a:cs typeface="Arial" panose="020B0604020202020204" pitchFamily="34" charset="0"/>
+            </a:endParaRPr>
+          </a:p>
+        </p:txBody>
+      </p:sp>
+      <p:sp>
+        <p:nvSpPr>
+          <p:cNvPr id="6" name="Slide Number Placeholder 5"/>
           <p:cNvSpPr>
             <a:spLocks noGrp="1"/>
           </p:cNvSpPr>
@@ -7561,82 +7868,10 @@
           </a:p>
         </p:txBody>
       </p:sp>
-      <p:sp>
-        <p:nvSpPr>
-          <p:cNvPr id="6" name="Rectangle 5"/>
-          <p:cNvSpPr/>
-          <p:nvPr/>
-        </p:nvSpPr>
-        <p:spPr>
-          <a:xfrm>
-            <a:off x="2148123" y="588066"/>
-            <a:ext cx="8803733" cy="584775"/>
-          </a:xfrm>
-          <a:prstGeom prst="rect">
-            <a:avLst/>
-          </a:prstGeom>
-        </p:spPr>
-        <p:txBody>
-          <a:bodyPr wrap="square">
-            <a:spAutoFit/>
-          </a:bodyPr>
-          <a:lstStyle/>
-          <a:p>
-            <a:r>
-              <a:rPr lang="en-US" sz="3200" b="1" dirty="0">
-                <a:latin typeface="Serifa Std 65" charset="0"/>
-                <a:ea typeface="Serifa Std 65" charset="0"/>
-                <a:cs typeface="Serifa Std 65" charset="0"/>
-              </a:rPr>
-              <a:t>Objectives</a:t>
-            </a:r>
-            <a:r>
-              <a:rPr lang="en-US" sz="3200" b="1">
-                <a:latin typeface="Serifa Std 65" charset="0"/>
-                <a:ea typeface="Serifa Std 65" charset="0"/>
-                <a:cs typeface="Serifa Std 65" charset="0"/>
-              </a:rPr>
-              <a:t>: Digitalisation and Automation</a:t>
-            </a:r>
-            <a:endParaRPr lang="en-US" sz="3200" dirty="0"/>
-          </a:p>
-        </p:txBody>
-      </p:sp>
-      <p:sp>
-        <p:nvSpPr>
-          <p:cNvPr id="7" name="Fußzeilenplatzhalter 3"/>
-          <p:cNvSpPr>
-            <a:spLocks noGrp="1"/>
-          </p:cNvSpPr>
-          <p:nvPr>
-            <p:ph type="ftr" sz="quarter" idx="11"/>
-          </p:nvPr>
-        </p:nvSpPr>
-        <p:spPr>
-          <a:xfrm>
-            <a:off x="2350599" y="6201932"/>
-            <a:ext cx="7084177" cy="365125"/>
-          </a:xfrm>
-        </p:spPr>
-        <p:txBody>
-          <a:bodyPr/>
-          <a:lstStyle/>
-          <a:p>
-            <a:r>
-              <a:rPr lang="en-GB" dirty="0">
-                <a:latin typeface="Source Sans Pro" charset="0"/>
-                <a:ea typeface="Source Sans Pro" charset="0"/>
-                <a:cs typeface="Source Sans Pro" charset="0"/>
-              </a:rPr>
-              <a:t>Loris, Oliver, Shambhu, Yannick</a:t>
-            </a:r>
-          </a:p>
-        </p:txBody>
-      </p:sp>
     </p:spTree>
     <p:extLst>
       <p:ext uri="{BB962C8B-B14F-4D97-AF65-F5344CB8AC3E}">
-        <p14:creationId xmlns:p14="http://schemas.microsoft.com/office/powerpoint/2010/main" val="1894301188"/>
+        <p14:creationId xmlns:p14="http://schemas.microsoft.com/office/powerpoint/2010/main" val="976686754"/>
       </p:ext>
     </p:extLst>
   </p:cSld>
@@ -7665,39 +7900,314 @@
       </p:grpSpPr>
       <p:sp>
         <p:nvSpPr>
-          <p:cNvPr id="2" name="Titel 1">
+          <p:cNvPr id="3" name="Content Placeholder 2"/>
+          <p:cNvSpPr>
+            <a:spLocks noGrp="1"/>
+          </p:cNvSpPr>
+          <p:nvPr>
+            <p:ph idx="1"/>
+          </p:nvPr>
+        </p:nvSpPr>
+        <p:spPr>
+          <a:xfrm>
+            <a:off x="2131190" y="1172841"/>
+            <a:ext cx="9096526" cy="3124201"/>
+          </a:xfrm>
+        </p:spPr>
+        <p:txBody>
+          <a:bodyPr>
+            <a:normAutofit/>
+          </a:bodyPr>
+          <a:lstStyle/>
+          <a:p>
+            <a:pPr>
+              <a:buFont typeface="Wingdings" panose="05000000000000000000" pitchFamily="2" charset="2"/>
+              <a:buChar char="Ø"/>
+            </a:pPr>
+            <a:r>
+              <a:rPr lang="en-US" sz="2500" dirty="0" err="1">
+                <a:latin typeface="Arial" panose="020B0604020202020204" pitchFamily="34" charset="0"/>
+                <a:cs typeface="Arial" panose="020B0604020202020204" pitchFamily="34" charset="0"/>
+              </a:rPr>
+              <a:t>Webshop</a:t>
+            </a:r>
+            <a:r>
+              <a:rPr lang="en-US" sz="2500" dirty="0">
+                <a:latin typeface="Arial" panose="020B0604020202020204" pitchFamily="34" charset="0"/>
+                <a:cs typeface="Arial" panose="020B0604020202020204" pitchFamily="34" charset="0"/>
+              </a:rPr>
+              <a:t> </a:t>
+            </a:r>
+          </a:p>
+          <a:p>
+            <a:pPr>
+              <a:buFont typeface="Wingdings" panose="05000000000000000000" pitchFamily="2" charset="2"/>
+              <a:buChar char="Ø"/>
+            </a:pPr>
+            <a:r>
+              <a:rPr lang="en-US" sz="2500" dirty="0">
+                <a:latin typeface="Arial" panose="020B0604020202020204" pitchFamily="34" charset="0"/>
+                <a:cs typeface="Arial" panose="020B0604020202020204" pitchFamily="34" charset="0"/>
+              </a:rPr>
+              <a:t>Order processing and confirmation</a:t>
+            </a:r>
+          </a:p>
+          <a:p>
+            <a:pPr>
+              <a:buFont typeface="Wingdings" panose="05000000000000000000" pitchFamily="2" charset="2"/>
+              <a:buChar char="Ø"/>
+            </a:pPr>
+            <a:r>
+              <a:rPr lang="en-US" sz="2500" dirty="0">
+                <a:latin typeface="Arial" panose="020B0604020202020204" pitchFamily="34" charset="0"/>
+                <a:cs typeface="Arial" panose="020B0604020202020204" pitchFamily="34" charset="0"/>
+              </a:rPr>
+              <a:t>Customer loyalty program</a:t>
+            </a:r>
+          </a:p>
+          <a:p>
+            <a:pPr>
+              <a:buFont typeface="Wingdings" panose="05000000000000000000" pitchFamily="2" charset="2"/>
+              <a:buChar char="Ø"/>
+            </a:pPr>
+            <a:r>
+              <a:rPr lang="en-US" sz="2500" dirty="0">
+                <a:latin typeface="Arial" panose="020B0604020202020204" pitchFamily="34" charset="0"/>
+                <a:cs typeface="Arial" panose="020B0604020202020204" pitchFamily="34" charset="0"/>
+              </a:rPr>
+              <a:t>Inventory management</a:t>
+            </a:r>
+          </a:p>
+        </p:txBody>
+      </p:sp>
+      <p:sp>
+        <p:nvSpPr>
+          <p:cNvPr id="6" name="Rectangle 5"/>
+          <p:cNvSpPr/>
+          <p:nvPr/>
+        </p:nvSpPr>
+        <p:spPr>
+          <a:xfrm>
+            <a:off x="2012657" y="588066"/>
+            <a:ext cx="8803733" cy="584775"/>
+          </a:xfrm>
+          <a:prstGeom prst="rect">
+            <a:avLst/>
+          </a:prstGeom>
+        </p:spPr>
+        <p:txBody>
+          <a:bodyPr wrap="square">
+            <a:spAutoFit/>
+          </a:bodyPr>
+          <a:lstStyle/>
+          <a:p>
+            <a:r>
+              <a:rPr lang="en-US" sz="3200" b="1" dirty="0">
+                <a:latin typeface="Arial" panose="020B0604020202020204" pitchFamily="34" charset="0"/>
+                <a:ea typeface="Serifa Std 65" charset="0"/>
+                <a:cs typeface="Arial" panose="020B0604020202020204" pitchFamily="34" charset="0"/>
+              </a:rPr>
+              <a:t>Objectives: </a:t>
+            </a:r>
+            <a:r>
+              <a:rPr lang="en-US" sz="3200" b="1" dirty="0" err="1">
+                <a:latin typeface="Arial" panose="020B0604020202020204" pitchFamily="34" charset="0"/>
+                <a:ea typeface="Serifa Std 65" charset="0"/>
+                <a:cs typeface="Arial" panose="020B0604020202020204" pitchFamily="34" charset="0"/>
+              </a:rPr>
+              <a:t>Digitalisation</a:t>
+            </a:r>
+            <a:r>
+              <a:rPr lang="en-US" sz="3200" b="1" dirty="0">
+                <a:latin typeface="Arial" panose="020B0604020202020204" pitchFamily="34" charset="0"/>
+                <a:ea typeface="Serifa Std 65" charset="0"/>
+                <a:cs typeface="Arial" panose="020B0604020202020204" pitchFamily="34" charset="0"/>
+              </a:rPr>
+              <a:t> and Automation</a:t>
+            </a:r>
+            <a:endParaRPr lang="en-US" sz="3200" dirty="0">
+              <a:latin typeface="Arial" panose="020B0604020202020204" pitchFamily="34" charset="0"/>
+              <a:cs typeface="Arial" panose="020B0604020202020204" pitchFamily="34" charset="0"/>
+            </a:endParaRPr>
+          </a:p>
+        </p:txBody>
+      </p:sp>
+      <p:sp>
+        <p:nvSpPr>
+          <p:cNvPr id="7" name="Fußzeilenplatzhalter 3"/>
+          <p:cNvSpPr>
+            <a:spLocks noGrp="1"/>
+          </p:cNvSpPr>
+          <p:nvPr>
+            <p:ph type="ftr" sz="quarter" idx="11"/>
+          </p:nvPr>
+        </p:nvSpPr>
+        <p:spPr>
+          <a:xfrm>
+            <a:off x="2350599" y="6201932"/>
+            <a:ext cx="7084177" cy="365125"/>
+          </a:xfrm>
+        </p:spPr>
+        <p:txBody>
+          <a:bodyPr/>
+          <a:lstStyle/>
+          <a:p>
+            <a:r>
+              <a:rPr lang="en-US">
+                <a:latin typeface="Source Sans Pro" charset="0"/>
+                <a:ea typeface="Source Sans Pro" charset="0"/>
+                <a:cs typeface="Source Sans Pro" charset="0"/>
+              </a:rPr>
+              <a:t>Lorris, Oliver, Shambhu and Yannick</a:t>
+            </a:r>
+            <a:endParaRPr lang="en-GB" dirty="0">
+              <a:latin typeface="Source Sans Pro" charset="0"/>
+              <a:ea typeface="Source Sans Pro" charset="0"/>
+              <a:cs typeface="Source Sans Pro" charset="0"/>
+            </a:endParaRPr>
+          </a:p>
+        </p:txBody>
+      </p:sp>
+      <p:sp>
+        <p:nvSpPr>
+          <p:cNvPr id="4" name="Slide Number Placeholder 3"/>
+          <p:cNvSpPr>
+            <a:spLocks noGrp="1"/>
+          </p:cNvSpPr>
+          <p:nvPr>
+            <p:ph type="sldNum" sz="quarter" idx="12"/>
+          </p:nvPr>
+        </p:nvSpPr>
+        <p:spPr/>
+        <p:txBody>
+          <a:bodyPr/>
+          <a:lstStyle/>
+          <a:p>
+            <a:fld id="{9F10C86B-4752-43DD-85C6-6BDBDC82DA15}" type="slidenum">
+              <a:rPr lang="de-CH" smtClean="0"/>
+              <a:pPr/>
+              <a:t>5</a:t>
+            </a:fld>
+            <a:endParaRPr lang="de-CH"/>
+          </a:p>
+        </p:txBody>
+      </p:sp>
+    </p:spTree>
+    <p:extLst>
+      <p:ext uri="{BB962C8B-B14F-4D97-AF65-F5344CB8AC3E}">
+        <p14:creationId xmlns:p14="http://schemas.microsoft.com/office/powerpoint/2010/main" val="1894301188"/>
+      </p:ext>
+    </p:extLst>
+  </p:cSld>
+  <p:clrMapOvr>
+    <a:masterClrMapping/>
+  </p:clrMapOvr>
+</p:sld>
+</file>
+
+<file path=ppt/slides/slide6.xml><?xml version="1.0" encoding="utf-8"?>
+<p:sld xmlns:a="http://schemas.openxmlformats.org/drawingml/2006/main" xmlns:r="http://schemas.openxmlformats.org/officeDocument/2006/relationships" xmlns:p="http://schemas.openxmlformats.org/presentationml/2006/main">
+  <p:cSld>
+    <p:spTree>
+      <p:nvGrpSpPr>
+        <p:cNvPr id="1" name=""/>
+        <p:cNvGrpSpPr/>
+        <p:nvPr/>
+      </p:nvGrpSpPr>
+      <p:grpSpPr>
+        <a:xfrm>
+          <a:off x="0" y="0"/>
+          <a:ext cx="0" cy="0"/>
+          <a:chOff x="0" y="0"/>
+          <a:chExt cx="0" cy="0"/>
+        </a:xfrm>
+      </p:grpSpPr>
+      <p:sp>
+        <p:nvSpPr>
+          <p:cNvPr id="2" name="Title 1"/>
+          <p:cNvSpPr>
+            <a:spLocks noGrp="1"/>
+          </p:cNvSpPr>
+          <p:nvPr>
+            <p:ph type="title"/>
+          </p:nvPr>
+        </p:nvSpPr>
+        <p:spPr>
+          <a:xfrm>
+            <a:off x="1797577" y="668867"/>
+            <a:ext cx="10018713" cy="838200"/>
+          </a:xfrm>
+        </p:spPr>
+        <p:txBody>
+          <a:bodyPr>
+            <a:normAutofit/>
+          </a:bodyPr>
+          <a:lstStyle/>
+          <a:p>
+            <a:pPr algn="l"/>
+            <a:r>
+              <a:rPr lang="en-US" sz="3200" b="1" dirty="0">
+                <a:latin typeface="Arial" panose="020B0604020202020204" pitchFamily="34" charset="0"/>
+                <a:cs typeface="Arial" panose="020B0604020202020204" pitchFamily="34" charset="0"/>
+              </a:rPr>
+              <a:t>Technical overview</a:t>
+            </a:r>
+          </a:p>
+        </p:txBody>
+      </p:sp>
+      <p:sp>
+        <p:nvSpPr>
+          <p:cNvPr id="4" name="Footer Placeholder 3"/>
+          <p:cNvSpPr>
+            <a:spLocks noGrp="1"/>
+          </p:cNvSpPr>
+          <p:nvPr>
+            <p:ph type="ftr" sz="quarter" idx="11"/>
+          </p:nvPr>
+        </p:nvSpPr>
+        <p:spPr/>
+        <p:txBody>
+          <a:bodyPr/>
+          <a:lstStyle/>
+          <a:p>
+            <a:r>
+              <a:rPr lang="en-US"/>
+              <a:t>Lorris, Oliver, Shambhu and Yannick</a:t>
+            </a:r>
+            <a:endParaRPr lang="de-CH" dirty="0"/>
+          </a:p>
+        </p:txBody>
+      </p:sp>
+      <p:sp>
+        <p:nvSpPr>
+          <p:cNvPr id="6" name="Slide Number Placeholder 5"/>
+          <p:cNvSpPr>
+            <a:spLocks noGrp="1"/>
+          </p:cNvSpPr>
+          <p:nvPr>
+            <p:ph type="sldNum" sz="quarter" idx="12"/>
+          </p:nvPr>
+        </p:nvSpPr>
+        <p:spPr/>
+        <p:txBody>
+          <a:bodyPr/>
+          <a:lstStyle/>
+          <a:p>
+            <a:fld id="{9F10C86B-4752-43DD-85C6-6BDBDC82DA15}" type="slidenum">
+              <a:rPr lang="de-CH" smtClean="0"/>
+              <a:pPr/>
+              <a:t>6</a:t>
+            </a:fld>
+            <a:endParaRPr lang="de-CH"/>
+          </a:p>
+        </p:txBody>
+      </p:sp>
+      <p:pic>
+        <p:nvPicPr>
+          <p:cNvPr id="5" name="Inhaltsplatzhalter 7" descr="Ein Bild, das Text, Karte enthält.&#10;&#10;Automatisch generierte Beschreibung">
             <a:extLst>
               <a:ext uri="{FF2B5EF4-FFF2-40B4-BE49-F238E27FC236}">
-                <a16:creationId xmlns:a16="http://schemas.microsoft.com/office/drawing/2014/main" id="{DC766F39-80AF-4799-80E6-FA64D78D849A}"/>
-              </a:ext>
-            </a:extLst>
-          </p:cNvPr>
-          <p:cNvSpPr>
-            <a:spLocks noGrp="1"/>
-          </p:cNvSpPr>
-          <p:nvPr>
-            <p:ph type="title"/>
-          </p:nvPr>
-        </p:nvSpPr>
-        <p:spPr/>
-        <p:txBody>
-          <a:bodyPr/>
-          <a:lstStyle/>
-          <a:p>
-            <a:r>
-              <a:rPr lang="de-CH" dirty="0" err="1"/>
-              <a:t>Overview</a:t>
-            </a:r>
-            <a:endParaRPr lang="en-GB" dirty="0"/>
-          </a:p>
-        </p:txBody>
-      </p:sp>
-      <p:pic>
-        <p:nvPicPr>
-          <p:cNvPr id="8" name="Inhaltsplatzhalter 7" descr="Ein Bild, das Text, Karte enthält.&#10;&#10;Automatisch generierte Beschreibung">
-            <a:extLst>
-              <a:ext uri="{FF2B5EF4-FFF2-40B4-BE49-F238E27FC236}">
-                <a16:creationId xmlns:a16="http://schemas.microsoft.com/office/drawing/2014/main" id="{3384F093-5E5F-4E83-AB77-F2B46E5078B8}"/>
+                <a16:creationId xmlns:a16="http://schemas.microsoft.com/office/drawing/2014/main" id="{D7581154-B92D-4D0B-AA7D-D26D40363202}"/>
               </a:ext>
             </a:extLst>
           </p:cNvPr>
@@ -7722,82 +8232,15 @@
         </p:blipFill>
         <p:spPr>
           <a:xfrm>
-            <a:off x="2185926" y="379946"/>
-            <a:ext cx="8259336" cy="6194502"/>
+            <a:off x="2444718" y="1321699"/>
+            <a:ext cx="7084177" cy="5313133"/>
           </a:xfrm>
         </p:spPr>
       </p:pic>
-      <p:sp>
-        <p:nvSpPr>
-          <p:cNvPr id="5" name="Foliennummernplatzhalter 4">
-            <a:extLst>
-              <a:ext uri="{FF2B5EF4-FFF2-40B4-BE49-F238E27FC236}">
-                <a16:creationId xmlns:a16="http://schemas.microsoft.com/office/drawing/2014/main" id="{885E1B61-205E-4F5B-B21A-06D4EA1300FD}"/>
-              </a:ext>
-            </a:extLst>
-          </p:cNvPr>
-          <p:cNvSpPr>
-            <a:spLocks noGrp="1"/>
-          </p:cNvSpPr>
-          <p:nvPr>
-            <p:ph type="sldNum" sz="quarter" idx="12"/>
-          </p:nvPr>
-        </p:nvSpPr>
-        <p:spPr/>
-        <p:txBody>
-          <a:bodyPr/>
-          <a:lstStyle/>
-          <a:p>
-            <a:fld id="{9F10C86B-4752-43DD-85C6-6BDBDC82DA15}" type="slidenum">
-              <a:rPr lang="de-CH" smtClean="0"/>
-              <a:pPr/>
-              <a:t>5</a:t>
-            </a:fld>
-            <a:endParaRPr lang="de-CH"/>
-          </a:p>
-        </p:txBody>
-      </p:sp>
-      <p:sp>
-        <p:nvSpPr>
-          <p:cNvPr id="6" name="Fußzeilenplatzhalter 3">
-            <a:extLst>
-              <a:ext uri="{FF2B5EF4-FFF2-40B4-BE49-F238E27FC236}">
-                <a16:creationId xmlns:a16="http://schemas.microsoft.com/office/drawing/2014/main" id="{02BAE234-66D4-4981-BDF6-47EDAC43B897}"/>
-              </a:ext>
-            </a:extLst>
-          </p:cNvPr>
-          <p:cNvSpPr>
-            <a:spLocks noGrp="1"/>
-          </p:cNvSpPr>
-          <p:nvPr>
-            <p:ph type="ftr" sz="quarter" idx="11"/>
-          </p:nvPr>
-        </p:nvSpPr>
-        <p:spPr>
-          <a:xfrm>
-            <a:off x="2350599" y="6201932"/>
-            <a:ext cx="7084177" cy="365125"/>
-          </a:xfrm>
-        </p:spPr>
-        <p:txBody>
-          <a:bodyPr/>
-          <a:lstStyle/>
-          <a:p>
-            <a:r>
-              <a:rPr lang="en-GB" dirty="0">
-                <a:latin typeface="Source Sans Pro" charset="0"/>
-                <a:ea typeface="Source Sans Pro" charset="0"/>
-                <a:cs typeface="Source Sans Pro" charset="0"/>
-              </a:rPr>
-              <a:t>Loris, Oliver, Shambhu, Yannick</a:t>
-            </a:r>
-          </a:p>
-        </p:txBody>
-      </p:sp>
     </p:spTree>
     <p:extLst>
       <p:ext uri="{BB962C8B-B14F-4D97-AF65-F5344CB8AC3E}">
-        <p14:creationId xmlns:p14="http://schemas.microsoft.com/office/powerpoint/2010/main" val="1629497779"/>
+        <p14:creationId xmlns:p14="http://schemas.microsoft.com/office/powerpoint/2010/main" val="2984263822"/>
       </p:ext>
     </p:extLst>
   </p:cSld>
@@ -7807,7 +8250,171 @@
 </p:sld>
 </file>
 
-<file path=ppt/slides/slide6.xml><?xml version="1.0" encoding="utf-8"?>
+<file path=ppt/slides/slide7.xml><?xml version="1.0" encoding="utf-8"?>
+<p:sld xmlns:a="http://schemas.openxmlformats.org/drawingml/2006/main" xmlns:r="http://schemas.openxmlformats.org/officeDocument/2006/relationships" xmlns:p="http://schemas.openxmlformats.org/presentationml/2006/main">
+  <p:cSld>
+    <p:spTree>
+      <p:nvGrpSpPr>
+        <p:cNvPr id="1" name=""/>
+        <p:cNvGrpSpPr/>
+        <p:nvPr/>
+      </p:nvGrpSpPr>
+      <p:grpSpPr>
+        <a:xfrm>
+          <a:off x="0" y="0"/>
+          <a:ext cx="0" cy="0"/>
+          <a:chOff x="0" y="0"/>
+          <a:chExt cx="0" cy="0"/>
+        </a:xfrm>
+      </p:grpSpPr>
+      <p:sp>
+        <p:nvSpPr>
+          <p:cNvPr id="2" name="Title 1"/>
+          <p:cNvSpPr>
+            <a:spLocks noGrp="1"/>
+          </p:cNvSpPr>
+          <p:nvPr>
+            <p:ph type="title"/>
+          </p:nvPr>
+        </p:nvSpPr>
+        <p:spPr>
+          <a:xfrm>
+            <a:off x="1687511" y="702734"/>
+            <a:ext cx="10018713" cy="685800"/>
+          </a:xfrm>
+        </p:spPr>
+        <p:txBody>
+          <a:bodyPr>
+            <a:normAutofit/>
+          </a:bodyPr>
+          <a:lstStyle/>
+          <a:p>
+            <a:pPr algn="l"/>
+            <a:r>
+              <a:rPr lang="en-US" sz="3200" b="1" dirty="0">
+                <a:latin typeface="Arial" panose="020B0604020202020204" pitchFamily="34" charset="0"/>
+                <a:cs typeface="Arial" panose="020B0604020202020204" pitchFamily="34" charset="0"/>
+              </a:rPr>
+              <a:t>Demo</a:t>
+            </a:r>
+          </a:p>
+        </p:txBody>
+      </p:sp>
+      <p:sp>
+        <p:nvSpPr>
+          <p:cNvPr id="4" name="Footer Placeholder 3"/>
+          <p:cNvSpPr>
+            <a:spLocks noGrp="1"/>
+          </p:cNvSpPr>
+          <p:nvPr>
+            <p:ph type="ftr" sz="quarter" idx="11"/>
+          </p:nvPr>
+        </p:nvSpPr>
+        <p:spPr/>
+        <p:txBody>
+          <a:bodyPr/>
+          <a:lstStyle/>
+          <a:p>
+            <a:r>
+              <a:rPr lang="en-US"/>
+              <a:t>Lorris, Oliver, Shambhu and Yannick</a:t>
+            </a:r>
+            <a:endParaRPr lang="de-CH" dirty="0"/>
+          </a:p>
+        </p:txBody>
+      </p:sp>
+      <p:pic>
+        <p:nvPicPr>
+          <p:cNvPr id="1027" name="Picture 3"/>
+          <p:cNvPicPr>
+            <a:picLocks noChangeAspect="1" noChangeArrowheads="1"/>
+          </p:cNvPicPr>
+          <p:nvPr/>
+        </p:nvPicPr>
+        <p:blipFill>
+          <a:blip r:embed="rId2">
+            <a:extLst>
+              <a:ext uri="{28A0092B-C50C-407E-A947-70E740481C1C}">
+                <a14:useLocalDpi xmlns:a14="http://schemas.microsoft.com/office/drawing/2010/main" val="0"/>
+              </a:ext>
+            </a:extLst>
+          </a:blip>
+          <a:srcRect/>
+          <a:stretch>
+            <a:fillRect/>
+          </a:stretch>
+        </p:blipFill>
+        <p:spPr bwMode="auto">
+          <a:xfrm>
+            <a:off x="3835400" y="1973511"/>
+            <a:ext cx="4268788" cy="3399647"/>
+          </a:xfrm>
+          <a:prstGeom prst="rect">
+            <a:avLst/>
+          </a:prstGeom>
+          <a:noFill/>
+          <a:ln>
+            <a:noFill/>
+          </a:ln>
+          <a:extLst>
+            <a:ext uri="{909E8E84-426E-40DD-AFC4-6F175D3DCCD1}">
+              <a14:hiddenFill xmlns:a14="http://schemas.microsoft.com/office/drawing/2010/main">
+                <a:solidFill>
+                  <a:schemeClr val="accent1"/>
+                </a:solidFill>
+              </a14:hiddenFill>
+            </a:ext>
+            <a:ext uri="{91240B29-F687-4F45-9708-019B960494DF}">
+              <a14:hiddenLine xmlns:a14="http://schemas.microsoft.com/office/drawing/2010/main" w="9525">
+                <a:solidFill>
+                  <a:schemeClr val="tx1"/>
+                </a:solidFill>
+                <a:miter lim="800000"/>
+                <a:headEnd/>
+                <a:tailEnd/>
+              </a14:hiddenLine>
+            </a:ext>
+          </a:extLst>
+        </p:spPr>
+      </p:pic>
+      <p:sp>
+        <p:nvSpPr>
+          <p:cNvPr id="6" name="Slide Number Placeholder 5"/>
+          <p:cNvSpPr>
+            <a:spLocks noGrp="1"/>
+          </p:cNvSpPr>
+          <p:nvPr>
+            <p:ph type="sldNum" sz="quarter" idx="12"/>
+          </p:nvPr>
+        </p:nvSpPr>
+        <p:spPr/>
+        <p:txBody>
+          <a:bodyPr/>
+          <a:lstStyle/>
+          <a:p>
+            <a:fld id="{9F10C86B-4752-43DD-85C6-6BDBDC82DA15}" type="slidenum">
+              <a:rPr lang="de-CH" smtClean="0"/>
+              <a:pPr/>
+              <a:t>7</a:t>
+            </a:fld>
+            <a:endParaRPr lang="de-CH"/>
+          </a:p>
+        </p:txBody>
+      </p:sp>
+    </p:spTree>
+    <p:extLst>
+      <p:ext uri="{BB962C8B-B14F-4D97-AF65-F5344CB8AC3E}">
+        <p14:creationId xmlns:p14="http://schemas.microsoft.com/office/powerpoint/2010/main" val="723779054"/>
+      </p:ext>
+    </p:extLst>
+  </p:cSld>
+  <p:clrMapOvr>
+    <a:masterClrMapping/>
+  </p:clrMapOvr>
+</p:sld>
+</file>
+
+<file path=ppt/slides/slide8.xml><?xml version="1.0" encoding="utf-8"?>
 <p:sld xmlns:a="http://schemas.openxmlformats.org/drawingml/2006/main" xmlns:r="http://schemas.openxmlformats.org/officeDocument/2006/relationships" xmlns:p="http://schemas.openxmlformats.org/presentationml/2006/main">
   <p:cSld>
     <p:spTree>
@@ -7856,7 +8463,7 @@
       </p:pic>
       <p:sp>
         <p:nvSpPr>
-          <p:cNvPr id="6" name="Titel 1"/>
+          <p:cNvPr id="5" name="Title 1"/>
           <p:cNvSpPr txBox="1">
             <a:spLocks/>
           </p:cNvSpPr>
@@ -7864,8 +8471,8 @@
         </p:nvSpPr>
         <p:spPr>
           <a:xfrm>
-            <a:off x="4196879" y="943639"/>
-            <a:ext cx="7812984" cy="4403225"/>
+            <a:off x="2076978" y="702735"/>
+            <a:ext cx="10018713" cy="685800"/>
           </a:xfrm>
           <a:prstGeom prst="rect">
             <a:avLst/>
@@ -7955,97 +8562,122 @@
           <a:p>
             <a:pPr algn="l"/>
             <a:r>
-              <a:rPr lang="en-US" sz="2000" dirty="0">
-                <a:latin typeface="Source Sans Pro" charset="0"/>
-                <a:ea typeface="Source Sans Pro" charset="0"/>
-                <a:cs typeface="Source Sans Pro" charset="0"/>
+              <a:rPr lang="en-US" sz="3200" b="1" dirty="0">
+                <a:latin typeface="Arial" panose="020B0604020202020204" pitchFamily="34" charset="0"/>
+                <a:cs typeface="Arial" panose="020B0604020202020204" pitchFamily="34" charset="0"/>
               </a:rPr>
-              <a:t>e-Retail</a:t>
-            </a:r>
-          </a:p>
+              <a:t>Thanks You !!!</a:t>
+            </a:r>
+          </a:p>
+        </p:txBody>
+      </p:sp>
+      <p:sp>
+        <p:nvSpPr>
+          <p:cNvPr id="7" name="Title 1"/>
+          <p:cNvSpPr txBox="1">
+            <a:spLocks/>
+          </p:cNvSpPr>
+          <p:nvPr/>
+        </p:nvSpPr>
+        <p:spPr>
+          <a:xfrm>
+            <a:off x="4049712" y="2899835"/>
+            <a:ext cx="5940956" cy="685800"/>
+          </a:xfrm>
+          <a:prstGeom prst="rect">
+            <a:avLst/>
+          </a:prstGeom>
+          <a:effectLst/>
+        </p:spPr>
+        <p:txBody>
+          <a:bodyPr vert="horz" lIns="91440" tIns="45720" rIns="91440" bIns="45720" rtlCol="0" anchor="b">
+            <a:normAutofit/>
+          </a:bodyPr>
+          <a:lstStyle>
+            <a:lvl1pPr algn="r" defTabSz="457200" rtl="0" eaLnBrk="1" latinLnBrk="0" hangingPunct="1">
+              <a:spcBef>
+                <a:spcPct val="0"/>
+              </a:spcBef>
+              <a:buNone/>
+              <a:defRPr sz="6000" kern="1200" cap="none">
+                <a:ln w="3175" cmpd="sng">
+                  <a:noFill/>
+                </a:ln>
+                <a:solidFill>
+                  <a:schemeClr val="tx1"/>
+                </a:solidFill>
+                <a:effectLst/>
+                <a:latin typeface="+mj-lt"/>
+                <a:ea typeface="+mj-ea"/>
+                <a:cs typeface="+mj-cs"/>
+              </a:defRPr>
+            </a:lvl1pPr>
+            <a:lvl2pPr eaLnBrk="1" hangingPunct="1">
+              <a:defRPr>
+                <a:solidFill>
+                  <a:schemeClr val="tx2"/>
+                </a:solidFill>
+              </a:defRPr>
+            </a:lvl2pPr>
+            <a:lvl3pPr eaLnBrk="1" hangingPunct="1">
+              <a:defRPr>
+                <a:solidFill>
+                  <a:schemeClr val="tx2"/>
+                </a:solidFill>
+              </a:defRPr>
+            </a:lvl3pPr>
+            <a:lvl4pPr eaLnBrk="1" hangingPunct="1">
+              <a:defRPr>
+                <a:solidFill>
+                  <a:schemeClr val="tx2"/>
+                </a:solidFill>
+              </a:defRPr>
+            </a:lvl4pPr>
+            <a:lvl5pPr eaLnBrk="1" hangingPunct="1">
+              <a:defRPr>
+                <a:solidFill>
+                  <a:schemeClr val="tx2"/>
+                </a:solidFill>
+              </a:defRPr>
+            </a:lvl5pPr>
+            <a:lvl6pPr eaLnBrk="1" hangingPunct="1">
+              <a:defRPr>
+                <a:solidFill>
+                  <a:schemeClr val="tx2"/>
+                </a:solidFill>
+              </a:defRPr>
+            </a:lvl6pPr>
+            <a:lvl7pPr eaLnBrk="1" hangingPunct="1">
+              <a:defRPr>
+                <a:solidFill>
+                  <a:schemeClr val="tx2"/>
+                </a:solidFill>
+              </a:defRPr>
+            </a:lvl7pPr>
+            <a:lvl8pPr eaLnBrk="1" hangingPunct="1">
+              <a:defRPr>
+                <a:solidFill>
+                  <a:schemeClr val="tx2"/>
+                </a:solidFill>
+              </a:defRPr>
+            </a:lvl8pPr>
+            <a:lvl9pPr eaLnBrk="1" hangingPunct="1">
+              <a:defRPr>
+                <a:solidFill>
+                  <a:schemeClr val="tx2"/>
+                </a:solidFill>
+              </a:defRPr>
+            </a:lvl9pPr>
+          </a:lstStyle>
           <a:p>
             <a:pPr algn="l"/>
             <a:r>
-              <a:rPr lang="en-US" sz="2000" dirty="0">
-                <a:latin typeface="Source Sans Pro" charset="0"/>
-                <a:ea typeface="Source Sans Pro" charset="0"/>
-                <a:cs typeface="Source Sans Pro" charset="0"/>
+              <a:rPr lang="en-US" sz="3200" b="1" dirty="0">
+                <a:latin typeface="Arial" panose="020B0604020202020204" pitchFamily="34" charset="0"/>
+                <a:cs typeface="Arial" panose="020B0604020202020204" pitchFamily="34" charset="0"/>
               </a:rPr>
-              <a:t>CC Clothing Company</a:t>
-            </a:r>
-            <a:br>
-              <a:rPr lang="en-US" sz="2400" b="1" dirty="0">
-                <a:latin typeface="Serifa Std 65" charset="0"/>
-                <a:ea typeface="Serifa Std 65" charset="0"/>
-                <a:cs typeface="Serifa Std 65" charset="0"/>
-              </a:rPr>
-            </a:br>
-            <a:br>
-              <a:rPr lang="en-US" sz="2400" b="1" dirty="0">
-                <a:latin typeface="Serifa Std 65" charset="0"/>
-                <a:ea typeface="Serifa Std 65" charset="0"/>
-                <a:cs typeface="Serifa Std 65" charset="0"/>
-              </a:rPr>
-            </a:br>
-            <a:r>
-              <a:rPr lang="en-US" sz="3600" b="1" dirty="0">
-                <a:latin typeface="Serifa Std 65" charset="0"/>
-                <a:ea typeface="Serifa Std 65" charset="0"/>
-                <a:cs typeface="Serifa Std 65" charset="0"/>
-              </a:rPr>
-              <a:t>Showcase</a:t>
-            </a:r>
-          </a:p>
-          <a:p>
-            <a:pPr algn="l"/>
-            <a:endParaRPr lang="en-US" sz="3600" b="1" dirty="0">
-              <a:latin typeface="Serifa Std 65" charset="0"/>
-              <a:ea typeface="Serifa Std 65" charset="0"/>
-              <a:cs typeface="Serifa Std 65" charset="0"/>
-            </a:endParaRPr>
-          </a:p>
-          <a:p>
-            <a:pPr algn="l"/>
-            <a:r>
-              <a:rPr lang="en-US" sz="3600" dirty="0">
-                <a:hlinkClick r:id="rId4"/>
-              </a:rPr>
-              <a:t>https://digibp-webapp.herokuapp.com/</a:t>
-            </a:r>
-            <a:br>
-              <a:rPr lang="en-US" sz="3600" b="1" dirty="0">
-                <a:latin typeface="Serifa Std 65" charset="0"/>
-                <a:ea typeface="Serifa Std 65" charset="0"/>
-                <a:cs typeface="Serifa Std 65" charset="0"/>
-              </a:rPr>
-            </a:br>
-            <a:br>
-              <a:rPr lang="en-US" sz="3600" b="1" dirty="0">
-                <a:latin typeface="Serifa Std 65" charset="0"/>
-                <a:ea typeface="Serifa Std 65" charset="0"/>
-                <a:cs typeface="Serifa Std 65" charset="0"/>
-              </a:rPr>
-            </a:br>
-            <a:br>
-              <a:rPr lang="en-US" sz="3600" b="1" dirty="0">
-                <a:latin typeface="Serifa Std 65" charset="0"/>
-                <a:ea typeface="Serifa Std 65" charset="0"/>
-                <a:cs typeface="Serifa Std 65" charset="0"/>
-              </a:rPr>
-            </a:br>
-            <a:r>
-              <a:rPr lang="en-US" sz="2000" dirty="0">
-                <a:latin typeface="Source Sans Pro" charset="0"/>
-                <a:ea typeface="Source Sans Pro" charset="0"/>
-                <a:cs typeface="Source Sans Pro" charset="0"/>
-              </a:rPr>
-              <a:t>Team Morcote: Loris, Oliver, Shambhu, Yannick</a:t>
-            </a:r>
-            <a:endParaRPr lang="de-CH" sz="2000" dirty="0">
-              <a:latin typeface="Source Sans Pro" charset="0"/>
-              <a:ea typeface="Source Sans Pro" charset="0"/>
-              <a:cs typeface="Source Sans Pro" charset="0"/>
-            </a:endParaRPr>
+              <a:t>Questions?</a:t>
+            </a:r>
           </a:p>
         </p:txBody>
       </p:sp>
